--- a/Fall_2021/lecture_7 - Basics of Experimental Design/Lecture_7 - Design_of_experiments-Overview.pptx
+++ b/Fall_2021/lecture_7 - Basics of Experimental Design/Lecture_7 - Design_of_experiments-Overview.pptx
@@ -5,10 +5,10 @@
     <p:sldMasterId id="2147483648" r:id="rId1"/>
   </p:sldMasterIdLst>
   <p:notesMasterIdLst>
-    <p:notesMasterId r:id="rId22"/>
+    <p:notesMasterId r:id="rId21"/>
   </p:notesMasterIdLst>
   <p:handoutMasterIdLst>
-    <p:handoutMasterId r:id="rId23"/>
+    <p:handoutMasterId r:id="rId22"/>
   </p:handoutMasterIdLst>
   <p:sldIdLst>
     <p:sldId id="473" r:id="rId2"/>
@@ -26,11 +26,10 @@
     <p:sldId id="391" r:id="rId14"/>
     <p:sldId id="385" r:id="rId15"/>
     <p:sldId id="271" r:id="rId16"/>
-    <p:sldId id="392" r:id="rId17"/>
-    <p:sldId id="383" r:id="rId18"/>
-    <p:sldId id="384" r:id="rId19"/>
-    <p:sldId id="387" r:id="rId20"/>
-    <p:sldId id="386" r:id="rId21"/>
+    <p:sldId id="474" r:id="rId17"/>
+    <p:sldId id="392" r:id="rId18"/>
+    <p:sldId id="383" r:id="rId19"/>
+    <p:sldId id="384" r:id="rId20"/>
   </p:sldIdLst>
   <p:sldSz cx="9144000" cy="6858000" type="screen4x3"/>
   <p:notesSz cx="6858000" cy="9144000"/>
@@ -300,7 +299,7 @@
               <a:pPr>
                 <a:defRPr/>
               </a:pPr>
-              <a:t>9/19/21</a:t>
+              <a:t>10/13/21</a:t>
             </a:fld>
             <a:endParaRPr lang="en-US" altLang="x-none"/>
           </a:p>
@@ -509,7 +508,7 @@
               <a:pPr>
                 <a:defRPr/>
               </a:pPr>
-              <a:t>9/19/21</a:t>
+              <a:t>10/13/21</a:t>
             </a:fld>
             <a:endParaRPr lang="en-US" altLang="x-none"/>
           </a:p>
@@ -1160,7 +1159,7 @@
               <a:pPr>
                 <a:defRPr/>
               </a:pPr>
-              <a:t>18</a:t>
+              <a:t>19</a:t>
             </a:fld>
             <a:endParaRPr lang="en-US" altLang="x-none"/>
           </a:p>
@@ -1170,96 +1169,6 @@
     <p:extLst>
       <p:ext uri="{BB962C8B-B14F-4D97-AF65-F5344CB8AC3E}">
         <p14:creationId xmlns:p14="http://schemas.microsoft.com/office/powerpoint/2010/main" val="2642003279"/>
-      </p:ext>
-    </p:extLst>
-  </p:cSld>
-  <p:clrMapOvr>
-    <a:masterClrMapping/>
-  </p:clrMapOvr>
-</p:notes>
-</file>
-
-<file path=ppt/notesSlides/notesSlide12.xml><?xml version="1.0" encoding="utf-8"?>
-<p:notes xmlns:a="http://schemas.openxmlformats.org/drawingml/2006/main" xmlns:r="http://schemas.openxmlformats.org/officeDocument/2006/relationships" xmlns:p="http://schemas.openxmlformats.org/presentationml/2006/main">
-  <p:cSld>
-    <p:spTree>
-      <p:nvGrpSpPr>
-        <p:cNvPr id="1" name=""/>
-        <p:cNvGrpSpPr/>
-        <p:nvPr/>
-      </p:nvGrpSpPr>
-      <p:grpSpPr>
-        <a:xfrm>
-          <a:off x="0" y="0"/>
-          <a:ext cx="0" cy="0"/>
-          <a:chOff x="0" y="0"/>
-          <a:chExt cx="0" cy="0"/>
-        </a:xfrm>
-      </p:grpSpPr>
-      <p:sp>
-        <p:nvSpPr>
-          <p:cNvPr id="2" name="Slide Image Placeholder 1"/>
-          <p:cNvSpPr>
-            <a:spLocks noGrp="1" noRot="1" noChangeAspect="1"/>
-          </p:cNvSpPr>
-          <p:nvPr>
-            <p:ph type="sldImg"/>
-          </p:nvPr>
-        </p:nvSpPr>
-        <p:spPr/>
-      </p:sp>
-      <p:sp>
-        <p:nvSpPr>
-          <p:cNvPr id="3" name="Notes Placeholder 2"/>
-          <p:cNvSpPr>
-            <a:spLocks noGrp="1"/>
-          </p:cNvSpPr>
-          <p:nvPr>
-            <p:ph type="body" idx="1"/>
-          </p:nvPr>
-        </p:nvSpPr>
-        <p:spPr/>
-        <p:txBody>
-          <a:bodyPr/>
-          <a:lstStyle/>
-          <a:p>
-            <a:endParaRPr lang="en-US" dirty="0"/>
-          </a:p>
-        </p:txBody>
-      </p:sp>
-      <p:sp>
-        <p:nvSpPr>
-          <p:cNvPr id="4" name="Slide Number Placeholder 3"/>
-          <p:cNvSpPr>
-            <a:spLocks noGrp="1"/>
-          </p:cNvSpPr>
-          <p:nvPr>
-            <p:ph type="sldNum" sz="quarter" idx="5"/>
-          </p:nvPr>
-        </p:nvSpPr>
-        <p:spPr/>
-        <p:txBody>
-          <a:bodyPr/>
-          <a:lstStyle/>
-          <a:p>
-            <a:pPr>
-              <a:defRPr/>
-            </a:pPr>
-            <a:fld id="{1E3608CA-DBCA-4E8F-8DAB-6E1AFAF19782}" type="slidenum">
-              <a:rPr lang="en-US" altLang="x-none" smtClean="0"/>
-              <a:pPr>
-                <a:defRPr/>
-              </a:pPr>
-              <a:t>20</a:t>
-            </a:fld>
-            <a:endParaRPr lang="en-US" altLang="x-none"/>
-          </a:p>
-        </p:txBody>
-      </p:sp>
-    </p:spTree>
-    <p:extLst>
-      <p:ext uri="{BB962C8B-B14F-4D97-AF65-F5344CB8AC3E}">
-        <p14:creationId xmlns:p14="http://schemas.microsoft.com/office/powerpoint/2010/main" val="1343307323"/>
       </p:ext>
     </p:extLst>
   </p:cSld>
@@ -19898,6 +19807,678 @@
           <p:cNvPr id="2" name="Title 1">
             <a:extLst>
               <a:ext uri="{FF2B5EF4-FFF2-40B4-BE49-F238E27FC236}">
+                <a16:creationId xmlns:a16="http://schemas.microsoft.com/office/drawing/2014/main" id="{A4B0CF18-CF99-E647-858E-23822A9B7C4C}"/>
+              </a:ext>
+            </a:extLst>
+          </p:cNvPr>
+          <p:cNvSpPr>
+            <a:spLocks noGrp="1"/>
+          </p:cNvSpPr>
+          <p:nvPr>
+            <p:ph type="title"/>
+          </p:nvPr>
+        </p:nvSpPr>
+        <p:spPr/>
+        <p:txBody>
+          <a:bodyPr/>
+          <a:lstStyle/>
+          <a:p>
+            <a:r>
+              <a:rPr lang="en-US" dirty="0"/>
+              <a:t>Fourier Transform Basics</a:t>
+            </a:r>
+          </a:p>
+        </p:txBody>
+      </p:sp>
+      <p:sp>
+        <p:nvSpPr>
+          <p:cNvPr id="4" name="Slide Number Placeholder 3">
+            <a:extLst>
+              <a:ext uri="{FF2B5EF4-FFF2-40B4-BE49-F238E27FC236}">
+                <a16:creationId xmlns:a16="http://schemas.microsoft.com/office/drawing/2014/main" id="{BE4D6C1E-4B92-6944-B73E-5A517E972D80}"/>
+              </a:ext>
+            </a:extLst>
+          </p:cNvPr>
+          <p:cNvSpPr>
+            <a:spLocks noGrp="1"/>
+          </p:cNvSpPr>
+          <p:nvPr>
+            <p:ph type="sldNum" sz="quarter" idx="11"/>
+          </p:nvPr>
+        </p:nvSpPr>
+        <p:spPr/>
+        <p:txBody>
+          <a:bodyPr/>
+          <a:lstStyle/>
+          <a:p>
+            <a:pPr>
+              <a:defRPr/>
+            </a:pPr>
+            <a:fld id="{3EF4E9CC-9D91-476E-91FD-5BEEC1642931}" type="slidenum">
+              <a:rPr lang="en-US" altLang="x-none" smtClean="0"/>
+              <a:pPr>
+                <a:defRPr/>
+              </a:pPr>
+              <a:t>16</a:t>
+            </a:fld>
+            <a:endParaRPr lang="en-US" altLang="x-none"/>
+          </a:p>
+        </p:txBody>
+      </p:sp>
+      <p:pic>
+        <p:nvPicPr>
+          <p:cNvPr id="1026" name="Picture 2" descr="Understanding of Fast Fourier Transform (FFT) | CMOSBJT">
+            <a:extLst>
+              <a:ext uri="{FF2B5EF4-FFF2-40B4-BE49-F238E27FC236}">
+                <a16:creationId xmlns:a16="http://schemas.microsoft.com/office/drawing/2014/main" id="{49EA6993-9EE5-0048-BF3B-C117DE0C3BE0}"/>
+              </a:ext>
+            </a:extLst>
+          </p:cNvPr>
+          <p:cNvPicPr>
+            <a:picLocks noChangeAspect="1" noChangeArrowheads="1"/>
+          </p:cNvPicPr>
+          <p:nvPr/>
+        </p:nvPicPr>
+        <p:blipFill>
+          <a:blip r:embed="rId2">
+            <a:extLst>
+              <a:ext uri="{28A0092B-C50C-407E-A947-70E740481C1C}">
+                <a14:useLocalDpi xmlns:a14="http://schemas.microsoft.com/office/drawing/2010/main" val="0"/>
+              </a:ext>
+            </a:extLst>
+          </a:blip>
+          <a:srcRect/>
+          <a:stretch>
+            <a:fillRect/>
+          </a:stretch>
+        </p:blipFill>
+        <p:spPr bwMode="auto">
+          <a:xfrm>
+            <a:off x="3093720" y="958775"/>
+            <a:ext cx="3898900" cy="2082800"/>
+          </a:xfrm>
+          <a:prstGeom prst="rect">
+            <a:avLst/>
+          </a:prstGeom>
+          <a:noFill/>
+          <a:extLst>
+            <a:ext uri="{909E8E84-426E-40DD-AFC4-6F175D3DCCD1}">
+              <a14:hiddenFill xmlns:a14="http://schemas.microsoft.com/office/drawing/2010/main">
+                <a:solidFill>
+                  <a:srgbClr val="FFFFFF"/>
+                </a:solidFill>
+              </a14:hiddenFill>
+            </a:ext>
+          </a:extLst>
+        </p:spPr>
+      </p:pic>
+      <p:pic>
+        <p:nvPicPr>
+          <p:cNvPr id="6" name="Picture 2">
+            <a:extLst>
+              <a:ext uri="{FF2B5EF4-FFF2-40B4-BE49-F238E27FC236}">
+                <a16:creationId xmlns:a16="http://schemas.microsoft.com/office/drawing/2014/main" id="{BB143655-65B1-A14A-A5CB-5431A24F857A}"/>
+              </a:ext>
+            </a:extLst>
+          </p:cNvPr>
+          <p:cNvPicPr>
+            <a:picLocks noChangeAspect="1" noChangeArrowheads="1"/>
+          </p:cNvPicPr>
+          <p:nvPr/>
+        </p:nvPicPr>
+        <p:blipFill>
+          <a:blip r:embed="rId3">
+            <a:extLst>
+              <a:ext uri="{28A0092B-C50C-407E-A947-70E740481C1C}">
+                <a14:useLocalDpi xmlns:a14="http://schemas.microsoft.com/office/drawing/2010/main" val="0"/>
+              </a:ext>
+            </a:extLst>
+          </a:blip>
+          <a:srcRect/>
+          <a:stretch>
+            <a:fillRect/>
+          </a:stretch>
+        </p:blipFill>
+        <p:spPr bwMode="auto">
+          <a:xfrm>
+            <a:off x="262128" y="807389"/>
+            <a:ext cx="2249424" cy="1515916"/>
+          </a:xfrm>
+          <a:prstGeom prst="rect">
+            <a:avLst/>
+          </a:prstGeom>
+          <a:noFill/>
+          <a:extLst>
+            <a:ext uri="{909E8E84-426E-40DD-AFC4-6F175D3DCCD1}">
+              <a14:hiddenFill xmlns:a14="http://schemas.microsoft.com/office/drawing/2010/main">
+                <a:solidFill>
+                  <a:srgbClr val="FFFFFF"/>
+                </a:solidFill>
+              </a14:hiddenFill>
+            </a:ext>
+          </a:extLst>
+        </p:spPr>
+      </p:pic>
+      <p:pic>
+        <p:nvPicPr>
+          <p:cNvPr id="7" name="Picture 6" descr="Diagram&#10;&#10;Description automatically generated">
+            <a:extLst>
+              <a:ext uri="{FF2B5EF4-FFF2-40B4-BE49-F238E27FC236}">
+                <a16:creationId xmlns:a16="http://schemas.microsoft.com/office/drawing/2014/main" id="{DABB7BD0-FECD-CD47-A0AD-4F7FA6E4DC01}"/>
+              </a:ext>
+            </a:extLst>
+          </p:cNvPr>
+          <p:cNvPicPr>
+            <a:picLocks noChangeAspect="1"/>
+          </p:cNvPicPr>
+          <p:nvPr/>
+        </p:nvPicPr>
+        <p:blipFill>
+          <a:blip r:embed="rId4"/>
+          <a:stretch>
+            <a:fillRect/>
+          </a:stretch>
+        </p:blipFill>
+        <p:spPr>
+          <a:xfrm>
+            <a:off x="2828266" y="4146694"/>
+            <a:ext cx="4737100" cy="977900"/>
+          </a:xfrm>
+          <a:prstGeom prst="rect">
+            <a:avLst/>
+          </a:prstGeom>
+        </p:spPr>
+      </p:pic>
+      <p:sp>
+        <p:nvSpPr>
+          <p:cNvPr id="8" name="TextBox 7">
+            <a:extLst>
+              <a:ext uri="{FF2B5EF4-FFF2-40B4-BE49-F238E27FC236}">
+                <a16:creationId xmlns:a16="http://schemas.microsoft.com/office/drawing/2014/main" id="{FD215393-9A18-7142-A16D-79B05F4CEFFB}"/>
+              </a:ext>
+            </a:extLst>
+          </p:cNvPr>
+          <p:cNvSpPr txBox="1"/>
+          <p:nvPr/>
+        </p:nvSpPr>
+        <p:spPr>
+          <a:xfrm>
+            <a:off x="2828266" y="5401431"/>
+            <a:ext cx="5565648" cy="646331"/>
+          </a:xfrm>
+          <a:prstGeom prst="rect">
+            <a:avLst/>
+          </a:prstGeom>
+          <a:noFill/>
+        </p:spPr>
+        <p:txBody>
+          <a:bodyPr wrap="square" rtlCol="0">
+            <a:spAutoFit/>
+          </a:bodyPr>
+          <a:lstStyle/>
+          <a:p>
+            <a:r>
+              <a:rPr lang="en-US" dirty="0"/>
+              <a:t>If </a:t>
+            </a:r>
+            <a:r>
+              <a:rPr lang="en-US" i="1" dirty="0"/>
+              <a:t>X[k] </a:t>
+            </a:r>
+            <a:r>
+              <a:rPr lang="en-US" dirty="0"/>
+              <a:t>is large, then there is an oscillation at a frequency proportional to </a:t>
+            </a:r>
+            <a:r>
+              <a:rPr lang="en-US" i="1" dirty="0"/>
+              <a:t>k/N.</a:t>
+            </a:r>
+            <a:r>
+              <a:rPr lang="en-US" dirty="0"/>
+              <a:t> </a:t>
+            </a:r>
+            <a:endParaRPr lang="en-US" i="1" dirty="0"/>
+          </a:p>
+        </p:txBody>
+      </p:sp>
+      <p:sp>
+        <p:nvSpPr>
+          <p:cNvPr id="9" name="TextBox 8">
+            <a:extLst>
+              <a:ext uri="{FF2B5EF4-FFF2-40B4-BE49-F238E27FC236}">
+                <a16:creationId xmlns:a16="http://schemas.microsoft.com/office/drawing/2014/main" id="{CC6DD484-1971-A944-AD08-1E1EFA516DC6}"/>
+              </a:ext>
+            </a:extLst>
+          </p:cNvPr>
+          <p:cNvSpPr txBox="1"/>
+          <p:nvPr/>
+        </p:nvSpPr>
+        <p:spPr>
+          <a:xfrm>
+            <a:off x="1374747" y="3141702"/>
+            <a:ext cx="351378" cy="369332"/>
+          </a:xfrm>
+          <a:prstGeom prst="rect">
+            <a:avLst/>
+          </a:prstGeom>
+          <a:noFill/>
+        </p:spPr>
+        <p:txBody>
+          <a:bodyPr wrap="none" rtlCol="0">
+            <a:spAutoFit/>
+          </a:bodyPr>
+          <a:lstStyle/>
+          <a:p>
+            <a:r>
+              <a:rPr lang="en-US" i="1" dirty="0"/>
+              <a:t>N</a:t>
+            </a:r>
+          </a:p>
+        </p:txBody>
+      </p:sp>
+      <p:sp>
+        <p:nvSpPr>
+          <p:cNvPr id="10" name="TextBox 9">
+            <a:extLst>
+              <a:ext uri="{FF2B5EF4-FFF2-40B4-BE49-F238E27FC236}">
+                <a16:creationId xmlns:a16="http://schemas.microsoft.com/office/drawing/2014/main" id="{09E0A7C0-1E46-C84B-9E5C-623685334440}"/>
+              </a:ext>
+            </a:extLst>
+          </p:cNvPr>
+          <p:cNvSpPr txBox="1"/>
+          <p:nvPr/>
+        </p:nvSpPr>
+        <p:spPr>
+          <a:xfrm rot="16200000">
+            <a:off x="856444" y="1393833"/>
+            <a:ext cx="896399" cy="2646878"/>
+          </a:xfrm>
+          <a:prstGeom prst="rect">
+            <a:avLst/>
+          </a:prstGeom>
+          <a:noFill/>
+        </p:spPr>
+        <p:txBody>
+          <a:bodyPr wrap="none" rtlCol="0">
+            <a:spAutoFit/>
+          </a:bodyPr>
+          <a:lstStyle/>
+          <a:p>
+            <a:r>
+              <a:rPr lang="en-US" sz="16600" dirty="0"/>
+              <a:t>{</a:t>
+            </a:r>
+          </a:p>
+        </p:txBody>
+      </p:sp>
+      <p:sp>
+        <p:nvSpPr>
+          <p:cNvPr id="11" name="TextBox 10">
+            <a:extLst>
+              <a:ext uri="{FF2B5EF4-FFF2-40B4-BE49-F238E27FC236}">
+                <a16:creationId xmlns:a16="http://schemas.microsoft.com/office/drawing/2014/main" id="{D3985BA8-F923-7F40-AE29-F53C94A22933}"/>
+              </a:ext>
+            </a:extLst>
+          </p:cNvPr>
+          <p:cNvSpPr txBox="1"/>
+          <p:nvPr/>
+        </p:nvSpPr>
+        <p:spPr>
+          <a:xfrm>
+            <a:off x="2828266" y="3244334"/>
+            <a:ext cx="4940988" cy="923330"/>
+          </a:xfrm>
+          <a:prstGeom prst="rect">
+            <a:avLst/>
+          </a:prstGeom>
+          <a:noFill/>
+        </p:spPr>
+        <p:txBody>
+          <a:bodyPr wrap="square" rtlCol="0">
+            <a:spAutoFit/>
+          </a:bodyPr>
+          <a:lstStyle/>
+          <a:p>
+            <a:r>
+              <a:rPr lang="en-US" dirty="0"/>
+              <a:t>The Fourier transform extracts frequency information from a time series by finding intervals </a:t>
+            </a:r>
+            <a:r>
+              <a:rPr lang="en-US" i="1" dirty="0"/>
+              <a:t>k </a:t>
+            </a:r>
+            <a:r>
+              <a:rPr lang="en-US" dirty="0"/>
+              <a:t>for which </a:t>
+            </a:r>
+            <a:r>
+              <a:rPr lang="en-US" i="1" dirty="0"/>
+              <a:t>X[k] </a:t>
+            </a:r>
+            <a:r>
+              <a:rPr lang="en-US" dirty="0"/>
+              <a:t>is large, for </a:t>
+            </a:r>
+            <a:r>
+              <a:rPr lang="en-US" i="1" dirty="0"/>
+              <a:t>k</a:t>
+            </a:r>
+            <a:r>
+              <a:rPr lang="en-US" dirty="0"/>
+              <a:t> in </a:t>
+            </a:r>
+            <a:r>
+              <a:rPr lang="en-US" i="1" dirty="0"/>
+              <a:t>1..N</a:t>
+            </a:r>
+          </a:p>
+        </p:txBody>
+      </p:sp>
+    </p:spTree>
+    <p:extLst>
+      <p:ext uri="{BB962C8B-B14F-4D97-AF65-F5344CB8AC3E}">
+        <p14:creationId xmlns:p14="http://schemas.microsoft.com/office/powerpoint/2010/main" val="2864660412"/>
+      </p:ext>
+    </p:extLst>
+  </p:cSld>
+  <p:clrMapOvr>
+    <a:masterClrMapping/>
+  </p:clrMapOvr>
+  <p:timing>
+    <p:tnLst>
+      <p:par>
+        <p:cTn id="1" dur="indefinite" restart="never" nodeType="tmRoot">
+          <p:childTnLst>
+            <p:seq concurrent="1" nextAc="seek">
+              <p:cTn id="2" dur="indefinite" nodeType="mainSeq">
+                <p:childTnLst>
+                  <p:par>
+                    <p:cTn id="3" fill="hold">
+                      <p:stCondLst>
+                        <p:cond delay="indefinite"/>
+                      </p:stCondLst>
+                      <p:childTnLst>
+                        <p:par>
+                          <p:cTn id="4" fill="hold">
+                            <p:stCondLst>
+                              <p:cond delay="0"/>
+                            </p:stCondLst>
+                            <p:childTnLst>
+                              <p:par>
+                                <p:cTn id="5" presetID="1" presetClass="entr" presetSubtype="0" fill="hold" nodeType="clickEffect">
+                                  <p:stCondLst>
+                                    <p:cond delay="0"/>
+                                  </p:stCondLst>
+                                  <p:childTnLst>
+                                    <p:set>
+                                      <p:cBhvr>
+                                        <p:cTn id="6" dur="1" fill="hold">
+                                          <p:stCondLst>
+                                            <p:cond delay="0"/>
+                                          </p:stCondLst>
+                                        </p:cTn>
+                                        <p:tgtEl>
+                                          <p:spTgt spid="1026"/>
+                                        </p:tgtEl>
+                                        <p:attrNameLst>
+                                          <p:attrName>style.visibility</p:attrName>
+                                        </p:attrNameLst>
+                                      </p:cBhvr>
+                                      <p:to>
+                                        <p:strVal val="visible"/>
+                                      </p:to>
+                                    </p:set>
+                                  </p:childTnLst>
+                                </p:cTn>
+                              </p:par>
+                            </p:childTnLst>
+                          </p:cTn>
+                        </p:par>
+                      </p:childTnLst>
+                    </p:cTn>
+                  </p:par>
+                  <p:par>
+                    <p:cTn id="7" fill="hold">
+                      <p:stCondLst>
+                        <p:cond delay="indefinite"/>
+                      </p:stCondLst>
+                      <p:childTnLst>
+                        <p:par>
+                          <p:cTn id="8" fill="hold">
+                            <p:stCondLst>
+                              <p:cond delay="0"/>
+                            </p:stCondLst>
+                            <p:childTnLst>
+                              <p:par>
+                                <p:cTn id="9" presetID="1" presetClass="entr" presetSubtype="0" fill="hold" grpId="0" nodeType="clickEffect">
+                                  <p:stCondLst>
+                                    <p:cond delay="0"/>
+                                  </p:stCondLst>
+                                  <p:childTnLst>
+                                    <p:set>
+                                      <p:cBhvr>
+                                        <p:cTn id="10" dur="1" fill="hold">
+                                          <p:stCondLst>
+                                            <p:cond delay="0"/>
+                                          </p:stCondLst>
+                                        </p:cTn>
+                                        <p:tgtEl>
+                                          <p:spTgt spid="10"/>
+                                        </p:tgtEl>
+                                        <p:attrNameLst>
+                                          <p:attrName>style.visibility</p:attrName>
+                                        </p:attrNameLst>
+                                      </p:cBhvr>
+                                      <p:to>
+                                        <p:strVal val="visible"/>
+                                      </p:to>
+                                    </p:set>
+                                  </p:childTnLst>
+                                </p:cTn>
+                              </p:par>
+                              <p:par>
+                                <p:cTn id="11" presetID="1" presetClass="entr" presetSubtype="0" fill="hold" grpId="0" nodeType="withEffect">
+                                  <p:stCondLst>
+                                    <p:cond delay="0"/>
+                                  </p:stCondLst>
+                                  <p:childTnLst>
+                                    <p:set>
+                                      <p:cBhvr>
+                                        <p:cTn id="12" dur="1" fill="hold">
+                                          <p:stCondLst>
+                                            <p:cond delay="0"/>
+                                          </p:stCondLst>
+                                        </p:cTn>
+                                        <p:tgtEl>
+                                          <p:spTgt spid="9"/>
+                                        </p:tgtEl>
+                                        <p:attrNameLst>
+                                          <p:attrName>style.visibility</p:attrName>
+                                        </p:attrNameLst>
+                                      </p:cBhvr>
+                                      <p:to>
+                                        <p:strVal val="visible"/>
+                                      </p:to>
+                                    </p:set>
+                                  </p:childTnLst>
+                                </p:cTn>
+                              </p:par>
+                            </p:childTnLst>
+                          </p:cTn>
+                        </p:par>
+                      </p:childTnLst>
+                    </p:cTn>
+                  </p:par>
+                  <p:par>
+                    <p:cTn id="13" fill="hold">
+                      <p:stCondLst>
+                        <p:cond delay="indefinite"/>
+                      </p:stCondLst>
+                      <p:childTnLst>
+                        <p:par>
+                          <p:cTn id="14" fill="hold">
+                            <p:stCondLst>
+                              <p:cond delay="0"/>
+                            </p:stCondLst>
+                            <p:childTnLst>
+                              <p:par>
+                                <p:cTn id="15" presetID="1" presetClass="entr" presetSubtype="0" fill="hold" grpId="0" nodeType="clickEffect">
+                                  <p:stCondLst>
+                                    <p:cond delay="0"/>
+                                  </p:stCondLst>
+                                  <p:childTnLst>
+                                    <p:set>
+                                      <p:cBhvr>
+                                        <p:cTn id="16" dur="1" fill="hold">
+                                          <p:stCondLst>
+                                            <p:cond delay="0"/>
+                                          </p:stCondLst>
+                                        </p:cTn>
+                                        <p:tgtEl>
+                                          <p:spTgt spid="11"/>
+                                        </p:tgtEl>
+                                        <p:attrNameLst>
+                                          <p:attrName>style.visibility</p:attrName>
+                                        </p:attrNameLst>
+                                      </p:cBhvr>
+                                      <p:to>
+                                        <p:strVal val="visible"/>
+                                      </p:to>
+                                    </p:set>
+                                  </p:childTnLst>
+                                </p:cTn>
+                              </p:par>
+                            </p:childTnLst>
+                          </p:cTn>
+                        </p:par>
+                      </p:childTnLst>
+                    </p:cTn>
+                  </p:par>
+                  <p:par>
+                    <p:cTn id="17" fill="hold">
+                      <p:stCondLst>
+                        <p:cond delay="indefinite"/>
+                      </p:stCondLst>
+                      <p:childTnLst>
+                        <p:par>
+                          <p:cTn id="18" fill="hold">
+                            <p:stCondLst>
+                              <p:cond delay="0"/>
+                            </p:stCondLst>
+                            <p:childTnLst>
+                              <p:par>
+                                <p:cTn id="19" presetID="1" presetClass="entr" presetSubtype="0" fill="hold" nodeType="clickEffect">
+                                  <p:stCondLst>
+                                    <p:cond delay="0"/>
+                                  </p:stCondLst>
+                                  <p:childTnLst>
+                                    <p:set>
+                                      <p:cBhvr>
+                                        <p:cTn id="20" dur="1" fill="hold">
+                                          <p:stCondLst>
+                                            <p:cond delay="0"/>
+                                          </p:stCondLst>
+                                        </p:cTn>
+                                        <p:tgtEl>
+                                          <p:spTgt spid="7"/>
+                                        </p:tgtEl>
+                                        <p:attrNameLst>
+                                          <p:attrName>style.visibility</p:attrName>
+                                        </p:attrNameLst>
+                                      </p:cBhvr>
+                                      <p:to>
+                                        <p:strVal val="visible"/>
+                                      </p:to>
+                                    </p:set>
+                                  </p:childTnLst>
+                                </p:cTn>
+                              </p:par>
+                              <p:par>
+                                <p:cTn id="21" presetID="1" presetClass="entr" presetSubtype="0" fill="hold" grpId="0" nodeType="withEffect">
+                                  <p:stCondLst>
+                                    <p:cond delay="0"/>
+                                  </p:stCondLst>
+                                  <p:childTnLst>
+                                    <p:set>
+                                      <p:cBhvr>
+                                        <p:cTn id="22" dur="1" fill="hold">
+                                          <p:stCondLst>
+                                            <p:cond delay="0"/>
+                                          </p:stCondLst>
+                                        </p:cTn>
+                                        <p:tgtEl>
+                                          <p:spTgt spid="8"/>
+                                        </p:tgtEl>
+                                        <p:attrNameLst>
+                                          <p:attrName>style.visibility</p:attrName>
+                                        </p:attrNameLst>
+                                      </p:cBhvr>
+                                      <p:to>
+                                        <p:strVal val="visible"/>
+                                      </p:to>
+                                    </p:set>
+                                  </p:childTnLst>
+                                </p:cTn>
+                              </p:par>
+                            </p:childTnLst>
+                          </p:cTn>
+                        </p:par>
+                      </p:childTnLst>
+                    </p:cTn>
+                  </p:par>
+                </p:childTnLst>
+              </p:cTn>
+              <p:prevCondLst>
+                <p:cond evt="onPrev" delay="0">
+                  <p:tgtEl>
+                    <p:sldTgt/>
+                  </p:tgtEl>
+                </p:cond>
+              </p:prevCondLst>
+              <p:nextCondLst>
+                <p:cond evt="onNext" delay="0">
+                  <p:tgtEl>
+                    <p:sldTgt/>
+                  </p:tgtEl>
+                </p:cond>
+              </p:nextCondLst>
+            </p:seq>
+          </p:childTnLst>
+        </p:cTn>
+      </p:par>
+    </p:tnLst>
+    <p:bldLst>
+      <p:bldP spid="8" grpId="0"/>
+      <p:bldP spid="9" grpId="0"/>
+      <p:bldP spid="10" grpId="0"/>
+      <p:bldP spid="11" grpId="0"/>
+    </p:bldLst>
+  </p:timing>
+</p:sld>
+</file>
+
+<file path=ppt/slides/slide17.xml><?xml version="1.0" encoding="utf-8"?>
+<p:sld xmlns:a="http://schemas.openxmlformats.org/drawingml/2006/main" xmlns:r="http://schemas.openxmlformats.org/officeDocument/2006/relationships" xmlns:p="http://schemas.openxmlformats.org/presentationml/2006/main">
+  <p:cSld>
+    <p:spTree>
+      <p:nvGrpSpPr>
+        <p:cNvPr id="1" name=""/>
+        <p:cNvGrpSpPr/>
+        <p:nvPr/>
+      </p:nvGrpSpPr>
+      <p:grpSpPr>
+        <a:xfrm>
+          <a:off x="0" y="0"/>
+          <a:ext cx="0" cy="0"/>
+          <a:chOff x="0" y="0"/>
+          <a:chExt cx="0" cy="0"/>
+        </a:xfrm>
+      </p:grpSpPr>
+      <p:sp>
+        <p:nvSpPr>
+          <p:cNvPr id="2" name="Title 1">
+            <a:extLst>
+              <a:ext uri="{FF2B5EF4-FFF2-40B4-BE49-F238E27FC236}">
                 <a16:creationId xmlns:a16="http://schemas.microsoft.com/office/drawing/2014/main" id="{202C1F93-E55B-6042-8C01-4C204EB340DF}"/>
               </a:ext>
             </a:extLst>
@@ -19975,7 +20556,7 @@
               <a:pPr>
                 <a:defRPr/>
               </a:pPr>
-              <a:t>16</a:t>
+              <a:t>17</a:t>
             </a:fld>
             <a:endParaRPr lang="en-US" altLang="x-none"/>
           </a:p>
@@ -19994,7 +20575,7 @@
 </p:sld>
 </file>
 
-<file path=ppt/slides/slide17.xml><?xml version="1.0" encoding="utf-8"?>
+<file path=ppt/slides/slide18.xml><?xml version="1.0" encoding="utf-8"?>
 <p:sld xmlns:a="http://schemas.openxmlformats.org/drawingml/2006/main" xmlns:r="http://schemas.openxmlformats.org/officeDocument/2006/relationships" xmlns:p="http://schemas.openxmlformats.org/presentationml/2006/main">
   <p:cSld>
     <p:spTree>
@@ -21517,7 +22098,7 @@
               <a:pPr>
                 <a:defRPr/>
               </a:pPr>
-              <a:t>17</a:t>
+              <a:t>18</a:t>
             </a:fld>
             <a:endParaRPr lang="en-US" altLang="x-none"/>
           </a:p>
@@ -21536,7 +22117,7 @@
 </p:sld>
 </file>
 
-<file path=ppt/slides/slide18.xml><?xml version="1.0" encoding="utf-8"?>
+<file path=ppt/slides/slide19.xml><?xml version="1.0" encoding="utf-8"?>
 <p:sld xmlns:a="http://schemas.openxmlformats.org/drawingml/2006/main" xmlns:r="http://schemas.openxmlformats.org/officeDocument/2006/relationships" xmlns:p="http://schemas.openxmlformats.org/presentationml/2006/main">
   <p:cSld>
     <p:spTree>
@@ -23151,7 +23732,7 @@
               <a:pPr>
                 <a:defRPr/>
               </a:pPr>
-              <a:t>18</a:t>
+              <a:t>19</a:t>
             </a:fld>
             <a:endParaRPr lang="en-US" altLang="x-none"/>
           </a:p>
@@ -23246,147 +23827,6 @@
       </p:par>
     </p:tnLst>
   </p:timing>
-</p:sld>
-</file>
-
-<file path=ppt/slides/slide19.xml><?xml version="1.0" encoding="utf-8"?>
-<p:sld xmlns:a="http://schemas.openxmlformats.org/drawingml/2006/main" xmlns:r="http://schemas.openxmlformats.org/officeDocument/2006/relationships" xmlns:p="http://schemas.openxmlformats.org/presentationml/2006/main">
-  <p:cSld>
-    <p:spTree>
-      <p:nvGrpSpPr>
-        <p:cNvPr id="1" name=""/>
-        <p:cNvGrpSpPr/>
-        <p:nvPr/>
-      </p:nvGrpSpPr>
-      <p:grpSpPr>
-        <a:xfrm>
-          <a:off x="0" y="0"/>
-          <a:ext cx="0" cy="0"/>
-          <a:chOff x="0" y="0"/>
-          <a:chExt cx="0" cy="0"/>
-        </a:xfrm>
-      </p:grpSpPr>
-      <p:sp>
-        <p:nvSpPr>
-          <p:cNvPr id="2" name="Title 1">
-            <a:extLst>
-              <a:ext uri="{FF2B5EF4-FFF2-40B4-BE49-F238E27FC236}">
-                <a16:creationId xmlns:a16="http://schemas.microsoft.com/office/drawing/2014/main" id="{2DC34CF6-E185-7947-A87A-67FAADEF6B51}"/>
-              </a:ext>
-            </a:extLst>
-          </p:cNvPr>
-          <p:cNvSpPr>
-            <a:spLocks noGrp="1"/>
-          </p:cNvSpPr>
-          <p:nvPr>
-            <p:ph type="title"/>
-          </p:nvPr>
-        </p:nvSpPr>
-        <p:spPr/>
-        <p:txBody>
-          <a:bodyPr/>
-          <a:lstStyle/>
-          <a:p>
-            <a:r>
-              <a:rPr lang="en-US" dirty="0"/>
-              <a:t>Notes</a:t>
-            </a:r>
-          </a:p>
-        </p:txBody>
-      </p:sp>
-      <p:sp>
-        <p:nvSpPr>
-          <p:cNvPr id="3" name="Content Placeholder 2">
-            <a:extLst>
-              <a:ext uri="{FF2B5EF4-FFF2-40B4-BE49-F238E27FC236}">
-                <a16:creationId xmlns:a16="http://schemas.microsoft.com/office/drawing/2014/main" id="{7BDCEA01-57F6-E34C-81AB-5948B71E9367}"/>
-              </a:ext>
-            </a:extLst>
-          </p:cNvPr>
-          <p:cNvSpPr>
-            <a:spLocks noGrp="1"/>
-          </p:cNvSpPr>
-          <p:nvPr>
-            <p:ph idx="1"/>
-          </p:nvPr>
-        </p:nvSpPr>
-        <p:spPr/>
-        <p:txBody>
-          <a:bodyPr/>
-          <a:lstStyle/>
-          <a:p>
-            <a:r>
-              <a:rPr lang="en-US" sz="1800" dirty="0"/>
-              <a:t>The table used as an example on page 9 may be in error for calculating interactions with 1,1. I expect that: mu = 10, alpha 1 = 5, alpha -1 = -5, gamma 1,1 =2 gamma -1,-1 = -2. other gammas are 0.</a:t>
-            </a:r>
-          </a:p>
-          <a:p>
-            <a:r>
-              <a:rPr lang="en-US" sz="1800" dirty="0"/>
-              <a:t>Show how the numbers from the table are plugged into the formula to calculate alpha, gamma</a:t>
-            </a:r>
-          </a:p>
-          <a:p>
-            <a:r>
-              <a:rPr lang="en-US" sz="1800" dirty="0"/>
-              <a:t>Organize the table so that it corresponds to the structure of </a:t>
-            </a:r>
-            <a:r>
-              <a:rPr lang="en-US" sz="1800" dirty="0" err="1"/>
-              <a:t>C_n</a:t>
-            </a:r>
-            <a:r>
-              <a:rPr lang="en-US" sz="1800" dirty="0"/>
-              <a:t>, where I do all combinations of levels for 1 combination of factors before proceeding to the next combination of factors.</a:t>
-            </a:r>
-          </a:p>
-        </p:txBody>
-      </p:sp>
-      <p:sp>
-        <p:nvSpPr>
-          <p:cNvPr id="4" name="Slide Number Placeholder 3">
-            <a:extLst>
-              <a:ext uri="{FF2B5EF4-FFF2-40B4-BE49-F238E27FC236}">
-                <a16:creationId xmlns:a16="http://schemas.microsoft.com/office/drawing/2014/main" id="{4CDF2C63-75E0-5944-8187-74EBEB91BE41}"/>
-              </a:ext>
-            </a:extLst>
-          </p:cNvPr>
-          <p:cNvSpPr>
-            <a:spLocks noGrp="1"/>
-          </p:cNvSpPr>
-          <p:nvPr>
-            <p:ph type="sldNum" sz="quarter" idx="11"/>
-          </p:nvPr>
-        </p:nvSpPr>
-        <p:spPr/>
-        <p:txBody>
-          <a:bodyPr/>
-          <a:lstStyle/>
-          <a:p>
-            <a:pPr>
-              <a:defRPr/>
-            </a:pPr>
-            <a:fld id="{3EF4E9CC-9D91-476E-91FD-5BEEC1642931}" type="slidenum">
-              <a:rPr lang="en-US" altLang="x-none" smtClean="0"/>
-              <a:pPr>
-                <a:defRPr/>
-              </a:pPr>
-              <a:t>19</a:t>
-            </a:fld>
-            <a:endParaRPr lang="en-US" altLang="x-none"/>
-          </a:p>
-        </p:txBody>
-      </p:sp>
-    </p:spTree>
-    <p:extLst>
-      <p:ext uri="{BB962C8B-B14F-4D97-AF65-F5344CB8AC3E}">
-        <p14:creationId xmlns:p14="http://schemas.microsoft.com/office/powerpoint/2010/main" val="3173185974"/>
-      </p:ext>
-    </p:extLst>
-  </p:cSld>
-  <p:clrMapOvr>
-    <a:masterClrMapping/>
-  </p:clrMapOvr>
 </p:sld>
 </file>
 
@@ -23768,4549 +24208,6 @@
     <p:bldLst>
       <p:bldP spid="6" grpId="0"/>
       <p:bldP spid="7" grpId="0" animBg="1"/>
-    </p:bldLst>
-  </p:timing>
-</p:sld>
-</file>
-
-<file path=ppt/slides/slide20.xml><?xml version="1.0" encoding="utf-8"?>
-<p:sld xmlns:a="http://schemas.openxmlformats.org/drawingml/2006/main" xmlns:r="http://schemas.openxmlformats.org/officeDocument/2006/relationships" xmlns:p="http://schemas.openxmlformats.org/presentationml/2006/main">
-  <p:cSld>
-    <p:spTree>
-      <p:nvGrpSpPr>
-        <p:cNvPr id="1" name=""/>
-        <p:cNvGrpSpPr/>
-        <p:nvPr/>
-      </p:nvGrpSpPr>
-      <p:grpSpPr>
-        <a:xfrm>
-          <a:off x="0" y="0"/>
-          <a:ext cx="0" cy="0"/>
-          <a:chOff x="0" y="0"/>
-          <a:chExt cx="0" cy="0"/>
-        </a:xfrm>
-      </p:grpSpPr>
-      <p:sp>
-        <p:nvSpPr>
-          <p:cNvPr id="2" name="Title 1">
-            <a:extLst>
-              <a:ext uri="{FF2B5EF4-FFF2-40B4-BE49-F238E27FC236}">
-                <a16:creationId xmlns:a16="http://schemas.microsoft.com/office/drawing/2014/main" id="{0748D1BA-B4AB-444C-95E4-A49215AFF6C6}"/>
-              </a:ext>
-            </a:extLst>
-          </p:cNvPr>
-          <p:cNvSpPr>
-            <a:spLocks noGrp="1"/>
-          </p:cNvSpPr>
-          <p:nvPr>
-            <p:ph type="title"/>
-          </p:nvPr>
-        </p:nvSpPr>
-        <p:spPr/>
-        <p:txBody>
-          <a:bodyPr/>
-          <a:lstStyle/>
-          <a:p>
-            <a:r>
-              <a:rPr lang="en-US" dirty="0"/>
-              <a:t>Components of Response in Example</a:t>
-            </a:r>
-          </a:p>
-        </p:txBody>
-      </p:sp>
-      <p:sp>
-        <p:nvSpPr>
-          <p:cNvPr id="4" name="Slide Number Placeholder 3">
-            <a:extLst>
-              <a:ext uri="{FF2B5EF4-FFF2-40B4-BE49-F238E27FC236}">
-                <a16:creationId xmlns:a16="http://schemas.microsoft.com/office/drawing/2014/main" id="{3F8781CD-6888-C148-B010-2BC47B24325B}"/>
-              </a:ext>
-            </a:extLst>
-          </p:cNvPr>
-          <p:cNvSpPr>
-            <a:spLocks noGrp="1"/>
-          </p:cNvSpPr>
-          <p:nvPr>
-            <p:ph type="sldNum" sz="quarter" idx="11"/>
-          </p:nvPr>
-        </p:nvSpPr>
-        <p:spPr/>
-        <p:txBody>
-          <a:bodyPr/>
-          <a:lstStyle/>
-          <a:p>
-            <a:pPr>
-              <a:defRPr/>
-            </a:pPr>
-            <a:fld id="{3EF4E9CC-9D91-476E-91FD-5BEEC1642931}" type="slidenum">
-              <a:rPr lang="en-US" altLang="x-none" smtClean="0"/>
-              <a:pPr>
-                <a:defRPr/>
-              </a:pPr>
-              <a:t>20</a:t>
-            </a:fld>
-            <a:endParaRPr lang="en-US" altLang="x-none"/>
-          </a:p>
-        </p:txBody>
-      </p:sp>
-      <mc:AlternateContent xmlns:mc="http://schemas.openxmlformats.org/markup-compatibility/2006" xmlns:a14="http://schemas.microsoft.com/office/drawing/2010/main">
-        <mc:Choice Requires="a14">
-          <p:sp>
-            <p:nvSpPr>
-              <p:cNvPr id="8" name="TextBox 7">
-                <a:extLst>
-                  <a:ext uri="{FF2B5EF4-FFF2-40B4-BE49-F238E27FC236}">
-                    <a16:creationId xmlns:a16="http://schemas.microsoft.com/office/drawing/2014/main" id="{65F528FF-DFFA-8F46-8458-40905D76357B}"/>
-                  </a:ext>
-                </a:extLst>
-              </p:cNvPr>
-              <p:cNvSpPr txBox="1"/>
-              <p:nvPr/>
-            </p:nvSpPr>
-            <p:spPr>
-              <a:xfrm>
-                <a:off x="5261821" y="832104"/>
-                <a:ext cx="1030026" cy="441403"/>
-              </a:xfrm>
-              <a:prstGeom prst="rect">
-                <a:avLst/>
-              </a:prstGeom>
-              <a:noFill/>
-            </p:spPr>
-            <p:txBody>
-              <a:bodyPr wrap="none" lIns="0" tIns="0" rIns="0" bIns="0" rtlCol="0">
-                <a:spAutoFit/>
-              </a:bodyPr>
-              <a:lstStyle/>
-              <a:p>
-                <a:pPr/>
-                <a14:m>
-                  <m:oMathPara xmlns:m="http://schemas.openxmlformats.org/officeDocument/2006/math">
-                    <m:oMathParaPr>
-                      <m:jc m:val="centerGroup"/>
-                    </m:oMathParaPr>
-                    <m:oMath xmlns:m="http://schemas.openxmlformats.org/officeDocument/2006/math">
-                      <m:sSub>
-                        <m:sSubPr>
-                          <m:ctrlPr>
-                            <a:rPr lang="en-US" sz="2400" b="1" i="1" smtClean="0">
-                              <a:latin typeface="Cambria Math" panose="02040503050406030204" pitchFamily="18" charset="0"/>
-                            </a:rPr>
-                          </m:ctrlPr>
-                        </m:sSubPr>
-                        <m:e>
-                          <m:r>
-                            <a:rPr lang="en-US" sz="2400" b="1" i="1" smtClean="0">
-                              <a:latin typeface="Cambria Math" panose="02040503050406030204" pitchFamily="18" charset="0"/>
-                            </a:rPr>
-                            <m:t>𝜸</m:t>
-                          </m:r>
-                        </m:e>
-                        <m:sub>
-                          <m:r>
-                            <a:rPr lang="en-US" sz="2400" b="1" i="1" smtClean="0">
-                              <a:latin typeface="Cambria Math" panose="02040503050406030204" pitchFamily="18" charset="0"/>
-                            </a:rPr>
-                            <m:t>𝒊</m:t>
-                          </m:r>
-                          <m:r>
-                            <a:rPr lang="en-US" sz="2400" b="1" i="1" smtClean="0">
-                              <a:latin typeface="Cambria Math" panose="02040503050406030204" pitchFamily="18" charset="0"/>
-                            </a:rPr>
-                            <m:t>,</m:t>
-                          </m:r>
-                          <m:sSub>
-                            <m:sSubPr>
-                              <m:ctrlPr>
-                                <a:rPr lang="en-US" sz="2400" b="1" i="1" smtClean="0">
-                                  <a:latin typeface="Cambria Math" panose="02040503050406030204" pitchFamily="18" charset="0"/>
-                                </a:rPr>
-                              </m:ctrlPr>
-                            </m:sSubPr>
-                            <m:e>
-                              <m:r>
-                                <a:rPr lang="en-US" sz="2400" b="1" i="1" smtClean="0">
-                                  <a:latin typeface="Cambria Math" panose="02040503050406030204" pitchFamily="18" charset="0"/>
-                                </a:rPr>
-                                <m:t>𝒌</m:t>
-                              </m:r>
-                            </m:e>
-                            <m:sub>
-                              <m:r>
-                                <a:rPr lang="en-US" sz="2400" b="1" i="1" smtClean="0">
-                                  <a:latin typeface="Cambria Math" panose="02040503050406030204" pitchFamily="18" charset="0"/>
-                                </a:rPr>
-                                <m:t>𝒊</m:t>
-                              </m:r>
-                            </m:sub>
-                          </m:sSub>
-                          <m:r>
-                            <a:rPr lang="en-US" sz="2400" b="1" i="1" smtClean="0">
-                              <a:latin typeface="Cambria Math" panose="02040503050406030204" pitchFamily="18" charset="0"/>
-                            </a:rPr>
-                            <m:t>,</m:t>
-                          </m:r>
-                          <m:r>
-                            <a:rPr lang="en-US" sz="2400" b="1" i="1" smtClean="0">
-                              <a:latin typeface="Cambria Math" panose="02040503050406030204" pitchFamily="18" charset="0"/>
-                            </a:rPr>
-                            <m:t>𝒋</m:t>
-                          </m:r>
-                          <m:r>
-                            <a:rPr lang="en-US" sz="2400" b="1" i="1" smtClean="0">
-                              <a:latin typeface="Cambria Math" panose="02040503050406030204" pitchFamily="18" charset="0"/>
-                            </a:rPr>
-                            <m:t>,</m:t>
-                          </m:r>
-                          <m:sSub>
-                            <m:sSubPr>
-                              <m:ctrlPr>
-                                <a:rPr lang="en-US" sz="2400" b="1" i="1" smtClean="0">
-                                  <a:latin typeface="Cambria Math" panose="02040503050406030204" pitchFamily="18" charset="0"/>
-                                </a:rPr>
-                              </m:ctrlPr>
-                            </m:sSubPr>
-                            <m:e>
-                              <m:r>
-                                <a:rPr lang="en-US" sz="2400" b="1" i="1" smtClean="0">
-                                  <a:latin typeface="Cambria Math" panose="02040503050406030204" pitchFamily="18" charset="0"/>
-                                </a:rPr>
-                                <m:t>𝒌</m:t>
-                              </m:r>
-                            </m:e>
-                            <m:sub>
-                              <m:r>
-                                <a:rPr lang="en-US" sz="2400" b="1" i="1" smtClean="0">
-                                  <a:latin typeface="Cambria Math" panose="02040503050406030204" pitchFamily="18" charset="0"/>
-                                </a:rPr>
-                                <m:t>𝒋</m:t>
-                              </m:r>
-                            </m:sub>
-                          </m:sSub>
-                        </m:sub>
-                      </m:sSub>
-                    </m:oMath>
-                  </m:oMathPara>
-                </a14:m>
-                <a:endParaRPr lang="en-US" b="1" dirty="0"/>
-              </a:p>
-            </p:txBody>
-          </p:sp>
-        </mc:Choice>
-        <mc:Fallback xmlns="">
-          <p:sp>
-            <p:nvSpPr>
-              <p:cNvPr id="8" name="TextBox 7">
-                <a:extLst>
-                  <a:ext uri="{FF2B5EF4-FFF2-40B4-BE49-F238E27FC236}">
-                    <a16:creationId xmlns:a16="http://schemas.microsoft.com/office/drawing/2014/main" id="{65F528FF-DFFA-8F46-8458-40905D76357B}"/>
-                  </a:ext>
-                </a:extLst>
-              </p:cNvPr>
-              <p:cNvSpPr txBox="1">
-                <a:spLocks noRot="1" noChangeAspect="1" noMove="1" noResize="1" noEditPoints="1" noAdjustHandles="1" noChangeArrowheads="1" noChangeShapeType="1" noTextEdit="1"/>
-              </p:cNvSpPr>
-              <p:nvPr/>
-            </p:nvSpPr>
-            <p:spPr>
-              <a:xfrm>
-                <a:off x="5261821" y="832104"/>
-                <a:ext cx="1030026" cy="441403"/>
-              </a:xfrm>
-              <a:prstGeom prst="rect">
-                <a:avLst/>
-              </a:prstGeom>
-              <a:blipFill>
-                <a:blip r:embed="rId3"/>
-                <a:stretch>
-                  <a:fillRect l="-6098" r="-1220" b="-16667"/>
-                </a:stretch>
-              </a:blipFill>
-            </p:spPr>
-            <p:txBody>
-              <a:bodyPr/>
-              <a:lstStyle/>
-              <a:p>
-                <a:r>
-                  <a:rPr lang="en-US">
-                    <a:noFill/>
-                  </a:rPr>
-                  <a:t> </a:t>
-                </a:r>
-              </a:p>
-            </p:txBody>
-          </p:sp>
-        </mc:Fallback>
-      </mc:AlternateContent>
-      <mc:AlternateContent xmlns:mc="http://schemas.openxmlformats.org/markup-compatibility/2006" xmlns:a14="http://schemas.microsoft.com/office/drawing/2010/main">
-        <mc:Choice Requires="a14">
-          <p:graphicFrame>
-            <p:nvGraphicFramePr>
-              <p:cNvPr id="9" name="Table 9">
-                <a:extLst>
-                  <a:ext uri="{FF2B5EF4-FFF2-40B4-BE49-F238E27FC236}">
-                    <a16:creationId xmlns:a16="http://schemas.microsoft.com/office/drawing/2014/main" id="{4512A969-132D-F743-ABFA-89306E5BF343}"/>
-                  </a:ext>
-                </a:extLst>
-              </p:cNvPr>
-              <p:cNvGraphicFramePr>
-                <a:graphicFrameLocks noGrp="1"/>
-              </p:cNvGraphicFramePr>
-              <p:nvPr/>
-            </p:nvGraphicFramePr>
-            <p:xfrm>
-              <a:off x="690481" y="2414854"/>
-              <a:ext cx="1988712" cy="1060958"/>
-            </p:xfrm>
-            <a:graphic>
-              <a:graphicData uri="http://schemas.openxmlformats.org/drawingml/2006/table">
-                <a:tbl>
-                  <a:tblPr firstRow="1" bandRow="1">
-                    <a:tableStyleId>{5C22544A-7EE6-4342-B048-85BDC9FD1C3A}</a:tableStyleId>
-                  </a:tblPr>
-                  <a:tblGrid>
-                    <a:gridCol w="547393">
-                      <a:extLst>
-                        <a:ext uri="{9D8B030D-6E8A-4147-A177-3AD203B41FA5}">
-                          <a16:colId xmlns:a16="http://schemas.microsoft.com/office/drawing/2014/main" val="1582412665"/>
-                        </a:ext>
-                      </a:extLst>
-                    </a:gridCol>
-                    <a:gridCol w="547393">
-                      <a:extLst>
-                        <a:ext uri="{9D8B030D-6E8A-4147-A177-3AD203B41FA5}">
-                          <a16:colId xmlns:a16="http://schemas.microsoft.com/office/drawing/2014/main" val="597313611"/>
-                        </a:ext>
-                      </a:extLst>
-                    </a:gridCol>
-                    <a:gridCol w="893926">
-                      <a:extLst>
-                        <a:ext uri="{9D8B030D-6E8A-4147-A177-3AD203B41FA5}">
-                          <a16:colId xmlns:a16="http://schemas.microsoft.com/office/drawing/2014/main" val="3352992137"/>
-                        </a:ext>
-                      </a:extLst>
-                    </a:gridCol>
-                  </a:tblGrid>
-                  <a:tr h="301473">
-                    <a:tc>
-                      <a:txBody>
-                        <a:bodyPr/>
-                        <a:lstStyle/>
-                        <a:p>
-                          <a:pPr/>
-                          <a14:m>
-                            <m:oMathPara xmlns:m="http://schemas.openxmlformats.org/officeDocument/2006/math">
-                              <m:oMathParaPr>
-                                <m:jc m:val="centerGroup"/>
-                              </m:oMathParaPr>
-                              <m:oMath xmlns:m="http://schemas.openxmlformats.org/officeDocument/2006/math">
-                                <m:sSub>
-                                  <m:sSubPr>
-                                    <m:ctrlPr>
-                                      <a:rPr lang="en-US" b="1" i="1" smtClean="0">
-                                        <a:latin typeface="Cambria Math" panose="02040503050406030204" pitchFamily="18" charset="0"/>
-                                      </a:rPr>
-                                    </m:ctrlPr>
-                                  </m:sSubPr>
-                                  <m:e>
-                                    <m:r>
-                                      <a:rPr lang="en-US" b="1" i="1" smtClean="0">
-                                        <a:latin typeface="Cambria Math" panose="02040503050406030204" pitchFamily="18" charset="0"/>
-                                      </a:rPr>
-                                      <m:t>𝒌</m:t>
-                                    </m:r>
-                                  </m:e>
-                                  <m:sub>
-                                    <m:r>
-                                      <a:rPr lang="en-US" b="1" i="1" smtClean="0">
-                                        <a:latin typeface="Cambria Math" panose="02040503050406030204" pitchFamily="18" charset="0"/>
-                                      </a:rPr>
-                                      <m:t>𝒊</m:t>
-                                    </m:r>
-                                  </m:sub>
-                                </m:sSub>
-                              </m:oMath>
-                            </m:oMathPara>
-                          </a14:m>
-                          <a:endParaRPr lang="en-US" dirty="0"/>
-                        </a:p>
-                      </a:txBody>
-                      <a:tcPr/>
-                    </a:tc>
-                    <a:tc>
-                      <a:txBody>
-                        <a:bodyPr/>
-                        <a:lstStyle/>
-                        <a:p>
-                          <a:r>
-                            <a:rPr lang="en-US" dirty="0"/>
-                            <a:t>Val.</a:t>
-                          </a:r>
-                        </a:p>
-                      </a:txBody>
-                      <a:tcPr/>
-                    </a:tc>
-                    <a:tc>
-                      <a:txBody>
-                        <a:bodyPr/>
-                        <a:lstStyle/>
-                        <a:p>
-                          <a:pPr marL="0" marR="0" lvl="0" indent="0" algn="l" defTabSz="457200" rtl="0" eaLnBrk="1" fontAlgn="auto" latinLnBrk="0" hangingPunct="1">
-                            <a:lnSpc>
-                              <a:spcPct val="100000"/>
-                            </a:lnSpc>
-                            <a:spcBef>
-                              <a:spcPts val="0"/>
-                            </a:spcBef>
-                            <a:spcAft>
-                              <a:spcPts val="0"/>
-                            </a:spcAft>
-                            <a:buClrTx/>
-                            <a:buSzTx/>
-                            <a:buFontTx/>
-                            <a:buNone/>
-                            <a:tabLst/>
-                            <a:defRPr/>
-                          </a:pPr>
-                          <a14:m>
-                            <m:oMathPara xmlns:m="http://schemas.openxmlformats.org/officeDocument/2006/math">
-                              <m:oMathParaPr>
-                                <m:jc m:val="centerGroup"/>
-                              </m:oMathParaPr>
-                              <m:oMath xmlns:m="http://schemas.openxmlformats.org/officeDocument/2006/math">
-                                <m:sSub>
-                                  <m:sSubPr>
-                                    <m:ctrlPr>
-                                      <a:rPr lang="en-US" sz="1800" b="1" i="1" smtClean="0">
-                                        <a:solidFill>
-                                          <a:schemeClr val="bg1"/>
-                                        </a:solidFill>
-                                        <a:latin typeface="Cambria Math" panose="02040503050406030204" pitchFamily="18" charset="0"/>
-                                      </a:rPr>
-                                    </m:ctrlPr>
-                                  </m:sSubPr>
-                                  <m:e>
-                                    <m:r>
-                                      <a:rPr lang="en-US" sz="1800" b="1" i="1" smtClean="0">
-                                        <a:solidFill>
-                                          <a:schemeClr val="bg1"/>
-                                        </a:solidFill>
-                                        <a:latin typeface="Cambria Math" panose="02040503050406030204" pitchFamily="18" charset="0"/>
-                                      </a:rPr>
-                                      <m:t>𝜶</m:t>
-                                    </m:r>
-                                  </m:e>
-                                  <m:sub>
-                                    <m:r>
-                                      <a:rPr lang="en-US" sz="1800" b="1" i="1" smtClean="0">
-                                        <a:solidFill>
-                                          <a:schemeClr val="bg1"/>
-                                        </a:solidFill>
-                                        <a:latin typeface="Cambria Math" panose="02040503050406030204" pitchFamily="18" charset="0"/>
-                                      </a:rPr>
-                                      <m:t>𝒊</m:t>
-                                    </m:r>
-                                    <m:r>
-                                      <a:rPr lang="en-US" sz="1800" b="1" i="1" smtClean="0">
-                                        <a:solidFill>
-                                          <a:schemeClr val="bg1"/>
-                                        </a:solidFill>
-                                        <a:latin typeface="Cambria Math" panose="02040503050406030204" pitchFamily="18" charset="0"/>
-                                      </a:rPr>
-                                      <m:t>,</m:t>
-                                    </m:r>
-                                    <m:sSub>
-                                      <m:sSubPr>
-                                        <m:ctrlPr>
-                                          <a:rPr lang="en-US" sz="1800" b="1" i="1" smtClean="0">
-                                            <a:solidFill>
-                                              <a:schemeClr val="bg1"/>
-                                            </a:solidFill>
-                                            <a:latin typeface="Cambria Math" panose="02040503050406030204" pitchFamily="18" charset="0"/>
-                                          </a:rPr>
-                                        </m:ctrlPr>
-                                      </m:sSubPr>
-                                      <m:e>
-                                        <m:r>
-                                          <a:rPr lang="en-US" sz="1800" b="1" i="1" smtClean="0">
-                                            <a:solidFill>
-                                              <a:schemeClr val="bg1"/>
-                                            </a:solidFill>
-                                            <a:latin typeface="Cambria Math" panose="02040503050406030204" pitchFamily="18" charset="0"/>
-                                          </a:rPr>
-                                          <m:t>𝒌</m:t>
-                                        </m:r>
-                                      </m:e>
-                                      <m:sub>
-                                        <m:r>
-                                          <a:rPr lang="en-US" sz="1800" b="1" i="1" smtClean="0">
-                                            <a:solidFill>
-                                              <a:schemeClr val="bg1"/>
-                                            </a:solidFill>
-                                            <a:latin typeface="Cambria Math" panose="02040503050406030204" pitchFamily="18" charset="0"/>
-                                          </a:rPr>
-                                          <m:t>𝒊</m:t>
-                                        </m:r>
-                                      </m:sub>
-                                    </m:sSub>
-                                  </m:sub>
-                                </m:sSub>
-                              </m:oMath>
-                            </m:oMathPara>
-                          </a14:m>
-                          <a:endParaRPr lang="en-US" sz="1400" b="1" dirty="0">
-                            <a:solidFill>
-                              <a:schemeClr val="bg1"/>
-                            </a:solidFill>
-                          </a:endParaRPr>
-                        </a:p>
-                      </a:txBody>
-                      <a:tcPr/>
-                    </a:tc>
-                    <a:extLst>
-                      <a:ext uri="{0D108BD9-81ED-4DB2-BD59-A6C34878D82A}">
-                        <a16:rowId xmlns:a16="http://schemas.microsoft.com/office/drawing/2014/main" val="1657593916"/>
-                      </a:ext>
-                    </a:extLst>
-                  </a:tr>
-                  <a:tr h="301473">
-                    <a:tc>
-                      <a:txBody>
-                        <a:bodyPr/>
-                        <a:lstStyle/>
-                        <a:p>
-                          <a:pPr algn="r"/>
-                          <a:r>
-                            <a:rPr lang="en-US" sz="1600" dirty="0"/>
-                            <a:t>1</a:t>
-                          </a:r>
-                        </a:p>
-                      </a:txBody>
-                      <a:tcPr/>
-                    </a:tc>
-                    <a:tc>
-                      <a:txBody>
-                        <a:bodyPr/>
-                        <a:lstStyle/>
-                        <a:p>
-                          <a:pPr algn="r"/>
-                          <a:r>
-                            <a:rPr lang="en-US" sz="1600" dirty="0"/>
-                            <a:t>-1</a:t>
-                          </a:r>
-                        </a:p>
-                      </a:txBody>
-                      <a:tcPr/>
-                    </a:tc>
-                    <a:tc>
-                      <a:txBody>
-                        <a:bodyPr/>
-                        <a:lstStyle/>
-                        <a:p>
-                          <a:endParaRPr lang="en-US" sz="1600" dirty="0"/>
-                        </a:p>
-                      </a:txBody>
-                      <a:tcPr/>
-                    </a:tc>
-                    <a:extLst>
-                      <a:ext uri="{0D108BD9-81ED-4DB2-BD59-A6C34878D82A}">
-                        <a16:rowId xmlns:a16="http://schemas.microsoft.com/office/drawing/2014/main" val="3163772994"/>
-                      </a:ext>
-                    </a:extLst>
-                  </a:tr>
-                  <a:tr h="301473">
-                    <a:tc>
-                      <a:txBody>
-                        <a:bodyPr/>
-                        <a:lstStyle/>
-                        <a:p>
-                          <a:pPr algn="r"/>
-                          <a:r>
-                            <a:rPr lang="en-US" sz="1600" dirty="0"/>
-                            <a:t>3</a:t>
-                          </a:r>
-                        </a:p>
-                      </a:txBody>
-                      <a:tcPr/>
-                    </a:tc>
-                    <a:tc>
-                      <a:txBody>
-                        <a:bodyPr/>
-                        <a:lstStyle/>
-                        <a:p>
-                          <a:pPr algn="r"/>
-                          <a:r>
-                            <a:rPr lang="en-US" sz="1600" dirty="0"/>
-                            <a:t>1</a:t>
-                          </a:r>
-                        </a:p>
-                      </a:txBody>
-                      <a:tcPr/>
-                    </a:tc>
-                    <a:tc>
-                      <a:txBody>
-                        <a:bodyPr/>
-                        <a:lstStyle/>
-                        <a:p>
-                          <a:endParaRPr lang="en-US" sz="1600" dirty="0"/>
-                        </a:p>
-                      </a:txBody>
-                      <a:tcPr/>
-                    </a:tc>
-                    <a:extLst>
-                      <a:ext uri="{0D108BD9-81ED-4DB2-BD59-A6C34878D82A}">
-                        <a16:rowId xmlns:a16="http://schemas.microsoft.com/office/drawing/2014/main" val="2477595038"/>
-                      </a:ext>
-                    </a:extLst>
-                  </a:tr>
-                </a:tbl>
-              </a:graphicData>
-            </a:graphic>
-          </p:graphicFrame>
-        </mc:Choice>
-        <mc:Fallback xmlns="">
-          <p:graphicFrame>
-            <p:nvGraphicFramePr>
-              <p:cNvPr id="9" name="Table 9">
-                <a:extLst>
-                  <a:ext uri="{FF2B5EF4-FFF2-40B4-BE49-F238E27FC236}">
-                    <a16:creationId xmlns:a16="http://schemas.microsoft.com/office/drawing/2014/main" id="{4512A969-132D-F743-ABFA-89306E5BF343}"/>
-                  </a:ext>
-                </a:extLst>
-              </p:cNvPr>
-              <p:cNvGraphicFramePr>
-                <a:graphicFrameLocks noGrp="1"/>
-              </p:cNvGraphicFramePr>
-              <p:nvPr>
-                <p:extLst>
-                  <p:ext uri="{D42A27DB-BD31-4B8C-83A1-F6EECF244321}">
-                    <p14:modId xmlns:p14="http://schemas.microsoft.com/office/powerpoint/2010/main" val="2702852202"/>
-                  </p:ext>
-                </p:extLst>
-              </p:nvPr>
-            </p:nvGraphicFramePr>
-            <p:xfrm>
-              <a:off x="690481" y="2414854"/>
-              <a:ext cx="1988712" cy="1060958"/>
-            </p:xfrm>
-            <a:graphic>
-              <a:graphicData uri="http://schemas.openxmlformats.org/drawingml/2006/table">
-                <a:tbl>
-                  <a:tblPr firstRow="1" bandRow="1">
-                    <a:tableStyleId>{5C22544A-7EE6-4342-B048-85BDC9FD1C3A}</a:tableStyleId>
-                  </a:tblPr>
-                  <a:tblGrid>
-                    <a:gridCol w="547393">
-                      <a:extLst>
-                        <a:ext uri="{9D8B030D-6E8A-4147-A177-3AD203B41FA5}">
-                          <a16:colId xmlns:a16="http://schemas.microsoft.com/office/drawing/2014/main" val="1582412665"/>
-                        </a:ext>
-                      </a:extLst>
-                    </a:gridCol>
-                    <a:gridCol w="547393">
-                      <a:extLst>
-                        <a:ext uri="{9D8B030D-6E8A-4147-A177-3AD203B41FA5}">
-                          <a16:colId xmlns:a16="http://schemas.microsoft.com/office/drawing/2014/main" val="597313611"/>
-                        </a:ext>
-                      </a:extLst>
-                    </a:gridCol>
-                    <a:gridCol w="893926">
-                      <a:extLst>
-                        <a:ext uri="{9D8B030D-6E8A-4147-A177-3AD203B41FA5}">
-                          <a16:colId xmlns:a16="http://schemas.microsoft.com/office/drawing/2014/main" val="3352992137"/>
-                        </a:ext>
-                      </a:extLst>
-                    </a:gridCol>
-                  </a:tblGrid>
-                  <a:tr h="390398">
-                    <a:tc>
-                      <a:txBody>
-                        <a:bodyPr/>
-                        <a:lstStyle/>
-                        <a:p>
-                          <a:endParaRPr lang="en-US"/>
-                        </a:p>
-                      </a:txBody>
-                      <a:tcPr>
-                        <a:blipFill>
-                          <a:blip r:embed="rId4"/>
-                          <a:stretch>
-                            <a:fillRect l="-2326" t="-6452" r="-272093" b="-190323"/>
-                          </a:stretch>
-                        </a:blipFill>
-                      </a:tcPr>
-                    </a:tc>
-                    <a:tc>
-                      <a:txBody>
-                        <a:bodyPr/>
-                        <a:lstStyle/>
-                        <a:p>
-                          <a:r>
-                            <a:rPr lang="en-US" dirty="0"/>
-                            <a:t>Val.</a:t>
-                          </a:r>
-                        </a:p>
-                      </a:txBody>
-                      <a:tcPr/>
-                    </a:tc>
-                    <a:tc>
-                      <a:txBody>
-                        <a:bodyPr/>
-                        <a:lstStyle/>
-                        <a:p>
-                          <a:endParaRPr lang="en-US"/>
-                        </a:p>
-                      </a:txBody>
-                      <a:tcPr>
-                        <a:blipFill>
-                          <a:blip r:embed="rId4"/>
-                          <a:stretch>
-                            <a:fillRect l="-122535" t="-6452" r="-4225" b="-190323"/>
-                          </a:stretch>
-                        </a:blipFill>
-                      </a:tcPr>
-                    </a:tc>
-                    <a:extLst>
-                      <a:ext uri="{0D108BD9-81ED-4DB2-BD59-A6C34878D82A}">
-                        <a16:rowId xmlns:a16="http://schemas.microsoft.com/office/drawing/2014/main" val="1657593916"/>
-                      </a:ext>
-                    </a:extLst>
-                  </a:tr>
-                  <a:tr h="335280">
-                    <a:tc>
-                      <a:txBody>
-                        <a:bodyPr/>
-                        <a:lstStyle/>
-                        <a:p>
-                          <a:pPr algn="r"/>
-                          <a:r>
-                            <a:rPr lang="en-US" sz="1600" dirty="0"/>
-                            <a:t>1</a:t>
-                          </a:r>
-                        </a:p>
-                      </a:txBody>
-                      <a:tcPr/>
-                    </a:tc>
-                    <a:tc>
-                      <a:txBody>
-                        <a:bodyPr/>
-                        <a:lstStyle/>
-                        <a:p>
-                          <a:pPr algn="r"/>
-                          <a:r>
-                            <a:rPr lang="en-US" sz="1600" dirty="0"/>
-                            <a:t>-1</a:t>
-                          </a:r>
-                        </a:p>
-                      </a:txBody>
-                      <a:tcPr/>
-                    </a:tc>
-                    <a:tc>
-                      <a:txBody>
-                        <a:bodyPr/>
-                        <a:lstStyle/>
-                        <a:p>
-                          <a:endParaRPr lang="en-US" sz="1600" dirty="0"/>
-                        </a:p>
-                      </a:txBody>
-                      <a:tcPr/>
-                    </a:tc>
-                    <a:extLst>
-                      <a:ext uri="{0D108BD9-81ED-4DB2-BD59-A6C34878D82A}">
-                        <a16:rowId xmlns:a16="http://schemas.microsoft.com/office/drawing/2014/main" val="3163772994"/>
-                      </a:ext>
-                    </a:extLst>
-                  </a:tr>
-                  <a:tr h="335280">
-                    <a:tc>
-                      <a:txBody>
-                        <a:bodyPr/>
-                        <a:lstStyle/>
-                        <a:p>
-                          <a:pPr algn="r"/>
-                          <a:r>
-                            <a:rPr lang="en-US" sz="1600" dirty="0"/>
-                            <a:t>3</a:t>
-                          </a:r>
-                        </a:p>
-                      </a:txBody>
-                      <a:tcPr/>
-                    </a:tc>
-                    <a:tc>
-                      <a:txBody>
-                        <a:bodyPr/>
-                        <a:lstStyle/>
-                        <a:p>
-                          <a:pPr algn="r"/>
-                          <a:r>
-                            <a:rPr lang="en-US" sz="1600" dirty="0"/>
-                            <a:t>1</a:t>
-                          </a:r>
-                        </a:p>
-                      </a:txBody>
-                      <a:tcPr/>
-                    </a:tc>
-                    <a:tc>
-                      <a:txBody>
-                        <a:bodyPr/>
-                        <a:lstStyle/>
-                        <a:p>
-                          <a:endParaRPr lang="en-US" sz="1600" dirty="0"/>
-                        </a:p>
-                      </a:txBody>
-                      <a:tcPr/>
-                    </a:tc>
-                    <a:extLst>
-                      <a:ext uri="{0D108BD9-81ED-4DB2-BD59-A6C34878D82A}">
-                        <a16:rowId xmlns:a16="http://schemas.microsoft.com/office/drawing/2014/main" val="2477595038"/>
-                      </a:ext>
-                    </a:extLst>
-                  </a:tr>
-                </a:tbl>
-              </a:graphicData>
-            </a:graphic>
-          </p:graphicFrame>
-        </mc:Fallback>
-      </mc:AlternateContent>
-      <p:sp>
-        <p:nvSpPr>
-          <p:cNvPr id="10" name="TextBox 9">
-            <a:extLst>
-              <a:ext uri="{FF2B5EF4-FFF2-40B4-BE49-F238E27FC236}">
-                <a16:creationId xmlns:a16="http://schemas.microsoft.com/office/drawing/2014/main" id="{C8B28B00-99CF-5E46-8C48-356CE32CB656}"/>
-              </a:ext>
-            </a:extLst>
-          </p:cNvPr>
-          <p:cNvSpPr txBox="1"/>
-          <p:nvPr/>
-        </p:nvSpPr>
-        <p:spPr>
-          <a:xfrm>
-            <a:off x="257956" y="2414854"/>
-            <a:ext cx="453970" cy="369332"/>
-          </a:xfrm>
-          <a:prstGeom prst="rect">
-            <a:avLst/>
-          </a:prstGeom>
-          <a:noFill/>
-        </p:spPr>
-        <p:txBody>
-          <a:bodyPr wrap="none" rtlCol="0">
-            <a:spAutoFit/>
-          </a:bodyPr>
-          <a:lstStyle/>
-          <a:p>
-            <a:r>
-              <a:rPr lang="en-US" b="1" dirty="0"/>
-              <a:t>F1</a:t>
-            </a:r>
-          </a:p>
-        </p:txBody>
-      </p:sp>
-      <mc:AlternateContent xmlns:mc="http://schemas.openxmlformats.org/markup-compatibility/2006" xmlns:a14="http://schemas.microsoft.com/office/drawing/2010/main">
-        <mc:Choice Requires="a14">
-          <p:graphicFrame>
-            <p:nvGraphicFramePr>
-              <p:cNvPr id="11" name="Table 9">
-                <a:extLst>
-                  <a:ext uri="{FF2B5EF4-FFF2-40B4-BE49-F238E27FC236}">
-                    <a16:creationId xmlns:a16="http://schemas.microsoft.com/office/drawing/2014/main" id="{7A79A05F-AED1-504B-9CD0-F4B2672D9178}"/>
-                  </a:ext>
-                </a:extLst>
-              </p:cNvPr>
-              <p:cNvGraphicFramePr>
-                <a:graphicFrameLocks noGrp="1"/>
-              </p:cNvGraphicFramePr>
-              <p:nvPr/>
-            </p:nvGraphicFramePr>
-            <p:xfrm>
-              <a:off x="696577" y="3691966"/>
-              <a:ext cx="1988712" cy="1060958"/>
-            </p:xfrm>
-            <a:graphic>
-              <a:graphicData uri="http://schemas.openxmlformats.org/drawingml/2006/table">
-                <a:tbl>
-                  <a:tblPr firstRow="1" bandRow="1">
-                    <a:tableStyleId>{5C22544A-7EE6-4342-B048-85BDC9FD1C3A}</a:tableStyleId>
-                  </a:tblPr>
-                  <a:tblGrid>
-                    <a:gridCol w="547393">
-                      <a:extLst>
-                        <a:ext uri="{9D8B030D-6E8A-4147-A177-3AD203B41FA5}">
-                          <a16:colId xmlns:a16="http://schemas.microsoft.com/office/drawing/2014/main" val="1582412665"/>
-                        </a:ext>
-                      </a:extLst>
-                    </a:gridCol>
-                    <a:gridCol w="547393">
-                      <a:extLst>
-                        <a:ext uri="{9D8B030D-6E8A-4147-A177-3AD203B41FA5}">
-                          <a16:colId xmlns:a16="http://schemas.microsoft.com/office/drawing/2014/main" val="597313611"/>
-                        </a:ext>
-                      </a:extLst>
-                    </a:gridCol>
-                    <a:gridCol w="893926">
-                      <a:extLst>
-                        <a:ext uri="{9D8B030D-6E8A-4147-A177-3AD203B41FA5}">
-                          <a16:colId xmlns:a16="http://schemas.microsoft.com/office/drawing/2014/main" val="3352992137"/>
-                        </a:ext>
-                      </a:extLst>
-                    </a:gridCol>
-                  </a:tblGrid>
-                  <a:tr h="301473">
-                    <a:tc>
-                      <a:txBody>
-                        <a:bodyPr/>
-                        <a:lstStyle/>
-                        <a:p>
-                          <a:pPr/>
-                          <a14:m>
-                            <m:oMathPara xmlns:m="http://schemas.openxmlformats.org/officeDocument/2006/math">
-                              <m:oMathParaPr>
-                                <m:jc m:val="centerGroup"/>
-                              </m:oMathParaPr>
-                              <m:oMath xmlns:m="http://schemas.openxmlformats.org/officeDocument/2006/math">
-                                <m:sSub>
-                                  <m:sSubPr>
-                                    <m:ctrlPr>
-                                      <a:rPr lang="en-US" b="1" i="1" smtClean="0">
-                                        <a:latin typeface="Cambria Math" panose="02040503050406030204" pitchFamily="18" charset="0"/>
-                                      </a:rPr>
-                                    </m:ctrlPr>
-                                  </m:sSubPr>
-                                  <m:e>
-                                    <m:r>
-                                      <a:rPr lang="en-US" b="1" i="1" smtClean="0">
-                                        <a:latin typeface="Cambria Math" panose="02040503050406030204" pitchFamily="18" charset="0"/>
-                                      </a:rPr>
-                                      <m:t>𝒌</m:t>
-                                    </m:r>
-                                  </m:e>
-                                  <m:sub>
-                                    <m:r>
-                                      <a:rPr lang="en-US" b="1" i="1" smtClean="0">
-                                        <a:latin typeface="Cambria Math" panose="02040503050406030204" pitchFamily="18" charset="0"/>
-                                      </a:rPr>
-                                      <m:t>𝒊</m:t>
-                                    </m:r>
-                                  </m:sub>
-                                </m:sSub>
-                              </m:oMath>
-                            </m:oMathPara>
-                          </a14:m>
-                          <a:endParaRPr lang="en-US" dirty="0"/>
-                        </a:p>
-                      </a:txBody>
-                      <a:tcPr/>
-                    </a:tc>
-                    <a:tc>
-                      <a:txBody>
-                        <a:bodyPr/>
-                        <a:lstStyle/>
-                        <a:p>
-                          <a:r>
-                            <a:rPr lang="en-US" dirty="0"/>
-                            <a:t>Val.</a:t>
-                          </a:r>
-                        </a:p>
-                      </a:txBody>
-                      <a:tcPr/>
-                    </a:tc>
-                    <a:tc>
-                      <a:txBody>
-                        <a:bodyPr/>
-                        <a:lstStyle/>
-                        <a:p>
-                          <a:pPr marL="0" marR="0" lvl="0" indent="0" algn="l" defTabSz="457200" rtl="0" eaLnBrk="1" fontAlgn="auto" latinLnBrk="0" hangingPunct="1">
-                            <a:lnSpc>
-                              <a:spcPct val="100000"/>
-                            </a:lnSpc>
-                            <a:spcBef>
-                              <a:spcPts val="0"/>
-                            </a:spcBef>
-                            <a:spcAft>
-                              <a:spcPts val="0"/>
-                            </a:spcAft>
-                            <a:buClrTx/>
-                            <a:buSzTx/>
-                            <a:buFontTx/>
-                            <a:buNone/>
-                            <a:tabLst/>
-                            <a:defRPr/>
-                          </a:pPr>
-                          <a14:m>
-                            <m:oMathPara xmlns:m="http://schemas.openxmlformats.org/officeDocument/2006/math">
-                              <m:oMathParaPr>
-                                <m:jc m:val="centerGroup"/>
-                              </m:oMathParaPr>
-                              <m:oMath xmlns:m="http://schemas.openxmlformats.org/officeDocument/2006/math">
-                                <m:sSub>
-                                  <m:sSubPr>
-                                    <m:ctrlPr>
-                                      <a:rPr lang="en-US" sz="1800" b="1" i="1" smtClean="0">
-                                        <a:solidFill>
-                                          <a:schemeClr val="bg1"/>
-                                        </a:solidFill>
-                                        <a:latin typeface="Cambria Math" panose="02040503050406030204" pitchFamily="18" charset="0"/>
-                                      </a:rPr>
-                                    </m:ctrlPr>
-                                  </m:sSubPr>
-                                  <m:e>
-                                    <m:r>
-                                      <a:rPr lang="en-US" sz="1800" b="1" i="1" smtClean="0">
-                                        <a:solidFill>
-                                          <a:schemeClr val="bg1"/>
-                                        </a:solidFill>
-                                        <a:latin typeface="Cambria Math" panose="02040503050406030204" pitchFamily="18" charset="0"/>
-                                      </a:rPr>
-                                      <m:t>𝜶</m:t>
-                                    </m:r>
-                                  </m:e>
-                                  <m:sub>
-                                    <m:r>
-                                      <a:rPr lang="en-US" sz="1800" b="1" i="1" smtClean="0">
-                                        <a:solidFill>
-                                          <a:schemeClr val="bg1"/>
-                                        </a:solidFill>
-                                        <a:latin typeface="Cambria Math" panose="02040503050406030204" pitchFamily="18" charset="0"/>
-                                      </a:rPr>
-                                      <m:t>𝒊</m:t>
-                                    </m:r>
-                                    <m:r>
-                                      <a:rPr lang="en-US" sz="1800" b="1" i="1" smtClean="0">
-                                        <a:solidFill>
-                                          <a:schemeClr val="bg1"/>
-                                        </a:solidFill>
-                                        <a:latin typeface="Cambria Math" panose="02040503050406030204" pitchFamily="18" charset="0"/>
-                                      </a:rPr>
-                                      <m:t>,</m:t>
-                                    </m:r>
-                                    <m:sSub>
-                                      <m:sSubPr>
-                                        <m:ctrlPr>
-                                          <a:rPr lang="en-US" sz="1800" b="1" i="1" smtClean="0">
-                                            <a:solidFill>
-                                              <a:schemeClr val="bg1"/>
-                                            </a:solidFill>
-                                            <a:latin typeface="Cambria Math" panose="02040503050406030204" pitchFamily="18" charset="0"/>
-                                          </a:rPr>
-                                        </m:ctrlPr>
-                                      </m:sSubPr>
-                                      <m:e>
-                                        <m:r>
-                                          <a:rPr lang="en-US" sz="1800" b="1" i="1" smtClean="0">
-                                            <a:solidFill>
-                                              <a:schemeClr val="bg1"/>
-                                            </a:solidFill>
-                                            <a:latin typeface="Cambria Math" panose="02040503050406030204" pitchFamily="18" charset="0"/>
-                                          </a:rPr>
-                                          <m:t>𝒌</m:t>
-                                        </m:r>
-                                      </m:e>
-                                      <m:sub>
-                                        <m:r>
-                                          <a:rPr lang="en-US" sz="1800" b="1" i="1" smtClean="0">
-                                            <a:solidFill>
-                                              <a:schemeClr val="bg1"/>
-                                            </a:solidFill>
-                                            <a:latin typeface="Cambria Math" panose="02040503050406030204" pitchFamily="18" charset="0"/>
-                                          </a:rPr>
-                                          <m:t>𝒊</m:t>
-                                        </m:r>
-                                      </m:sub>
-                                    </m:sSub>
-                                  </m:sub>
-                                </m:sSub>
-                              </m:oMath>
-                            </m:oMathPara>
-                          </a14:m>
-                          <a:endParaRPr lang="en-US" sz="1400" b="1" dirty="0">
-                            <a:solidFill>
-                              <a:schemeClr val="bg1"/>
-                            </a:solidFill>
-                          </a:endParaRPr>
-                        </a:p>
-                      </a:txBody>
-                      <a:tcPr/>
-                    </a:tc>
-                    <a:extLst>
-                      <a:ext uri="{0D108BD9-81ED-4DB2-BD59-A6C34878D82A}">
-                        <a16:rowId xmlns:a16="http://schemas.microsoft.com/office/drawing/2014/main" val="1657593916"/>
-                      </a:ext>
-                    </a:extLst>
-                  </a:tr>
-                  <a:tr h="301473">
-                    <a:tc>
-                      <a:txBody>
-                        <a:bodyPr/>
-                        <a:lstStyle/>
-                        <a:p>
-                          <a:pPr algn="r"/>
-                          <a:r>
-                            <a:rPr lang="en-US" sz="1600" dirty="0"/>
-                            <a:t>1</a:t>
-                          </a:r>
-                        </a:p>
-                      </a:txBody>
-                      <a:tcPr/>
-                    </a:tc>
-                    <a:tc>
-                      <a:txBody>
-                        <a:bodyPr/>
-                        <a:lstStyle/>
-                        <a:p>
-                          <a:pPr algn="r"/>
-                          <a:r>
-                            <a:rPr lang="en-US" sz="1600" dirty="0"/>
-                            <a:t>-1</a:t>
-                          </a:r>
-                        </a:p>
-                      </a:txBody>
-                      <a:tcPr/>
-                    </a:tc>
-                    <a:tc>
-                      <a:txBody>
-                        <a:bodyPr/>
-                        <a:lstStyle/>
-                        <a:p>
-                          <a:endParaRPr lang="en-US" sz="1600" dirty="0"/>
-                        </a:p>
-                      </a:txBody>
-                      <a:tcPr/>
-                    </a:tc>
-                    <a:extLst>
-                      <a:ext uri="{0D108BD9-81ED-4DB2-BD59-A6C34878D82A}">
-                        <a16:rowId xmlns:a16="http://schemas.microsoft.com/office/drawing/2014/main" val="3163772994"/>
-                      </a:ext>
-                    </a:extLst>
-                  </a:tr>
-                  <a:tr h="301473">
-                    <a:tc>
-                      <a:txBody>
-                        <a:bodyPr/>
-                        <a:lstStyle/>
-                        <a:p>
-                          <a:pPr algn="r"/>
-                          <a:r>
-                            <a:rPr lang="en-US" sz="1600" dirty="0"/>
-                            <a:t>3</a:t>
-                          </a:r>
-                        </a:p>
-                      </a:txBody>
-                      <a:tcPr/>
-                    </a:tc>
-                    <a:tc>
-                      <a:txBody>
-                        <a:bodyPr/>
-                        <a:lstStyle/>
-                        <a:p>
-                          <a:pPr algn="r"/>
-                          <a:r>
-                            <a:rPr lang="en-US" sz="1600" dirty="0"/>
-                            <a:t>1</a:t>
-                          </a:r>
-                        </a:p>
-                      </a:txBody>
-                      <a:tcPr/>
-                    </a:tc>
-                    <a:tc>
-                      <a:txBody>
-                        <a:bodyPr/>
-                        <a:lstStyle/>
-                        <a:p>
-                          <a:endParaRPr lang="en-US" sz="1600" dirty="0"/>
-                        </a:p>
-                      </a:txBody>
-                      <a:tcPr/>
-                    </a:tc>
-                    <a:extLst>
-                      <a:ext uri="{0D108BD9-81ED-4DB2-BD59-A6C34878D82A}">
-                        <a16:rowId xmlns:a16="http://schemas.microsoft.com/office/drawing/2014/main" val="2477595038"/>
-                      </a:ext>
-                    </a:extLst>
-                  </a:tr>
-                </a:tbl>
-              </a:graphicData>
-            </a:graphic>
-          </p:graphicFrame>
-        </mc:Choice>
-        <mc:Fallback xmlns="">
-          <p:graphicFrame>
-            <p:nvGraphicFramePr>
-              <p:cNvPr id="11" name="Table 9">
-                <a:extLst>
-                  <a:ext uri="{FF2B5EF4-FFF2-40B4-BE49-F238E27FC236}">
-                    <a16:creationId xmlns:a16="http://schemas.microsoft.com/office/drawing/2014/main" id="{7A79A05F-AED1-504B-9CD0-F4B2672D9178}"/>
-                  </a:ext>
-                </a:extLst>
-              </p:cNvPr>
-              <p:cNvGraphicFramePr>
-                <a:graphicFrameLocks noGrp="1"/>
-              </p:cNvGraphicFramePr>
-              <p:nvPr>
-                <p:extLst>
-                  <p:ext uri="{D42A27DB-BD31-4B8C-83A1-F6EECF244321}">
-                    <p14:modId xmlns:p14="http://schemas.microsoft.com/office/powerpoint/2010/main" val="4177289803"/>
-                  </p:ext>
-                </p:extLst>
-              </p:nvPr>
-            </p:nvGraphicFramePr>
-            <p:xfrm>
-              <a:off x="696577" y="3691966"/>
-              <a:ext cx="1988712" cy="1060958"/>
-            </p:xfrm>
-            <a:graphic>
-              <a:graphicData uri="http://schemas.openxmlformats.org/drawingml/2006/table">
-                <a:tbl>
-                  <a:tblPr firstRow="1" bandRow="1">
-                    <a:tableStyleId>{5C22544A-7EE6-4342-B048-85BDC9FD1C3A}</a:tableStyleId>
-                  </a:tblPr>
-                  <a:tblGrid>
-                    <a:gridCol w="547393">
-                      <a:extLst>
-                        <a:ext uri="{9D8B030D-6E8A-4147-A177-3AD203B41FA5}">
-                          <a16:colId xmlns:a16="http://schemas.microsoft.com/office/drawing/2014/main" val="1582412665"/>
-                        </a:ext>
-                      </a:extLst>
-                    </a:gridCol>
-                    <a:gridCol w="547393">
-                      <a:extLst>
-                        <a:ext uri="{9D8B030D-6E8A-4147-A177-3AD203B41FA5}">
-                          <a16:colId xmlns:a16="http://schemas.microsoft.com/office/drawing/2014/main" val="597313611"/>
-                        </a:ext>
-                      </a:extLst>
-                    </a:gridCol>
-                    <a:gridCol w="893926">
-                      <a:extLst>
-                        <a:ext uri="{9D8B030D-6E8A-4147-A177-3AD203B41FA5}">
-                          <a16:colId xmlns:a16="http://schemas.microsoft.com/office/drawing/2014/main" val="3352992137"/>
-                        </a:ext>
-                      </a:extLst>
-                    </a:gridCol>
-                  </a:tblGrid>
-                  <a:tr h="390398">
-                    <a:tc>
-                      <a:txBody>
-                        <a:bodyPr/>
-                        <a:lstStyle/>
-                        <a:p>
-                          <a:endParaRPr lang="en-US"/>
-                        </a:p>
-                      </a:txBody>
-                      <a:tcPr>
-                        <a:blipFill>
-                          <a:blip r:embed="rId5"/>
-                          <a:stretch>
-                            <a:fillRect t="-6452" r="-272093" b="-193548"/>
-                          </a:stretch>
-                        </a:blipFill>
-                      </a:tcPr>
-                    </a:tc>
-                    <a:tc>
-                      <a:txBody>
-                        <a:bodyPr/>
-                        <a:lstStyle/>
-                        <a:p>
-                          <a:r>
-                            <a:rPr lang="en-US" dirty="0"/>
-                            <a:t>Val.</a:t>
-                          </a:r>
-                        </a:p>
-                      </a:txBody>
-                      <a:tcPr/>
-                    </a:tc>
-                    <a:tc>
-                      <a:txBody>
-                        <a:bodyPr/>
-                        <a:lstStyle/>
-                        <a:p>
-                          <a:endParaRPr lang="en-US"/>
-                        </a:p>
-                      </a:txBody>
-                      <a:tcPr>
-                        <a:blipFill>
-                          <a:blip r:embed="rId5"/>
-                          <a:stretch>
-                            <a:fillRect l="-122535" t="-6452" r="-2817" b="-193548"/>
-                          </a:stretch>
-                        </a:blipFill>
-                      </a:tcPr>
-                    </a:tc>
-                    <a:extLst>
-                      <a:ext uri="{0D108BD9-81ED-4DB2-BD59-A6C34878D82A}">
-                        <a16:rowId xmlns:a16="http://schemas.microsoft.com/office/drawing/2014/main" val="1657593916"/>
-                      </a:ext>
-                    </a:extLst>
-                  </a:tr>
-                  <a:tr h="335280">
-                    <a:tc>
-                      <a:txBody>
-                        <a:bodyPr/>
-                        <a:lstStyle/>
-                        <a:p>
-                          <a:pPr algn="r"/>
-                          <a:r>
-                            <a:rPr lang="en-US" sz="1600" dirty="0"/>
-                            <a:t>1</a:t>
-                          </a:r>
-                        </a:p>
-                      </a:txBody>
-                      <a:tcPr/>
-                    </a:tc>
-                    <a:tc>
-                      <a:txBody>
-                        <a:bodyPr/>
-                        <a:lstStyle/>
-                        <a:p>
-                          <a:pPr algn="r"/>
-                          <a:r>
-                            <a:rPr lang="en-US" sz="1600" dirty="0"/>
-                            <a:t>-1</a:t>
-                          </a:r>
-                        </a:p>
-                      </a:txBody>
-                      <a:tcPr/>
-                    </a:tc>
-                    <a:tc>
-                      <a:txBody>
-                        <a:bodyPr/>
-                        <a:lstStyle/>
-                        <a:p>
-                          <a:endParaRPr lang="en-US" sz="1600" dirty="0"/>
-                        </a:p>
-                      </a:txBody>
-                      <a:tcPr/>
-                    </a:tc>
-                    <a:extLst>
-                      <a:ext uri="{0D108BD9-81ED-4DB2-BD59-A6C34878D82A}">
-                        <a16:rowId xmlns:a16="http://schemas.microsoft.com/office/drawing/2014/main" val="3163772994"/>
-                      </a:ext>
-                    </a:extLst>
-                  </a:tr>
-                  <a:tr h="335280">
-                    <a:tc>
-                      <a:txBody>
-                        <a:bodyPr/>
-                        <a:lstStyle/>
-                        <a:p>
-                          <a:pPr algn="r"/>
-                          <a:r>
-                            <a:rPr lang="en-US" sz="1600" dirty="0"/>
-                            <a:t>3</a:t>
-                          </a:r>
-                        </a:p>
-                      </a:txBody>
-                      <a:tcPr/>
-                    </a:tc>
-                    <a:tc>
-                      <a:txBody>
-                        <a:bodyPr/>
-                        <a:lstStyle/>
-                        <a:p>
-                          <a:pPr algn="r"/>
-                          <a:r>
-                            <a:rPr lang="en-US" sz="1600" dirty="0"/>
-                            <a:t>1</a:t>
-                          </a:r>
-                        </a:p>
-                      </a:txBody>
-                      <a:tcPr/>
-                    </a:tc>
-                    <a:tc>
-                      <a:txBody>
-                        <a:bodyPr/>
-                        <a:lstStyle/>
-                        <a:p>
-                          <a:endParaRPr lang="en-US" sz="1600" dirty="0"/>
-                        </a:p>
-                      </a:txBody>
-                      <a:tcPr/>
-                    </a:tc>
-                    <a:extLst>
-                      <a:ext uri="{0D108BD9-81ED-4DB2-BD59-A6C34878D82A}">
-                        <a16:rowId xmlns:a16="http://schemas.microsoft.com/office/drawing/2014/main" val="2477595038"/>
-                      </a:ext>
-                    </a:extLst>
-                  </a:tr>
-                </a:tbl>
-              </a:graphicData>
-            </a:graphic>
-          </p:graphicFrame>
-        </mc:Fallback>
-      </mc:AlternateContent>
-      <p:sp>
-        <p:nvSpPr>
-          <p:cNvPr id="12" name="TextBox 11">
-            <a:extLst>
-              <a:ext uri="{FF2B5EF4-FFF2-40B4-BE49-F238E27FC236}">
-                <a16:creationId xmlns:a16="http://schemas.microsoft.com/office/drawing/2014/main" id="{E2CEA08C-0F8E-954E-BFF3-373756DFF88E}"/>
-              </a:ext>
-            </a:extLst>
-          </p:cNvPr>
-          <p:cNvSpPr txBox="1"/>
-          <p:nvPr/>
-        </p:nvSpPr>
-        <p:spPr>
-          <a:xfrm>
-            <a:off x="242607" y="3655128"/>
-            <a:ext cx="453970" cy="369332"/>
-          </a:xfrm>
-          <a:prstGeom prst="rect">
-            <a:avLst/>
-          </a:prstGeom>
-          <a:noFill/>
-        </p:spPr>
-        <p:txBody>
-          <a:bodyPr wrap="none" rtlCol="0">
-            <a:spAutoFit/>
-          </a:bodyPr>
-          <a:lstStyle/>
-          <a:p>
-            <a:r>
-              <a:rPr lang="en-US" b="1" dirty="0"/>
-              <a:t>F2</a:t>
-            </a:r>
-          </a:p>
-        </p:txBody>
-      </p:sp>
-      <mc:AlternateContent xmlns:mc="http://schemas.openxmlformats.org/markup-compatibility/2006" xmlns:a14="http://schemas.microsoft.com/office/drawing/2010/main">
-        <mc:Choice Requires="a14">
-          <p:graphicFrame>
-            <p:nvGraphicFramePr>
-              <p:cNvPr id="13" name="Table 9">
-                <a:extLst>
-                  <a:ext uri="{FF2B5EF4-FFF2-40B4-BE49-F238E27FC236}">
-                    <a16:creationId xmlns:a16="http://schemas.microsoft.com/office/drawing/2014/main" id="{4B1C0FB0-5F65-CF46-B743-055CEBD27A74}"/>
-                  </a:ext>
-                </a:extLst>
-              </p:cNvPr>
-              <p:cNvGraphicFramePr>
-                <a:graphicFrameLocks noGrp="1"/>
-              </p:cNvGraphicFramePr>
-              <p:nvPr/>
-            </p:nvGraphicFramePr>
-            <p:xfrm>
-              <a:off x="702673" y="4923358"/>
-              <a:ext cx="1988712" cy="1060958"/>
-            </p:xfrm>
-            <a:graphic>
-              <a:graphicData uri="http://schemas.openxmlformats.org/drawingml/2006/table">
-                <a:tbl>
-                  <a:tblPr firstRow="1" bandRow="1">
-                    <a:tableStyleId>{5C22544A-7EE6-4342-B048-85BDC9FD1C3A}</a:tableStyleId>
-                  </a:tblPr>
-                  <a:tblGrid>
-                    <a:gridCol w="547393">
-                      <a:extLst>
-                        <a:ext uri="{9D8B030D-6E8A-4147-A177-3AD203B41FA5}">
-                          <a16:colId xmlns:a16="http://schemas.microsoft.com/office/drawing/2014/main" val="1582412665"/>
-                        </a:ext>
-                      </a:extLst>
-                    </a:gridCol>
-                    <a:gridCol w="547393">
-                      <a:extLst>
-                        <a:ext uri="{9D8B030D-6E8A-4147-A177-3AD203B41FA5}">
-                          <a16:colId xmlns:a16="http://schemas.microsoft.com/office/drawing/2014/main" val="597313611"/>
-                        </a:ext>
-                      </a:extLst>
-                    </a:gridCol>
-                    <a:gridCol w="893926">
-                      <a:extLst>
-                        <a:ext uri="{9D8B030D-6E8A-4147-A177-3AD203B41FA5}">
-                          <a16:colId xmlns:a16="http://schemas.microsoft.com/office/drawing/2014/main" val="3352992137"/>
-                        </a:ext>
-                      </a:extLst>
-                    </a:gridCol>
-                  </a:tblGrid>
-                  <a:tr h="301473">
-                    <a:tc>
-                      <a:txBody>
-                        <a:bodyPr/>
-                        <a:lstStyle/>
-                        <a:p>
-                          <a:pPr/>
-                          <a14:m>
-                            <m:oMathPara xmlns:m="http://schemas.openxmlformats.org/officeDocument/2006/math">
-                              <m:oMathParaPr>
-                                <m:jc m:val="centerGroup"/>
-                              </m:oMathParaPr>
-                              <m:oMath xmlns:m="http://schemas.openxmlformats.org/officeDocument/2006/math">
-                                <m:sSub>
-                                  <m:sSubPr>
-                                    <m:ctrlPr>
-                                      <a:rPr lang="en-US" b="1" i="1" smtClean="0">
-                                        <a:latin typeface="Cambria Math" panose="02040503050406030204" pitchFamily="18" charset="0"/>
-                                      </a:rPr>
-                                    </m:ctrlPr>
-                                  </m:sSubPr>
-                                  <m:e>
-                                    <m:r>
-                                      <a:rPr lang="en-US" b="1" i="1" smtClean="0">
-                                        <a:latin typeface="Cambria Math" panose="02040503050406030204" pitchFamily="18" charset="0"/>
-                                      </a:rPr>
-                                      <m:t>𝒌</m:t>
-                                    </m:r>
-                                  </m:e>
-                                  <m:sub>
-                                    <m:r>
-                                      <a:rPr lang="en-US" b="1" i="1" smtClean="0">
-                                        <a:latin typeface="Cambria Math" panose="02040503050406030204" pitchFamily="18" charset="0"/>
-                                      </a:rPr>
-                                      <m:t>𝒊</m:t>
-                                    </m:r>
-                                  </m:sub>
-                                </m:sSub>
-                              </m:oMath>
-                            </m:oMathPara>
-                          </a14:m>
-                          <a:endParaRPr lang="en-US" dirty="0"/>
-                        </a:p>
-                      </a:txBody>
-                      <a:tcPr/>
-                    </a:tc>
-                    <a:tc>
-                      <a:txBody>
-                        <a:bodyPr/>
-                        <a:lstStyle/>
-                        <a:p>
-                          <a:r>
-                            <a:rPr lang="en-US" dirty="0"/>
-                            <a:t>Val.</a:t>
-                          </a:r>
-                        </a:p>
-                      </a:txBody>
-                      <a:tcPr/>
-                    </a:tc>
-                    <a:tc>
-                      <a:txBody>
-                        <a:bodyPr/>
-                        <a:lstStyle/>
-                        <a:p>
-                          <a:pPr marL="0" marR="0" lvl="0" indent="0" algn="l" defTabSz="457200" rtl="0" eaLnBrk="1" fontAlgn="auto" latinLnBrk="0" hangingPunct="1">
-                            <a:lnSpc>
-                              <a:spcPct val="100000"/>
-                            </a:lnSpc>
-                            <a:spcBef>
-                              <a:spcPts val="0"/>
-                            </a:spcBef>
-                            <a:spcAft>
-                              <a:spcPts val="0"/>
-                            </a:spcAft>
-                            <a:buClrTx/>
-                            <a:buSzTx/>
-                            <a:buFontTx/>
-                            <a:buNone/>
-                            <a:tabLst/>
-                            <a:defRPr/>
-                          </a:pPr>
-                          <a14:m>
-                            <m:oMathPara xmlns:m="http://schemas.openxmlformats.org/officeDocument/2006/math">
-                              <m:oMathParaPr>
-                                <m:jc m:val="centerGroup"/>
-                              </m:oMathParaPr>
-                              <m:oMath xmlns:m="http://schemas.openxmlformats.org/officeDocument/2006/math">
-                                <m:sSub>
-                                  <m:sSubPr>
-                                    <m:ctrlPr>
-                                      <a:rPr lang="en-US" sz="1800" b="1" i="1" smtClean="0">
-                                        <a:solidFill>
-                                          <a:schemeClr val="bg1"/>
-                                        </a:solidFill>
-                                        <a:latin typeface="Cambria Math" panose="02040503050406030204" pitchFamily="18" charset="0"/>
-                                      </a:rPr>
-                                    </m:ctrlPr>
-                                  </m:sSubPr>
-                                  <m:e>
-                                    <m:r>
-                                      <a:rPr lang="en-US" sz="1800" b="1" i="1" smtClean="0">
-                                        <a:solidFill>
-                                          <a:schemeClr val="bg1"/>
-                                        </a:solidFill>
-                                        <a:latin typeface="Cambria Math" panose="02040503050406030204" pitchFamily="18" charset="0"/>
-                                      </a:rPr>
-                                      <m:t>𝜶</m:t>
-                                    </m:r>
-                                  </m:e>
-                                  <m:sub>
-                                    <m:r>
-                                      <a:rPr lang="en-US" sz="1800" b="1" i="1" smtClean="0">
-                                        <a:solidFill>
-                                          <a:schemeClr val="bg1"/>
-                                        </a:solidFill>
-                                        <a:latin typeface="Cambria Math" panose="02040503050406030204" pitchFamily="18" charset="0"/>
-                                      </a:rPr>
-                                      <m:t>𝒊</m:t>
-                                    </m:r>
-                                    <m:r>
-                                      <a:rPr lang="en-US" sz="1800" b="1" i="1" smtClean="0">
-                                        <a:solidFill>
-                                          <a:schemeClr val="bg1"/>
-                                        </a:solidFill>
-                                        <a:latin typeface="Cambria Math" panose="02040503050406030204" pitchFamily="18" charset="0"/>
-                                      </a:rPr>
-                                      <m:t>,</m:t>
-                                    </m:r>
-                                    <m:sSub>
-                                      <m:sSubPr>
-                                        <m:ctrlPr>
-                                          <a:rPr lang="en-US" sz="1800" b="1" i="1" smtClean="0">
-                                            <a:solidFill>
-                                              <a:schemeClr val="bg1"/>
-                                            </a:solidFill>
-                                            <a:latin typeface="Cambria Math" panose="02040503050406030204" pitchFamily="18" charset="0"/>
-                                          </a:rPr>
-                                        </m:ctrlPr>
-                                      </m:sSubPr>
-                                      <m:e>
-                                        <m:r>
-                                          <a:rPr lang="en-US" sz="1800" b="1" i="1" smtClean="0">
-                                            <a:solidFill>
-                                              <a:schemeClr val="bg1"/>
-                                            </a:solidFill>
-                                            <a:latin typeface="Cambria Math" panose="02040503050406030204" pitchFamily="18" charset="0"/>
-                                          </a:rPr>
-                                          <m:t>𝒌</m:t>
-                                        </m:r>
-                                      </m:e>
-                                      <m:sub>
-                                        <m:r>
-                                          <a:rPr lang="en-US" sz="1800" b="1" i="1" smtClean="0">
-                                            <a:solidFill>
-                                              <a:schemeClr val="bg1"/>
-                                            </a:solidFill>
-                                            <a:latin typeface="Cambria Math" panose="02040503050406030204" pitchFamily="18" charset="0"/>
-                                          </a:rPr>
-                                          <m:t>𝒊</m:t>
-                                        </m:r>
-                                      </m:sub>
-                                    </m:sSub>
-                                  </m:sub>
-                                </m:sSub>
-                              </m:oMath>
-                            </m:oMathPara>
-                          </a14:m>
-                          <a:endParaRPr lang="en-US" sz="1400" b="1" dirty="0">
-                            <a:solidFill>
-                              <a:schemeClr val="bg1"/>
-                            </a:solidFill>
-                          </a:endParaRPr>
-                        </a:p>
-                      </a:txBody>
-                      <a:tcPr/>
-                    </a:tc>
-                    <a:extLst>
-                      <a:ext uri="{0D108BD9-81ED-4DB2-BD59-A6C34878D82A}">
-                        <a16:rowId xmlns:a16="http://schemas.microsoft.com/office/drawing/2014/main" val="1657593916"/>
-                      </a:ext>
-                    </a:extLst>
-                  </a:tr>
-                  <a:tr h="301473">
-                    <a:tc>
-                      <a:txBody>
-                        <a:bodyPr/>
-                        <a:lstStyle/>
-                        <a:p>
-                          <a:pPr algn="r"/>
-                          <a:r>
-                            <a:rPr lang="en-US" sz="1600" dirty="0"/>
-                            <a:t>1</a:t>
-                          </a:r>
-                        </a:p>
-                      </a:txBody>
-                      <a:tcPr/>
-                    </a:tc>
-                    <a:tc>
-                      <a:txBody>
-                        <a:bodyPr/>
-                        <a:lstStyle/>
-                        <a:p>
-                          <a:pPr algn="r"/>
-                          <a:r>
-                            <a:rPr lang="en-US" sz="1600" dirty="0"/>
-                            <a:t>-1</a:t>
-                          </a:r>
-                        </a:p>
-                      </a:txBody>
-                      <a:tcPr/>
-                    </a:tc>
-                    <a:tc>
-                      <a:txBody>
-                        <a:bodyPr/>
-                        <a:lstStyle/>
-                        <a:p>
-                          <a:endParaRPr lang="en-US" sz="1600" dirty="0"/>
-                        </a:p>
-                      </a:txBody>
-                      <a:tcPr/>
-                    </a:tc>
-                    <a:extLst>
-                      <a:ext uri="{0D108BD9-81ED-4DB2-BD59-A6C34878D82A}">
-                        <a16:rowId xmlns:a16="http://schemas.microsoft.com/office/drawing/2014/main" val="3163772994"/>
-                      </a:ext>
-                    </a:extLst>
-                  </a:tr>
-                  <a:tr h="301473">
-                    <a:tc>
-                      <a:txBody>
-                        <a:bodyPr/>
-                        <a:lstStyle/>
-                        <a:p>
-                          <a:pPr algn="r"/>
-                          <a:r>
-                            <a:rPr lang="en-US" sz="1600" dirty="0"/>
-                            <a:t>3</a:t>
-                          </a:r>
-                        </a:p>
-                      </a:txBody>
-                      <a:tcPr/>
-                    </a:tc>
-                    <a:tc>
-                      <a:txBody>
-                        <a:bodyPr/>
-                        <a:lstStyle/>
-                        <a:p>
-                          <a:pPr algn="r"/>
-                          <a:r>
-                            <a:rPr lang="en-US" sz="1600" dirty="0"/>
-                            <a:t>1</a:t>
-                          </a:r>
-                        </a:p>
-                      </a:txBody>
-                      <a:tcPr/>
-                    </a:tc>
-                    <a:tc>
-                      <a:txBody>
-                        <a:bodyPr/>
-                        <a:lstStyle/>
-                        <a:p>
-                          <a:endParaRPr lang="en-US" sz="1600" dirty="0"/>
-                        </a:p>
-                      </a:txBody>
-                      <a:tcPr/>
-                    </a:tc>
-                    <a:extLst>
-                      <a:ext uri="{0D108BD9-81ED-4DB2-BD59-A6C34878D82A}">
-                        <a16:rowId xmlns:a16="http://schemas.microsoft.com/office/drawing/2014/main" val="2477595038"/>
-                      </a:ext>
-                    </a:extLst>
-                  </a:tr>
-                </a:tbl>
-              </a:graphicData>
-            </a:graphic>
-          </p:graphicFrame>
-        </mc:Choice>
-        <mc:Fallback xmlns="">
-          <p:graphicFrame>
-            <p:nvGraphicFramePr>
-              <p:cNvPr id="13" name="Table 9">
-                <a:extLst>
-                  <a:ext uri="{FF2B5EF4-FFF2-40B4-BE49-F238E27FC236}">
-                    <a16:creationId xmlns:a16="http://schemas.microsoft.com/office/drawing/2014/main" id="{4B1C0FB0-5F65-CF46-B743-055CEBD27A74}"/>
-                  </a:ext>
-                </a:extLst>
-              </p:cNvPr>
-              <p:cNvGraphicFramePr>
-                <a:graphicFrameLocks noGrp="1"/>
-              </p:cNvGraphicFramePr>
-              <p:nvPr>
-                <p:extLst>
-                  <p:ext uri="{D42A27DB-BD31-4B8C-83A1-F6EECF244321}">
-                    <p14:modId xmlns:p14="http://schemas.microsoft.com/office/powerpoint/2010/main" val="2483857478"/>
-                  </p:ext>
-                </p:extLst>
-              </p:nvPr>
-            </p:nvGraphicFramePr>
-            <p:xfrm>
-              <a:off x="702673" y="4923358"/>
-              <a:ext cx="1988712" cy="1060958"/>
-            </p:xfrm>
-            <a:graphic>
-              <a:graphicData uri="http://schemas.openxmlformats.org/drawingml/2006/table">
-                <a:tbl>
-                  <a:tblPr firstRow="1" bandRow="1">
-                    <a:tableStyleId>{5C22544A-7EE6-4342-B048-85BDC9FD1C3A}</a:tableStyleId>
-                  </a:tblPr>
-                  <a:tblGrid>
-                    <a:gridCol w="547393">
-                      <a:extLst>
-                        <a:ext uri="{9D8B030D-6E8A-4147-A177-3AD203B41FA5}">
-                          <a16:colId xmlns:a16="http://schemas.microsoft.com/office/drawing/2014/main" val="1582412665"/>
-                        </a:ext>
-                      </a:extLst>
-                    </a:gridCol>
-                    <a:gridCol w="547393">
-                      <a:extLst>
-                        <a:ext uri="{9D8B030D-6E8A-4147-A177-3AD203B41FA5}">
-                          <a16:colId xmlns:a16="http://schemas.microsoft.com/office/drawing/2014/main" val="597313611"/>
-                        </a:ext>
-                      </a:extLst>
-                    </a:gridCol>
-                    <a:gridCol w="893926">
-                      <a:extLst>
-                        <a:ext uri="{9D8B030D-6E8A-4147-A177-3AD203B41FA5}">
-                          <a16:colId xmlns:a16="http://schemas.microsoft.com/office/drawing/2014/main" val="3352992137"/>
-                        </a:ext>
-                      </a:extLst>
-                    </a:gridCol>
-                  </a:tblGrid>
-                  <a:tr h="390398">
-                    <a:tc>
-                      <a:txBody>
-                        <a:bodyPr/>
-                        <a:lstStyle/>
-                        <a:p>
-                          <a:endParaRPr lang="en-US"/>
-                        </a:p>
-                      </a:txBody>
-                      <a:tcPr>
-                        <a:blipFill>
-                          <a:blip r:embed="rId6"/>
-                          <a:stretch>
-                            <a:fillRect l="-2326" t="-6452" r="-272093" b="-193548"/>
-                          </a:stretch>
-                        </a:blipFill>
-                      </a:tcPr>
-                    </a:tc>
-                    <a:tc>
-                      <a:txBody>
-                        <a:bodyPr/>
-                        <a:lstStyle/>
-                        <a:p>
-                          <a:r>
-                            <a:rPr lang="en-US" dirty="0"/>
-                            <a:t>Val.</a:t>
-                          </a:r>
-                        </a:p>
-                      </a:txBody>
-                      <a:tcPr/>
-                    </a:tc>
-                    <a:tc>
-                      <a:txBody>
-                        <a:bodyPr/>
-                        <a:lstStyle/>
-                        <a:p>
-                          <a:endParaRPr lang="en-US"/>
-                        </a:p>
-                      </a:txBody>
-                      <a:tcPr>
-                        <a:blipFill>
-                          <a:blip r:embed="rId6"/>
-                          <a:stretch>
-                            <a:fillRect l="-122535" t="-6452" r="-4225" b="-193548"/>
-                          </a:stretch>
-                        </a:blipFill>
-                      </a:tcPr>
-                    </a:tc>
-                    <a:extLst>
-                      <a:ext uri="{0D108BD9-81ED-4DB2-BD59-A6C34878D82A}">
-                        <a16:rowId xmlns:a16="http://schemas.microsoft.com/office/drawing/2014/main" val="1657593916"/>
-                      </a:ext>
-                    </a:extLst>
-                  </a:tr>
-                  <a:tr h="335280">
-                    <a:tc>
-                      <a:txBody>
-                        <a:bodyPr/>
-                        <a:lstStyle/>
-                        <a:p>
-                          <a:pPr algn="r"/>
-                          <a:r>
-                            <a:rPr lang="en-US" sz="1600" dirty="0"/>
-                            <a:t>1</a:t>
-                          </a:r>
-                        </a:p>
-                      </a:txBody>
-                      <a:tcPr/>
-                    </a:tc>
-                    <a:tc>
-                      <a:txBody>
-                        <a:bodyPr/>
-                        <a:lstStyle/>
-                        <a:p>
-                          <a:pPr algn="r"/>
-                          <a:r>
-                            <a:rPr lang="en-US" sz="1600" dirty="0"/>
-                            <a:t>-1</a:t>
-                          </a:r>
-                        </a:p>
-                      </a:txBody>
-                      <a:tcPr/>
-                    </a:tc>
-                    <a:tc>
-                      <a:txBody>
-                        <a:bodyPr/>
-                        <a:lstStyle/>
-                        <a:p>
-                          <a:endParaRPr lang="en-US" sz="1600" dirty="0"/>
-                        </a:p>
-                      </a:txBody>
-                      <a:tcPr/>
-                    </a:tc>
-                    <a:extLst>
-                      <a:ext uri="{0D108BD9-81ED-4DB2-BD59-A6C34878D82A}">
-                        <a16:rowId xmlns:a16="http://schemas.microsoft.com/office/drawing/2014/main" val="3163772994"/>
-                      </a:ext>
-                    </a:extLst>
-                  </a:tr>
-                  <a:tr h="335280">
-                    <a:tc>
-                      <a:txBody>
-                        <a:bodyPr/>
-                        <a:lstStyle/>
-                        <a:p>
-                          <a:pPr algn="r"/>
-                          <a:r>
-                            <a:rPr lang="en-US" sz="1600" dirty="0"/>
-                            <a:t>3</a:t>
-                          </a:r>
-                        </a:p>
-                      </a:txBody>
-                      <a:tcPr/>
-                    </a:tc>
-                    <a:tc>
-                      <a:txBody>
-                        <a:bodyPr/>
-                        <a:lstStyle/>
-                        <a:p>
-                          <a:pPr algn="r"/>
-                          <a:r>
-                            <a:rPr lang="en-US" sz="1600" dirty="0"/>
-                            <a:t>1</a:t>
-                          </a:r>
-                        </a:p>
-                      </a:txBody>
-                      <a:tcPr/>
-                    </a:tc>
-                    <a:tc>
-                      <a:txBody>
-                        <a:bodyPr/>
-                        <a:lstStyle/>
-                        <a:p>
-                          <a:endParaRPr lang="en-US" sz="1600" dirty="0"/>
-                        </a:p>
-                      </a:txBody>
-                      <a:tcPr/>
-                    </a:tc>
-                    <a:extLst>
-                      <a:ext uri="{0D108BD9-81ED-4DB2-BD59-A6C34878D82A}">
-                        <a16:rowId xmlns:a16="http://schemas.microsoft.com/office/drawing/2014/main" val="2477595038"/>
-                      </a:ext>
-                    </a:extLst>
-                  </a:tr>
-                </a:tbl>
-              </a:graphicData>
-            </a:graphic>
-          </p:graphicFrame>
-        </mc:Fallback>
-      </mc:AlternateContent>
-      <p:sp>
-        <p:nvSpPr>
-          <p:cNvPr id="14" name="TextBox 13">
-            <a:extLst>
-              <a:ext uri="{FF2B5EF4-FFF2-40B4-BE49-F238E27FC236}">
-                <a16:creationId xmlns:a16="http://schemas.microsoft.com/office/drawing/2014/main" id="{B6907CE0-2C3E-9F43-A865-9D2B7D80ED71}"/>
-              </a:ext>
-            </a:extLst>
-          </p:cNvPr>
-          <p:cNvSpPr txBox="1"/>
-          <p:nvPr/>
-        </p:nvSpPr>
-        <p:spPr>
-          <a:xfrm>
-            <a:off x="248703" y="4886520"/>
-            <a:ext cx="453970" cy="369332"/>
-          </a:xfrm>
-          <a:prstGeom prst="rect">
-            <a:avLst/>
-          </a:prstGeom>
-          <a:noFill/>
-        </p:spPr>
-        <p:txBody>
-          <a:bodyPr wrap="none" rtlCol="0">
-            <a:spAutoFit/>
-          </a:bodyPr>
-          <a:lstStyle/>
-          <a:p>
-            <a:r>
-              <a:rPr lang="en-US" b="1" dirty="0"/>
-              <a:t>F3</a:t>
-            </a:r>
-          </a:p>
-        </p:txBody>
-      </p:sp>
-      <mc:AlternateContent xmlns:mc="http://schemas.openxmlformats.org/markup-compatibility/2006" xmlns:a14="http://schemas.microsoft.com/office/drawing/2010/main">
-        <mc:Choice Requires="a14">
-          <p:graphicFrame>
-            <p:nvGraphicFramePr>
-              <p:cNvPr id="15" name="Table 15">
-                <a:extLst>
-                  <a:ext uri="{FF2B5EF4-FFF2-40B4-BE49-F238E27FC236}">
-                    <a16:creationId xmlns:a16="http://schemas.microsoft.com/office/drawing/2014/main" id="{6FE953AF-F5FA-5E4D-A1EA-567890A9A88E}"/>
-                  </a:ext>
-                </a:extLst>
-              </p:cNvPr>
-              <p:cNvGraphicFramePr>
-                <a:graphicFrameLocks noGrp="1"/>
-              </p:cNvGraphicFramePr>
-              <p:nvPr/>
-            </p:nvGraphicFramePr>
-            <p:xfrm>
-              <a:off x="4871293" y="2158830"/>
-              <a:ext cx="2279316" cy="1005840"/>
-            </p:xfrm>
-            <a:graphic>
-              <a:graphicData uri="http://schemas.openxmlformats.org/drawingml/2006/table">
-                <a:tbl>
-                  <a:tblPr firstRow="1" bandRow="1">
-                    <a:tableStyleId>{5C22544A-7EE6-4342-B048-85BDC9FD1C3A}</a:tableStyleId>
-                  </a:tblPr>
-                  <a:tblGrid>
-                    <a:gridCol w="999155">
-                      <a:extLst>
-                        <a:ext uri="{9D8B030D-6E8A-4147-A177-3AD203B41FA5}">
-                          <a16:colId xmlns:a16="http://schemas.microsoft.com/office/drawing/2014/main" val="4090532726"/>
-                        </a:ext>
-                      </a:extLst>
-                    </a:gridCol>
-                    <a:gridCol w="475488">
-                      <a:extLst>
-                        <a:ext uri="{9D8B030D-6E8A-4147-A177-3AD203B41FA5}">
-                          <a16:colId xmlns:a16="http://schemas.microsoft.com/office/drawing/2014/main" val="1268010344"/>
-                        </a:ext>
-                      </a:extLst>
-                    </a:gridCol>
-                    <a:gridCol w="438912">
-                      <a:extLst>
-                        <a:ext uri="{9D8B030D-6E8A-4147-A177-3AD203B41FA5}">
-                          <a16:colId xmlns:a16="http://schemas.microsoft.com/office/drawing/2014/main" val="2844031224"/>
-                        </a:ext>
-                      </a:extLst>
-                    </a:gridCol>
-                    <a:gridCol w="365761">
-                      <a:extLst>
-                        <a:ext uri="{9D8B030D-6E8A-4147-A177-3AD203B41FA5}">
-                          <a16:colId xmlns:a16="http://schemas.microsoft.com/office/drawing/2014/main" val="3749673277"/>
-                        </a:ext>
-                      </a:extLst>
-                    </a:gridCol>
-                  </a:tblGrid>
-                  <a:tr h="279400">
-                    <a:tc>
-                      <a:txBody>
-                        <a:bodyPr/>
-                        <a:lstStyle/>
-                        <a:p>
-                          <a:pPr algn="r"/>
-                          <a:endParaRPr lang="en-US" sz="1600" dirty="0"/>
-                        </a:p>
-                      </a:txBody>
-                      <a:tcPr/>
-                    </a:tc>
-                    <a:tc>
-                      <a:txBody>
-                        <a:bodyPr/>
-                        <a:lstStyle/>
-                        <a:p>
-                          <a:pPr algn="r"/>
-                          <a:endParaRPr lang="en-US" sz="1600" dirty="0"/>
-                        </a:p>
-                      </a:txBody>
-                      <a:tcPr/>
-                    </a:tc>
-                    <a:tc>
-                      <a:txBody>
-                        <a:bodyPr/>
-                        <a:lstStyle/>
-                        <a:p>
-                          <a:pPr algn="r"/>
-                          <a:r>
-                            <a:rPr lang="en-US" sz="1600" dirty="0"/>
-                            <a:t>-1</a:t>
-                          </a:r>
-                        </a:p>
-                      </a:txBody>
-                      <a:tcPr/>
-                    </a:tc>
-                    <a:tc>
-                      <a:txBody>
-                        <a:bodyPr/>
-                        <a:lstStyle/>
-                        <a:p>
-                          <a:pPr algn="r"/>
-                          <a:r>
-                            <a:rPr lang="en-US" sz="1600" dirty="0"/>
-                            <a:t>1</a:t>
-                          </a:r>
-                        </a:p>
-                      </a:txBody>
-                      <a:tcPr/>
-                    </a:tc>
-                    <a:extLst>
-                      <a:ext uri="{0D108BD9-81ED-4DB2-BD59-A6C34878D82A}">
-                        <a16:rowId xmlns:a16="http://schemas.microsoft.com/office/drawing/2014/main" val="2419383361"/>
-                      </a:ext>
-                    </a:extLst>
-                  </a:tr>
-                  <a:tr h="279400">
-                    <a:tc>
-                      <a:txBody>
-                        <a:bodyPr/>
-                        <a:lstStyle/>
-                        <a:p>
-                          <a:pPr algn="r"/>
-                          <a14:m>
-                            <m:oMathPara xmlns:m="http://schemas.openxmlformats.org/officeDocument/2006/math">
-                              <m:oMathParaPr>
-                                <m:jc m:val="centerGroup"/>
-                              </m:oMathParaPr>
-                              <m:oMath xmlns:m="http://schemas.openxmlformats.org/officeDocument/2006/math">
-                                <m:sSub>
-                                  <m:sSubPr>
-                                    <m:ctrlPr>
-                                      <a:rPr lang="en-US" sz="1600" b="0" i="1" smtClean="0">
-                                        <a:latin typeface="Cambria Math" panose="02040503050406030204" pitchFamily="18" charset="0"/>
-                                      </a:rPr>
-                                    </m:ctrlPr>
-                                  </m:sSubPr>
-                                  <m:e>
-                                    <m:r>
-                                      <a:rPr lang="en-US" sz="1600" b="0" i="1" smtClean="0">
-                                        <a:latin typeface="Cambria Math" panose="02040503050406030204" pitchFamily="18" charset="0"/>
-                                      </a:rPr>
-                                      <m:t>𝑘</m:t>
-                                    </m:r>
-                                  </m:e>
-                                  <m:sub>
-                                    <m:r>
-                                      <a:rPr lang="en-US" sz="1600" b="0" i="1" smtClean="0">
-                                        <a:latin typeface="Cambria Math" panose="02040503050406030204" pitchFamily="18" charset="0"/>
-                                      </a:rPr>
-                                      <m:t>𝑖</m:t>
-                                    </m:r>
-                                  </m:sub>
-                                </m:sSub>
-                                <m:r>
-                                  <a:rPr lang="en-US" sz="1600" b="0" i="1" smtClean="0">
-                                    <a:latin typeface="Cambria Math" panose="02040503050406030204" pitchFamily="18" charset="0"/>
-                                  </a:rPr>
-                                  <m:t>=1</m:t>
-                                </m:r>
-                              </m:oMath>
-                            </m:oMathPara>
-                          </a14:m>
-                          <a:endParaRPr lang="en-US" sz="1600" dirty="0"/>
-                        </a:p>
-                      </a:txBody>
-                      <a:tcPr/>
-                    </a:tc>
-                    <a:tc>
-                      <a:txBody>
-                        <a:bodyPr/>
-                        <a:lstStyle/>
-                        <a:p>
-                          <a:pPr algn="r"/>
-                          <a:r>
-                            <a:rPr lang="en-US" sz="1600" dirty="0"/>
-                            <a:t>-1</a:t>
-                          </a:r>
-                        </a:p>
-                      </a:txBody>
-                      <a:tcPr/>
-                    </a:tc>
-                    <a:tc>
-                      <a:txBody>
-                        <a:bodyPr/>
-                        <a:lstStyle/>
-                        <a:p>
-                          <a:endParaRPr lang="en-US" sz="1600"/>
-                        </a:p>
-                      </a:txBody>
-                      <a:tcPr/>
-                    </a:tc>
-                    <a:tc>
-                      <a:txBody>
-                        <a:bodyPr/>
-                        <a:lstStyle/>
-                        <a:p>
-                          <a:endParaRPr lang="en-US" sz="1600"/>
-                        </a:p>
-                      </a:txBody>
-                      <a:tcPr/>
-                    </a:tc>
-                    <a:extLst>
-                      <a:ext uri="{0D108BD9-81ED-4DB2-BD59-A6C34878D82A}">
-                        <a16:rowId xmlns:a16="http://schemas.microsoft.com/office/drawing/2014/main" val="760304260"/>
-                      </a:ext>
-                    </a:extLst>
-                  </a:tr>
-                  <a:tr h="279400">
-                    <a:tc>
-                      <a:txBody>
-                        <a:bodyPr/>
-                        <a:lstStyle/>
-                        <a:p>
-                          <a:pPr algn="r"/>
-                          <a14:m>
-                            <m:oMathPara xmlns:m="http://schemas.openxmlformats.org/officeDocument/2006/math">
-                              <m:oMathParaPr>
-                                <m:jc m:val="centerGroup"/>
-                              </m:oMathParaPr>
-                              <m:oMath xmlns:m="http://schemas.openxmlformats.org/officeDocument/2006/math">
-                                <m:sSub>
-                                  <m:sSubPr>
-                                    <m:ctrlPr>
-                                      <a:rPr lang="en-US" sz="1600" b="0" i="1" smtClean="0">
-                                        <a:latin typeface="Cambria Math" panose="02040503050406030204" pitchFamily="18" charset="0"/>
-                                      </a:rPr>
-                                    </m:ctrlPr>
-                                  </m:sSubPr>
-                                  <m:e>
-                                    <m:r>
-                                      <a:rPr lang="en-US" sz="1600" b="0" i="1" smtClean="0">
-                                        <a:latin typeface="Cambria Math" panose="02040503050406030204" pitchFamily="18" charset="0"/>
-                                      </a:rPr>
-                                      <m:t>𝑘</m:t>
-                                    </m:r>
-                                  </m:e>
-                                  <m:sub>
-                                    <m:r>
-                                      <a:rPr lang="en-US" sz="1600" b="0" i="1" smtClean="0">
-                                        <a:latin typeface="Cambria Math" panose="02040503050406030204" pitchFamily="18" charset="0"/>
-                                      </a:rPr>
-                                      <m:t>𝑖</m:t>
-                                    </m:r>
-                                  </m:sub>
-                                </m:sSub>
-                                <m:r>
-                                  <a:rPr lang="en-US" sz="1600" b="0" i="1" smtClean="0">
-                                    <a:latin typeface="Cambria Math" panose="02040503050406030204" pitchFamily="18" charset="0"/>
-                                  </a:rPr>
-                                  <m:t>=3</m:t>
-                                </m:r>
-                              </m:oMath>
-                            </m:oMathPara>
-                          </a14:m>
-                          <a:endParaRPr lang="en-US" sz="1600" dirty="0"/>
-                        </a:p>
-                      </a:txBody>
-                      <a:tcPr/>
-                    </a:tc>
-                    <a:tc>
-                      <a:txBody>
-                        <a:bodyPr/>
-                        <a:lstStyle/>
-                        <a:p>
-                          <a:pPr algn="r"/>
-                          <a:r>
-                            <a:rPr lang="en-US" sz="1600" dirty="0"/>
-                            <a:t>1</a:t>
-                          </a:r>
-                        </a:p>
-                      </a:txBody>
-                      <a:tcPr/>
-                    </a:tc>
-                    <a:tc>
-                      <a:txBody>
-                        <a:bodyPr/>
-                        <a:lstStyle/>
-                        <a:p>
-                          <a:endParaRPr lang="en-US" sz="1600"/>
-                        </a:p>
-                      </a:txBody>
-                      <a:tcPr/>
-                    </a:tc>
-                    <a:tc>
-                      <a:txBody>
-                        <a:bodyPr/>
-                        <a:lstStyle/>
-                        <a:p>
-                          <a:endParaRPr lang="en-US" sz="1600" dirty="0"/>
-                        </a:p>
-                      </a:txBody>
-                      <a:tcPr/>
-                    </a:tc>
-                    <a:extLst>
-                      <a:ext uri="{0D108BD9-81ED-4DB2-BD59-A6C34878D82A}">
-                        <a16:rowId xmlns:a16="http://schemas.microsoft.com/office/drawing/2014/main" val="2080774411"/>
-                      </a:ext>
-                    </a:extLst>
-                  </a:tr>
-                </a:tbl>
-              </a:graphicData>
-            </a:graphic>
-          </p:graphicFrame>
-        </mc:Choice>
-        <mc:Fallback xmlns="">
-          <p:graphicFrame>
-            <p:nvGraphicFramePr>
-              <p:cNvPr id="15" name="Table 15">
-                <a:extLst>
-                  <a:ext uri="{FF2B5EF4-FFF2-40B4-BE49-F238E27FC236}">
-                    <a16:creationId xmlns:a16="http://schemas.microsoft.com/office/drawing/2014/main" id="{6FE953AF-F5FA-5E4D-A1EA-567890A9A88E}"/>
-                  </a:ext>
-                </a:extLst>
-              </p:cNvPr>
-              <p:cNvGraphicFramePr>
-                <a:graphicFrameLocks noGrp="1"/>
-              </p:cNvGraphicFramePr>
-              <p:nvPr>
-                <p:extLst>
-                  <p:ext uri="{D42A27DB-BD31-4B8C-83A1-F6EECF244321}">
-                    <p14:modId xmlns:p14="http://schemas.microsoft.com/office/powerpoint/2010/main" val="2350892057"/>
-                  </p:ext>
-                </p:extLst>
-              </p:nvPr>
-            </p:nvGraphicFramePr>
-            <p:xfrm>
-              <a:off x="4871293" y="2158830"/>
-              <a:ext cx="2279316" cy="1005840"/>
-            </p:xfrm>
-            <a:graphic>
-              <a:graphicData uri="http://schemas.openxmlformats.org/drawingml/2006/table">
-                <a:tbl>
-                  <a:tblPr firstRow="1" bandRow="1">
-                    <a:tableStyleId>{5C22544A-7EE6-4342-B048-85BDC9FD1C3A}</a:tableStyleId>
-                  </a:tblPr>
-                  <a:tblGrid>
-                    <a:gridCol w="999155">
-                      <a:extLst>
-                        <a:ext uri="{9D8B030D-6E8A-4147-A177-3AD203B41FA5}">
-                          <a16:colId xmlns:a16="http://schemas.microsoft.com/office/drawing/2014/main" val="4090532726"/>
-                        </a:ext>
-                      </a:extLst>
-                    </a:gridCol>
-                    <a:gridCol w="475488">
-                      <a:extLst>
-                        <a:ext uri="{9D8B030D-6E8A-4147-A177-3AD203B41FA5}">
-                          <a16:colId xmlns:a16="http://schemas.microsoft.com/office/drawing/2014/main" val="1268010344"/>
-                        </a:ext>
-                      </a:extLst>
-                    </a:gridCol>
-                    <a:gridCol w="438912">
-                      <a:extLst>
-                        <a:ext uri="{9D8B030D-6E8A-4147-A177-3AD203B41FA5}">
-                          <a16:colId xmlns:a16="http://schemas.microsoft.com/office/drawing/2014/main" val="2844031224"/>
-                        </a:ext>
-                      </a:extLst>
-                    </a:gridCol>
-                    <a:gridCol w="365761">
-                      <a:extLst>
-                        <a:ext uri="{9D8B030D-6E8A-4147-A177-3AD203B41FA5}">
-                          <a16:colId xmlns:a16="http://schemas.microsoft.com/office/drawing/2014/main" val="3749673277"/>
-                        </a:ext>
-                      </a:extLst>
-                    </a:gridCol>
-                  </a:tblGrid>
-                  <a:tr h="335280">
-                    <a:tc>
-                      <a:txBody>
-                        <a:bodyPr/>
-                        <a:lstStyle/>
-                        <a:p>
-                          <a:pPr algn="r"/>
-                          <a:endParaRPr lang="en-US" sz="1600" dirty="0"/>
-                        </a:p>
-                      </a:txBody>
-                      <a:tcPr/>
-                    </a:tc>
-                    <a:tc>
-                      <a:txBody>
-                        <a:bodyPr/>
-                        <a:lstStyle/>
-                        <a:p>
-                          <a:pPr algn="r"/>
-                          <a:endParaRPr lang="en-US" sz="1600" dirty="0"/>
-                        </a:p>
-                      </a:txBody>
-                      <a:tcPr/>
-                    </a:tc>
-                    <a:tc>
-                      <a:txBody>
-                        <a:bodyPr/>
-                        <a:lstStyle/>
-                        <a:p>
-                          <a:pPr algn="r"/>
-                          <a:r>
-                            <a:rPr lang="en-US" sz="1600" dirty="0"/>
-                            <a:t>-1</a:t>
-                          </a:r>
-                        </a:p>
-                      </a:txBody>
-                      <a:tcPr/>
-                    </a:tc>
-                    <a:tc>
-                      <a:txBody>
-                        <a:bodyPr/>
-                        <a:lstStyle/>
-                        <a:p>
-                          <a:pPr algn="r"/>
-                          <a:r>
-                            <a:rPr lang="en-US" sz="1600" dirty="0"/>
-                            <a:t>1</a:t>
-                          </a:r>
-                        </a:p>
-                      </a:txBody>
-                      <a:tcPr/>
-                    </a:tc>
-                    <a:extLst>
-                      <a:ext uri="{0D108BD9-81ED-4DB2-BD59-A6C34878D82A}">
-                        <a16:rowId xmlns:a16="http://schemas.microsoft.com/office/drawing/2014/main" val="2419383361"/>
-                      </a:ext>
-                    </a:extLst>
-                  </a:tr>
-                  <a:tr h="335280">
-                    <a:tc>
-                      <a:txBody>
-                        <a:bodyPr/>
-                        <a:lstStyle/>
-                        <a:p>
-                          <a:endParaRPr lang="en-US"/>
-                        </a:p>
-                      </a:txBody>
-                      <a:tcPr>
-                        <a:blipFill>
-                          <a:blip r:embed="rId7"/>
-                          <a:stretch>
-                            <a:fillRect t="-103704" r="-131646" b="-122222"/>
-                          </a:stretch>
-                        </a:blipFill>
-                      </a:tcPr>
-                    </a:tc>
-                    <a:tc>
-                      <a:txBody>
-                        <a:bodyPr/>
-                        <a:lstStyle/>
-                        <a:p>
-                          <a:pPr algn="r"/>
-                          <a:r>
-                            <a:rPr lang="en-US" sz="1600" dirty="0"/>
-                            <a:t>-1</a:t>
-                          </a:r>
-                        </a:p>
-                      </a:txBody>
-                      <a:tcPr/>
-                    </a:tc>
-                    <a:tc>
-                      <a:txBody>
-                        <a:bodyPr/>
-                        <a:lstStyle/>
-                        <a:p>
-                          <a:endParaRPr lang="en-US" sz="1600"/>
-                        </a:p>
-                      </a:txBody>
-                      <a:tcPr/>
-                    </a:tc>
-                    <a:tc>
-                      <a:txBody>
-                        <a:bodyPr/>
-                        <a:lstStyle/>
-                        <a:p>
-                          <a:endParaRPr lang="en-US" sz="1600"/>
-                        </a:p>
-                      </a:txBody>
-                      <a:tcPr/>
-                    </a:tc>
-                    <a:extLst>
-                      <a:ext uri="{0D108BD9-81ED-4DB2-BD59-A6C34878D82A}">
-                        <a16:rowId xmlns:a16="http://schemas.microsoft.com/office/drawing/2014/main" val="760304260"/>
-                      </a:ext>
-                    </a:extLst>
-                  </a:tr>
-                  <a:tr h="335280">
-                    <a:tc>
-                      <a:txBody>
-                        <a:bodyPr/>
-                        <a:lstStyle/>
-                        <a:p>
-                          <a:endParaRPr lang="en-US"/>
-                        </a:p>
-                      </a:txBody>
-                      <a:tcPr>
-                        <a:blipFill>
-                          <a:blip r:embed="rId7"/>
-                          <a:stretch>
-                            <a:fillRect t="-203704" r="-131646" b="-22222"/>
-                          </a:stretch>
-                        </a:blipFill>
-                      </a:tcPr>
-                    </a:tc>
-                    <a:tc>
-                      <a:txBody>
-                        <a:bodyPr/>
-                        <a:lstStyle/>
-                        <a:p>
-                          <a:pPr algn="r"/>
-                          <a:r>
-                            <a:rPr lang="en-US" sz="1600" dirty="0"/>
-                            <a:t>1</a:t>
-                          </a:r>
-                        </a:p>
-                      </a:txBody>
-                      <a:tcPr/>
-                    </a:tc>
-                    <a:tc>
-                      <a:txBody>
-                        <a:bodyPr/>
-                        <a:lstStyle/>
-                        <a:p>
-                          <a:endParaRPr lang="en-US" sz="1600"/>
-                        </a:p>
-                      </a:txBody>
-                      <a:tcPr/>
-                    </a:tc>
-                    <a:tc>
-                      <a:txBody>
-                        <a:bodyPr/>
-                        <a:lstStyle/>
-                        <a:p>
-                          <a:endParaRPr lang="en-US" sz="1600" dirty="0"/>
-                        </a:p>
-                      </a:txBody>
-                      <a:tcPr/>
-                    </a:tc>
-                    <a:extLst>
-                      <a:ext uri="{0D108BD9-81ED-4DB2-BD59-A6C34878D82A}">
-                        <a16:rowId xmlns:a16="http://schemas.microsoft.com/office/drawing/2014/main" val="2080774411"/>
-                      </a:ext>
-                    </a:extLst>
-                  </a:tr>
-                </a:tbl>
-              </a:graphicData>
-            </a:graphic>
-          </p:graphicFrame>
-        </mc:Fallback>
-      </mc:AlternateContent>
-      <mc:AlternateContent xmlns:mc="http://schemas.openxmlformats.org/markup-compatibility/2006" xmlns:a14="http://schemas.microsoft.com/office/drawing/2010/main">
-        <mc:Choice Requires="a14">
-          <p:sp>
-            <p:nvSpPr>
-              <p:cNvPr id="16" name="TextBox 15">
-                <a:extLst>
-                  <a:ext uri="{FF2B5EF4-FFF2-40B4-BE49-F238E27FC236}">
-                    <a16:creationId xmlns:a16="http://schemas.microsoft.com/office/drawing/2014/main" id="{7F224DDC-118C-5B42-ABA0-EA16D27C2A54}"/>
-                  </a:ext>
-                </a:extLst>
-              </p:cNvPr>
-              <p:cNvSpPr txBox="1"/>
-              <p:nvPr/>
-            </p:nvSpPr>
-            <p:spPr>
-              <a:xfrm>
-                <a:off x="3649484" y="2549534"/>
-                <a:ext cx="1221809" cy="369332"/>
-              </a:xfrm>
-              <a:prstGeom prst="rect">
-                <a:avLst/>
-              </a:prstGeom>
-              <a:noFill/>
-            </p:spPr>
-            <p:txBody>
-              <a:bodyPr wrap="none" rtlCol="0">
-                <a:spAutoFit/>
-              </a:bodyPr>
-              <a:lstStyle/>
-              <a:p>
-                <a:r>
-                  <a:rPr lang="en-US" b="1" dirty="0"/>
-                  <a:t>F1</a:t>
-                </a:r>
-                <a14:m>
-                  <m:oMath xmlns:m="http://schemas.openxmlformats.org/officeDocument/2006/math">
-                    <m:r>
-                      <a:rPr lang="en-US" b="1" i="1" smtClean="0">
-                        <a:latin typeface="Cambria Math" panose="02040503050406030204" pitchFamily="18" charset="0"/>
-                      </a:rPr>
-                      <m:t> (</m:t>
-                    </m:r>
-                    <m:r>
-                      <a:rPr lang="en-US" b="1" i="1" smtClean="0">
-                        <a:latin typeface="Cambria Math" panose="02040503050406030204" pitchFamily="18" charset="0"/>
-                      </a:rPr>
-                      <m:t>𝒊</m:t>
-                    </m:r>
-                    <m:r>
-                      <a:rPr lang="en-US" b="1" i="1" smtClean="0">
-                        <a:latin typeface="Cambria Math" panose="02040503050406030204" pitchFamily="18" charset="0"/>
-                      </a:rPr>
-                      <m:t>=</m:t>
-                    </m:r>
-                    <m:r>
-                      <a:rPr lang="en-US" b="1" i="1" smtClean="0">
-                        <a:latin typeface="Cambria Math" panose="02040503050406030204" pitchFamily="18" charset="0"/>
-                      </a:rPr>
-                      <m:t>𝟏</m:t>
-                    </m:r>
-                    <m:r>
-                      <a:rPr lang="en-US" b="1" i="1" smtClean="0">
-                        <a:latin typeface="Cambria Math" panose="02040503050406030204" pitchFamily="18" charset="0"/>
-                      </a:rPr>
-                      <m:t>)</m:t>
-                    </m:r>
-                  </m:oMath>
-                </a14:m>
-                <a:endParaRPr lang="en-US" b="1" dirty="0"/>
-              </a:p>
-            </p:txBody>
-          </p:sp>
-        </mc:Choice>
-        <mc:Fallback xmlns="">
-          <p:sp>
-            <p:nvSpPr>
-              <p:cNvPr id="16" name="TextBox 15">
-                <a:extLst>
-                  <a:ext uri="{FF2B5EF4-FFF2-40B4-BE49-F238E27FC236}">
-                    <a16:creationId xmlns:a16="http://schemas.microsoft.com/office/drawing/2014/main" id="{7F224DDC-118C-5B42-ABA0-EA16D27C2A54}"/>
-                  </a:ext>
-                </a:extLst>
-              </p:cNvPr>
-              <p:cNvSpPr txBox="1">
-                <a:spLocks noRot="1" noChangeAspect="1" noMove="1" noResize="1" noEditPoints="1" noAdjustHandles="1" noChangeArrowheads="1" noChangeShapeType="1" noTextEdit="1"/>
-              </p:cNvSpPr>
-              <p:nvPr/>
-            </p:nvSpPr>
-            <p:spPr>
-              <a:xfrm>
-                <a:off x="3649484" y="2549534"/>
-                <a:ext cx="1221809" cy="369332"/>
-              </a:xfrm>
-              <a:prstGeom prst="rect">
-                <a:avLst/>
-              </a:prstGeom>
-              <a:blipFill>
-                <a:blip r:embed="rId8"/>
-                <a:stretch>
-                  <a:fillRect l="-4124" t="-6667" b="-26667"/>
-                </a:stretch>
-              </a:blipFill>
-            </p:spPr>
-            <p:txBody>
-              <a:bodyPr/>
-              <a:lstStyle/>
-              <a:p>
-                <a:r>
-                  <a:rPr lang="en-US">
-                    <a:noFill/>
-                  </a:rPr>
-                  <a:t> </a:t>
-                </a:r>
-              </a:p>
-            </p:txBody>
-          </p:sp>
-        </mc:Fallback>
-      </mc:AlternateContent>
-      <mc:AlternateContent xmlns:mc="http://schemas.openxmlformats.org/markup-compatibility/2006" xmlns:a14="http://schemas.microsoft.com/office/drawing/2010/main">
-        <mc:Choice Requires="a14">
-          <p:sp>
-            <p:nvSpPr>
-              <p:cNvPr id="17" name="TextBox 16">
-                <a:extLst>
-                  <a:ext uri="{FF2B5EF4-FFF2-40B4-BE49-F238E27FC236}">
-                    <a16:creationId xmlns:a16="http://schemas.microsoft.com/office/drawing/2014/main" id="{F7DB6394-15B4-D54E-9D03-632D58450E33}"/>
-                  </a:ext>
-                </a:extLst>
-              </p:cNvPr>
-              <p:cNvSpPr txBox="1"/>
-              <p:nvPr/>
-            </p:nvSpPr>
-            <p:spPr>
-              <a:xfrm>
-                <a:off x="5690802" y="1339475"/>
-                <a:ext cx="1130438" cy="369332"/>
-              </a:xfrm>
-              <a:prstGeom prst="rect">
-                <a:avLst/>
-              </a:prstGeom>
-              <a:noFill/>
-            </p:spPr>
-            <p:txBody>
-              <a:bodyPr wrap="none" rtlCol="0">
-                <a:spAutoFit/>
-              </a:bodyPr>
-              <a:lstStyle/>
-              <a:p>
-                <a:r>
-                  <a:rPr lang="en-US" b="1" dirty="0"/>
-                  <a:t>F2 (j</a:t>
-                </a:r>
-                <a14:m>
-                  <m:oMath xmlns:m="http://schemas.openxmlformats.org/officeDocument/2006/math">
-                    <m:r>
-                      <a:rPr lang="en-US" b="1" i="1" smtClean="0">
-                        <a:latin typeface="Cambria Math" panose="02040503050406030204" pitchFamily="18" charset="0"/>
-                      </a:rPr>
-                      <m:t>=</m:t>
-                    </m:r>
-                    <m:r>
-                      <a:rPr lang="en-US" b="1" i="1" smtClean="0">
-                        <a:latin typeface="Cambria Math" panose="02040503050406030204" pitchFamily="18" charset="0"/>
-                      </a:rPr>
-                      <m:t>𝟐</m:t>
-                    </m:r>
-                    <m:r>
-                      <a:rPr lang="en-US" b="1" i="1" smtClean="0">
-                        <a:latin typeface="Cambria Math" panose="02040503050406030204" pitchFamily="18" charset="0"/>
-                      </a:rPr>
-                      <m:t>)</m:t>
-                    </m:r>
-                  </m:oMath>
-                </a14:m>
-                <a:endParaRPr lang="en-US" b="1" dirty="0"/>
-              </a:p>
-            </p:txBody>
-          </p:sp>
-        </mc:Choice>
-        <mc:Fallback xmlns="">
-          <p:sp>
-            <p:nvSpPr>
-              <p:cNvPr id="17" name="TextBox 16">
-                <a:extLst>
-                  <a:ext uri="{FF2B5EF4-FFF2-40B4-BE49-F238E27FC236}">
-                    <a16:creationId xmlns:a16="http://schemas.microsoft.com/office/drawing/2014/main" id="{F7DB6394-15B4-D54E-9D03-632D58450E33}"/>
-                  </a:ext>
-                </a:extLst>
-              </p:cNvPr>
-              <p:cNvSpPr txBox="1">
-                <a:spLocks noRot="1" noChangeAspect="1" noMove="1" noResize="1" noEditPoints="1" noAdjustHandles="1" noChangeArrowheads="1" noChangeShapeType="1" noTextEdit="1"/>
-              </p:cNvSpPr>
-              <p:nvPr/>
-            </p:nvSpPr>
-            <p:spPr>
-              <a:xfrm>
-                <a:off x="5690802" y="1339475"/>
-                <a:ext cx="1130438" cy="369332"/>
-              </a:xfrm>
-              <a:prstGeom prst="rect">
-                <a:avLst/>
-              </a:prstGeom>
-              <a:blipFill>
-                <a:blip r:embed="rId9"/>
-                <a:stretch>
-                  <a:fillRect l="-4444" t="-6667" b="-26667"/>
-                </a:stretch>
-              </a:blipFill>
-            </p:spPr>
-            <p:txBody>
-              <a:bodyPr/>
-              <a:lstStyle/>
-              <a:p>
-                <a:r>
-                  <a:rPr lang="en-US">
-                    <a:noFill/>
-                  </a:rPr>
-                  <a:t> </a:t>
-                </a:r>
-              </a:p>
-            </p:txBody>
-          </p:sp>
-        </mc:Fallback>
-      </mc:AlternateContent>
-      <mc:AlternateContent xmlns:mc="http://schemas.openxmlformats.org/markup-compatibility/2006" xmlns:a14="http://schemas.microsoft.com/office/drawing/2010/main">
-        <mc:Choice Requires="a14">
-          <p:graphicFrame>
-            <p:nvGraphicFramePr>
-              <p:cNvPr id="18" name="Table 18">
-                <a:extLst>
-                  <a:ext uri="{FF2B5EF4-FFF2-40B4-BE49-F238E27FC236}">
-                    <a16:creationId xmlns:a16="http://schemas.microsoft.com/office/drawing/2014/main" id="{BA967F99-7E0D-BE42-8CA9-4045F97E8678}"/>
-                  </a:ext>
-                </a:extLst>
-              </p:cNvPr>
-              <p:cNvGraphicFramePr>
-                <a:graphicFrameLocks noGrp="1"/>
-              </p:cNvGraphicFramePr>
-              <p:nvPr/>
-            </p:nvGraphicFramePr>
-            <p:xfrm>
-              <a:off x="679904" y="1000633"/>
-              <a:ext cx="551688" cy="741680"/>
-            </p:xfrm>
-            <a:graphic>
-              <a:graphicData uri="http://schemas.openxmlformats.org/drawingml/2006/table">
-                <a:tbl>
-                  <a:tblPr firstRow="1" bandRow="1">
-                    <a:tableStyleId>{5C22544A-7EE6-4342-B048-85BDC9FD1C3A}</a:tableStyleId>
-                  </a:tblPr>
-                  <a:tblGrid>
-                    <a:gridCol w="551688">
-                      <a:extLst>
-                        <a:ext uri="{9D8B030D-6E8A-4147-A177-3AD203B41FA5}">
-                          <a16:colId xmlns:a16="http://schemas.microsoft.com/office/drawing/2014/main" val="3740300415"/>
-                        </a:ext>
-                      </a:extLst>
-                    </a:gridCol>
-                  </a:tblGrid>
-                  <a:tr h="370840">
-                    <a:tc>
-                      <a:txBody>
-                        <a:bodyPr/>
-                        <a:lstStyle/>
-                        <a:p>
-                          <a:pPr/>
-                          <a14:m>
-                            <m:oMathPara xmlns:m="http://schemas.openxmlformats.org/officeDocument/2006/math">
-                              <m:oMathParaPr>
-                                <m:jc m:val="centerGroup"/>
-                              </m:oMathParaPr>
-                              <m:oMath xmlns:m="http://schemas.openxmlformats.org/officeDocument/2006/math">
-                                <m:r>
-                                  <a:rPr lang="en-US" b="1" i="1" smtClean="0">
-                                    <a:latin typeface="Cambria Math" panose="02040503050406030204" pitchFamily="18" charset="0"/>
-                                  </a:rPr>
-                                  <m:t>𝝁</m:t>
-                                </m:r>
-                              </m:oMath>
-                            </m:oMathPara>
-                          </a14:m>
-                          <a:endParaRPr lang="en-US" dirty="0"/>
-                        </a:p>
-                      </a:txBody>
-                      <a:tcPr/>
-                    </a:tc>
-                    <a:extLst>
-                      <a:ext uri="{0D108BD9-81ED-4DB2-BD59-A6C34878D82A}">
-                        <a16:rowId xmlns:a16="http://schemas.microsoft.com/office/drawing/2014/main" val="1577335418"/>
-                      </a:ext>
-                    </a:extLst>
-                  </a:tr>
-                  <a:tr h="370840">
-                    <a:tc>
-                      <a:txBody>
-                        <a:bodyPr/>
-                        <a:lstStyle/>
-                        <a:p>
-                          <a:endParaRPr lang="en-US" dirty="0"/>
-                        </a:p>
-                      </a:txBody>
-                      <a:tcPr/>
-                    </a:tc>
-                    <a:extLst>
-                      <a:ext uri="{0D108BD9-81ED-4DB2-BD59-A6C34878D82A}">
-                        <a16:rowId xmlns:a16="http://schemas.microsoft.com/office/drawing/2014/main" val="4079325114"/>
-                      </a:ext>
-                    </a:extLst>
-                  </a:tr>
-                </a:tbl>
-              </a:graphicData>
-            </a:graphic>
-          </p:graphicFrame>
-        </mc:Choice>
-        <mc:Fallback xmlns="">
-          <p:graphicFrame>
-            <p:nvGraphicFramePr>
-              <p:cNvPr id="18" name="Table 18">
-                <a:extLst>
-                  <a:ext uri="{FF2B5EF4-FFF2-40B4-BE49-F238E27FC236}">
-                    <a16:creationId xmlns:a16="http://schemas.microsoft.com/office/drawing/2014/main" id="{BA967F99-7E0D-BE42-8CA9-4045F97E8678}"/>
-                  </a:ext>
-                </a:extLst>
-              </p:cNvPr>
-              <p:cNvGraphicFramePr>
-                <a:graphicFrameLocks noGrp="1"/>
-              </p:cNvGraphicFramePr>
-              <p:nvPr>
-                <p:extLst>
-                  <p:ext uri="{D42A27DB-BD31-4B8C-83A1-F6EECF244321}">
-                    <p14:modId xmlns:p14="http://schemas.microsoft.com/office/powerpoint/2010/main" val="4215800590"/>
-                  </p:ext>
-                </p:extLst>
-              </p:nvPr>
-            </p:nvGraphicFramePr>
-            <p:xfrm>
-              <a:off x="679904" y="1000633"/>
-              <a:ext cx="551688" cy="741680"/>
-            </p:xfrm>
-            <a:graphic>
-              <a:graphicData uri="http://schemas.openxmlformats.org/drawingml/2006/table">
-                <a:tbl>
-                  <a:tblPr firstRow="1" bandRow="1">
-                    <a:tableStyleId>{5C22544A-7EE6-4342-B048-85BDC9FD1C3A}</a:tableStyleId>
-                  </a:tblPr>
-                  <a:tblGrid>
-                    <a:gridCol w="551688">
-                      <a:extLst>
-                        <a:ext uri="{9D8B030D-6E8A-4147-A177-3AD203B41FA5}">
-                          <a16:colId xmlns:a16="http://schemas.microsoft.com/office/drawing/2014/main" val="3740300415"/>
-                        </a:ext>
-                      </a:extLst>
-                    </a:gridCol>
-                  </a:tblGrid>
-                  <a:tr h="370840">
-                    <a:tc>
-                      <a:txBody>
-                        <a:bodyPr/>
-                        <a:lstStyle/>
-                        <a:p>
-                          <a:endParaRPr lang="en-US"/>
-                        </a:p>
-                      </a:txBody>
-                      <a:tcPr>
-                        <a:blipFill>
-                          <a:blip r:embed="rId10"/>
-                          <a:stretch>
-                            <a:fillRect l="-2273" r="-6818" b="-103333"/>
-                          </a:stretch>
-                        </a:blipFill>
-                      </a:tcPr>
-                    </a:tc>
-                    <a:extLst>
-                      <a:ext uri="{0D108BD9-81ED-4DB2-BD59-A6C34878D82A}">
-                        <a16:rowId xmlns:a16="http://schemas.microsoft.com/office/drawing/2014/main" val="1577335418"/>
-                      </a:ext>
-                    </a:extLst>
-                  </a:tr>
-                  <a:tr h="370840">
-                    <a:tc>
-                      <a:txBody>
-                        <a:bodyPr/>
-                        <a:lstStyle/>
-                        <a:p>
-                          <a:endParaRPr lang="en-US" dirty="0"/>
-                        </a:p>
-                      </a:txBody>
-                      <a:tcPr/>
-                    </a:tc>
-                    <a:extLst>
-                      <a:ext uri="{0D108BD9-81ED-4DB2-BD59-A6C34878D82A}">
-                        <a16:rowId xmlns:a16="http://schemas.microsoft.com/office/drawing/2014/main" val="4079325114"/>
-                      </a:ext>
-                    </a:extLst>
-                  </a:tr>
-                </a:tbl>
-              </a:graphicData>
-            </a:graphic>
-          </p:graphicFrame>
-        </mc:Fallback>
-      </mc:AlternateContent>
-      <mc:AlternateContent xmlns:mc="http://schemas.openxmlformats.org/markup-compatibility/2006" xmlns:a14="http://schemas.microsoft.com/office/drawing/2010/main">
-        <mc:Choice Requires="a14">
-          <p:graphicFrame>
-            <p:nvGraphicFramePr>
-              <p:cNvPr id="20" name="Table 20">
-                <a:extLst>
-                  <a:ext uri="{FF2B5EF4-FFF2-40B4-BE49-F238E27FC236}">
-                    <a16:creationId xmlns:a16="http://schemas.microsoft.com/office/drawing/2014/main" id="{F57A992B-2E50-A444-9A78-86DDD297587C}"/>
-                  </a:ext>
-                </a:extLst>
-              </p:cNvPr>
-              <p:cNvGraphicFramePr>
-                <a:graphicFrameLocks noGrp="1"/>
-              </p:cNvGraphicFramePr>
-              <p:nvPr/>
-            </p:nvGraphicFramePr>
-            <p:xfrm>
-              <a:off x="6045708" y="1716371"/>
-              <a:ext cx="1443228" cy="370840"/>
-            </p:xfrm>
-            <a:graphic>
-              <a:graphicData uri="http://schemas.openxmlformats.org/drawingml/2006/table">
-                <a:tbl>
-                  <a:tblPr firstRow="1" bandRow="1">
-                    <a:tableStyleId>{5C22544A-7EE6-4342-B048-85BDC9FD1C3A}</a:tableStyleId>
-                  </a:tblPr>
-                  <a:tblGrid>
-                    <a:gridCol w="721614">
-                      <a:extLst>
-                        <a:ext uri="{9D8B030D-6E8A-4147-A177-3AD203B41FA5}">
-                          <a16:colId xmlns:a16="http://schemas.microsoft.com/office/drawing/2014/main" val="531846836"/>
-                        </a:ext>
-                      </a:extLst>
-                    </a:gridCol>
-                    <a:gridCol w="721614">
-                      <a:extLst>
-                        <a:ext uri="{9D8B030D-6E8A-4147-A177-3AD203B41FA5}">
-                          <a16:colId xmlns:a16="http://schemas.microsoft.com/office/drawing/2014/main" val="2257241409"/>
-                        </a:ext>
-                      </a:extLst>
-                    </a:gridCol>
-                  </a:tblGrid>
-                  <a:tr h="370840">
-                    <a:tc>
-                      <a:txBody>
-                        <a:bodyPr/>
-                        <a:lstStyle/>
-                        <a:p>
-                          <a:pPr/>
-                          <a14:m>
-                            <m:oMathPara xmlns:m="http://schemas.openxmlformats.org/officeDocument/2006/math">
-                              <m:oMathParaPr>
-                                <m:jc m:val="centerGroup"/>
-                              </m:oMathParaPr>
-                              <m:oMath xmlns:m="http://schemas.openxmlformats.org/officeDocument/2006/math">
-                                <m:sSub>
-                                  <m:sSubPr>
-                                    <m:ctrlPr>
-                                      <a:rPr lang="en-US" sz="1400" b="1" i="1" smtClean="0">
-                                        <a:latin typeface="Cambria Math" panose="02040503050406030204" pitchFamily="18" charset="0"/>
-                                      </a:rPr>
-                                    </m:ctrlPr>
-                                  </m:sSubPr>
-                                  <m:e>
-                                    <m:r>
-                                      <a:rPr lang="en-US" sz="1400" b="1" i="1" smtClean="0">
-                                        <a:latin typeface="Cambria Math" panose="02040503050406030204" pitchFamily="18" charset="0"/>
-                                      </a:rPr>
-                                      <m:t>𝒌</m:t>
-                                    </m:r>
-                                  </m:e>
-                                  <m:sub>
-                                    <m:r>
-                                      <a:rPr lang="en-US" sz="1400" b="1" i="1" smtClean="0">
-                                        <a:latin typeface="Cambria Math" panose="02040503050406030204" pitchFamily="18" charset="0"/>
-                                      </a:rPr>
-                                      <m:t>𝒋</m:t>
-                                    </m:r>
-                                  </m:sub>
-                                </m:sSub>
-                                <m:r>
-                                  <a:rPr lang="en-US" sz="1400" b="1" i="1" smtClean="0">
-                                    <a:latin typeface="Cambria Math" panose="02040503050406030204" pitchFamily="18" charset="0"/>
-                                  </a:rPr>
-                                  <m:t>=</m:t>
-                                </m:r>
-                                <m:r>
-                                  <a:rPr lang="en-US" sz="1400" b="1" i="1" smtClean="0">
-                                    <a:latin typeface="Cambria Math" panose="02040503050406030204" pitchFamily="18" charset="0"/>
-                                  </a:rPr>
-                                  <m:t>𝟏</m:t>
-                                </m:r>
-                              </m:oMath>
-                            </m:oMathPara>
-                          </a14:m>
-                          <a:endParaRPr lang="en-US" sz="1400" dirty="0"/>
-                        </a:p>
-                      </a:txBody>
-                      <a:tcPr/>
-                    </a:tc>
-                    <a:tc>
-                      <a:txBody>
-                        <a:bodyPr/>
-                        <a:lstStyle/>
-                        <a:p>
-                          <a:pPr/>
-                          <a14:m>
-                            <m:oMathPara xmlns:m="http://schemas.openxmlformats.org/officeDocument/2006/math">
-                              <m:oMathParaPr>
-                                <m:jc m:val="centerGroup"/>
-                              </m:oMathParaPr>
-                              <m:oMath xmlns:m="http://schemas.openxmlformats.org/officeDocument/2006/math">
-                                <m:sSub>
-                                  <m:sSubPr>
-                                    <m:ctrlPr>
-                                      <a:rPr lang="en-US" sz="1400" b="1" i="1" smtClean="0">
-                                        <a:latin typeface="Cambria Math" panose="02040503050406030204" pitchFamily="18" charset="0"/>
-                                      </a:rPr>
-                                    </m:ctrlPr>
-                                  </m:sSubPr>
-                                  <m:e>
-                                    <m:r>
-                                      <a:rPr lang="en-US" sz="1400" b="1" i="1" smtClean="0">
-                                        <a:latin typeface="Cambria Math" panose="02040503050406030204" pitchFamily="18" charset="0"/>
-                                      </a:rPr>
-                                      <m:t>𝒌</m:t>
-                                    </m:r>
-                                  </m:e>
-                                  <m:sub>
-                                    <m:r>
-                                      <a:rPr lang="en-US" sz="1400" b="1" i="1" smtClean="0">
-                                        <a:latin typeface="Cambria Math" panose="02040503050406030204" pitchFamily="18" charset="0"/>
-                                      </a:rPr>
-                                      <m:t>𝒋</m:t>
-                                    </m:r>
-                                  </m:sub>
-                                </m:sSub>
-                                <m:r>
-                                  <a:rPr lang="en-US" sz="1400" b="1" i="1" smtClean="0">
-                                    <a:latin typeface="Cambria Math" panose="02040503050406030204" pitchFamily="18" charset="0"/>
-                                  </a:rPr>
-                                  <m:t>=</m:t>
-                                </m:r>
-                                <m:r>
-                                  <a:rPr lang="en-US" sz="1400" b="1" i="1" smtClean="0">
-                                    <a:latin typeface="Cambria Math" panose="02040503050406030204" pitchFamily="18" charset="0"/>
-                                  </a:rPr>
-                                  <m:t>𝟑</m:t>
-                                </m:r>
-                              </m:oMath>
-                            </m:oMathPara>
-                          </a14:m>
-                          <a:endParaRPr lang="en-US" sz="1400" dirty="0"/>
-                        </a:p>
-                      </a:txBody>
-                      <a:tcPr/>
-                    </a:tc>
-                    <a:extLst>
-                      <a:ext uri="{0D108BD9-81ED-4DB2-BD59-A6C34878D82A}">
-                        <a16:rowId xmlns:a16="http://schemas.microsoft.com/office/drawing/2014/main" val="779197361"/>
-                      </a:ext>
-                    </a:extLst>
-                  </a:tr>
-                </a:tbl>
-              </a:graphicData>
-            </a:graphic>
-          </p:graphicFrame>
-        </mc:Choice>
-        <mc:Fallback xmlns="">
-          <p:graphicFrame>
-            <p:nvGraphicFramePr>
-              <p:cNvPr id="20" name="Table 20">
-                <a:extLst>
-                  <a:ext uri="{FF2B5EF4-FFF2-40B4-BE49-F238E27FC236}">
-                    <a16:creationId xmlns:a16="http://schemas.microsoft.com/office/drawing/2014/main" id="{F57A992B-2E50-A444-9A78-86DDD297587C}"/>
-                  </a:ext>
-                </a:extLst>
-              </p:cNvPr>
-              <p:cNvGraphicFramePr>
-                <a:graphicFrameLocks noGrp="1"/>
-              </p:cNvGraphicFramePr>
-              <p:nvPr>
-                <p:extLst>
-                  <p:ext uri="{D42A27DB-BD31-4B8C-83A1-F6EECF244321}">
-                    <p14:modId xmlns:p14="http://schemas.microsoft.com/office/powerpoint/2010/main" val="1795514641"/>
-                  </p:ext>
-                </p:extLst>
-              </p:nvPr>
-            </p:nvGraphicFramePr>
-            <p:xfrm>
-              <a:off x="6045708" y="1716371"/>
-              <a:ext cx="1443228" cy="370840"/>
-            </p:xfrm>
-            <a:graphic>
-              <a:graphicData uri="http://schemas.openxmlformats.org/drawingml/2006/table">
-                <a:tbl>
-                  <a:tblPr firstRow="1" bandRow="1">
-                    <a:tableStyleId>{5C22544A-7EE6-4342-B048-85BDC9FD1C3A}</a:tableStyleId>
-                  </a:tblPr>
-                  <a:tblGrid>
-                    <a:gridCol w="721614">
-                      <a:extLst>
-                        <a:ext uri="{9D8B030D-6E8A-4147-A177-3AD203B41FA5}">
-                          <a16:colId xmlns:a16="http://schemas.microsoft.com/office/drawing/2014/main" val="531846836"/>
-                        </a:ext>
-                      </a:extLst>
-                    </a:gridCol>
-                    <a:gridCol w="721614">
-                      <a:extLst>
-                        <a:ext uri="{9D8B030D-6E8A-4147-A177-3AD203B41FA5}">
-                          <a16:colId xmlns:a16="http://schemas.microsoft.com/office/drawing/2014/main" val="2257241409"/>
-                        </a:ext>
-                      </a:extLst>
-                    </a:gridCol>
-                  </a:tblGrid>
-                  <a:tr h="370840">
-                    <a:tc>
-                      <a:txBody>
-                        <a:bodyPr/>
-                        <a:lstStyle/>
-                        <a:p>
-                          <a:endParaRPr lang="en-US"/>
-                        </a:p>
-                      </a:txBody>
-                      <a:tcPr>
-                        <a:blipFill>
-                          <a:blip r:embed="rId11"/>
-                          <a:stretch>
-                            <a:fillRect l="-1754" t="-3333" r="-103509" b="-6667"/>
-                          </a:stretch>
-                        </a:blipFill>
-                      </a:tcPr>
-                    </a:tc>
-                    <a:tc>
-                      <a:txBody>
-                        <a:bodyPr/>
-                        <a:lstStyle/>
-                        <a:p>
-                          <a:endParaRPr lang="en-US"/>
-                        </a:p>
-                      </a:txBody>
-                      <a:tcPr>
-                        <a:blipFill>
-                          <a:blip r:embed="rId11"/>
-                          <a:stretch>
-                            <a:fillRect l="-101754" t="-3333" r="-3509" b="-6667"/>
-                          </a:stretch>
-                        </a:blipFill>
-                      </a:tcPr>
-                    </a:tc>
-                    <a:extLst>
-                      <a:ext uri="{0D108BD9-81ED-4DB2-BD59-A6C34878D82A}">
-                        <a16:rowId xmlns:a16="http://schemas.microsoft.com/office/drawing/2014/main" val="779197361"/>
-                      </a:ext>
-                    </a:extLst>
-                  </a:tr>
-                </a:tbl>
-              </a:graphicData>
-            </a:graphic>
-          </p:graphicFrame>
-        </mc:Fallback>
-      </mc:AlternateContent>
-      <p:graphicFrame>
-        <p:nvGraphicFramePr>
-          <p:cNvPr id="21" name="Table 15">
-            <a:extLst>
-              <a:ext uri="{FF2B5EF4-FFF2-40B4-BE49-F238E27FC236}">
-                <a16:creationId xmlns:a16="http://schemas.microsoft.com/office/drawing/2014/main" id="{0654D1DA-352D-5E4E-82E0-79B92BE8016E}"/>
-              </a:ext>
-            </a:extLst>
-          </p:cNvPr>
-          <p:cNvGraphicFramePr>
-            <a:graphicFrameLocks noGrp="1"/>
-          </p:cNvGraphicFramePr>
-          <p:nvPr/>
-        </p:nvGraphicFramePr>
-        <p:xfrm>
-          <a:off x="5023693" y="3838278"/>
-          <a:ext cx="1280161" cy="1005840"/>
-        </p:xfrm>
-        <a:graphic>
-          <a:graphicData uri="http://schemas.openxmlformats.org/drawingml/2006/table">
-            <a:tbl>
-              <a:tblPr firstRow="1" bandRow="1">
-                <a:tableStyleId>{5C22544A-7EE6-4342-B048-85BDC9FD1C3A}</a:tableStyleId>
-              </a:tblPr>
-              <a:tblGrid>
-                <a:gridCol w="475488">
-                  <a:extLst>
-                    <a:ext uri="{9D8B030D-6E8A-4147-A177-3AD203B41FA5}">
-                      <a16:colId xmlns:a16="http://schemas.microsoft.com/office/drawing/2014/main" val="1268010344"/>
-                    </a:ext>
-                  </a:extLst>
-                </a:gridCol>
-                <a:gridCol w="438912">
-                  <a:extLst>
-                    <a:ext uri="{9D8B030D-6E8A-4147-A177-3AD203B41FA5}">
-                      <a16:colId xmlns:a16="http://schemas.microsoft.com/office/drawing/2014/main" val="2844031224"/>
-                    </a:ext>
-                  </a:extLst>
-                </a:gridCol>
-                <a:gridCol w="365761">
-                  <a:extLst>
-                    <a:ext uri="{9D8B030D-6E8A-4147-A177-3AD203B41FA5}">
-                      <a16:colId xmlns:a16="http://schemas.microsoft.com/office/drawing/2014/main" val="3749673277"/>
-                    </a:ext>
-                  </a:extLst>
-                </a:gridCol>
-              </a:tblGrid>
-              <a:tr h="279400">
-                <a:tc>
-                  <a:txBody>
-                    <a:bodyPr/>
-                    <a:lstStyle/>
-                    <a:p>
-                      <a:pPr algn="r"/>
-                      <a:endParaRPr lang="en-US" sz="1600" dirty="0"/>
-                    </a:p>
-                  </a:txBody>
-                  <a:tcPr/>
-                </a:tc>
-                <a:tc>
-                  <a:txBody>
-                    <a:bodyPr/>
-                    <a:lstStyle/>
-                    <a:p>
-                      <a:pPr algn="r"/>
-                      <a:r>
-                        <a:rPr lang="en-US" sz="1600" dirty="0"/>
-                        <a:t>-1</a:t>
-                      </a:r>
-                    </a:p>
-                  </a:txBody>
-                  <a:tcPr/>
-                </a:tc>
-                <a:tc>
-                  <a:txBody>
-                    <a:bodyPr/>
-                    <a:lstStyle/>
-                    <a:p>
-                      <a:pPr algn="r"/>
-                      <a:r>
-                        <a:rPr lang="en-US" sz="1600" dirty="0"/>
-                        <a:t>1</a:t>
-                      </a:r>
-                    </a:p>
-                  </a:txBody>
-                  <a:tcPr/>
-                </a:tc>
-                <a:extLst>
-                  <a:ext uri="{0D108BD9-81ED-4DB2-BD59-A6C34878D82A}">
-                    <a16:rowId xmlns:a16="http://schemas.microsoft.com/office/drawing/2014/main" val="2419383361"/>
-                  </a:ext>
-                </a:extLst>
-              </a:tr>
-              <a:tr h="279400">
-                <a:tc>
-                  <a:txBody>
-                    <a:bodyPr/>
-                    <a:lstStyle/>
-                    <a:p>
-                      <a:pPr algn="r"/>
-                      <a:r>
-                        <a:rPr lang="en-US" sz="1600" dirty="0"/>
-                        <a:t>-1</a:t>
-                      </a:r>
-                    </a:p>
-                  </a:txBody>
-                  <a:tcPr/>
-                </a:tc>
-                <a:tc>
-                  <a:txBody>
-                    <a:bodyPr/>
-                    <a:lstStyle/>
-                    <a:p>
-                      <a:endParaRPr lang="en-US" sz="1600"/>
-                    </a:p>
-                  </a:txBody>
-                  <a:tcPr/>
-                </a:tc>
-                <a:tc>
-                  <a:txBody>
-                    <a:bodyPr/>
-                    <a:lstStyle/>
-                    <a:p>
-                      <a:endParaRPr lang="en-US" sz="1600" dirty="0"/>
-                    </a:p>
-                  </a:txBody>
-                  <a:tcPr/>
-                </a:tc>
-                <a:extLst>
-                  <a:ext uri="{0D108BD9-81ED-4DB2-BD59-A6C34878D82A}">
-                    <a16:rowId xmlns:a16="http://schemas.microsoft.com/office/drawing/2014/main" val="760304260"/>
-                  </a:ext>
-                </a:extLst>
-              </a:tr>
-              <a:tr h="279400">
-                <a:tc>
-                  <a:txBody>
-                    <a:bodyPr/>
-                    <a:lstStyle/>
-                    <a:p>
-                      <a:pPr algn="r"/>
-                      <a:r>
-                        <a:rPr lang="en-US" sz="1600" dirty="0"/>
-                        <a:t>1</a:t>
-                      </a:r>
-                    </a:p>
-                  </a:txBody>
-                  <a:tcPr/>
-                </a:tc>
-                <a:tc>
-                  <a:txBody>
-                    <a:bodyPr/>
-                    <a:lstStyle/>
-                    <a:p>
-                      <a:endParaRPr lang="en-US" sz="1600"/>
-                    </a:p>
-                  </a:txBody>
-                  <a:tcPr/>
-                </a:tc>
-                <a:tc>
-                  <a:txBody>
-                    <a:bodyPr/>
-                    <a:lstStyle/>
-                    <a:p>
-                      <a:endParaRPr lang="en-US" sz="1600" dirty="0"/>
-                    </a:p>
-                  </a:txBody>
-                  <a:tcPr/>
-                </a:tc>
-                <a:extLst>
-                  <a:ext uri="{0D108BD9-81ED-4DB2-BD59-A6C34878D82A}">
-                    <a16:rowId xmlns:a16="http://schemas.microsoft.com/office/drawing/2014/main" val="2080774411"/>
-                  </a:ext>
-                </a:extLst>
-              </a:tr>
-            </a:tbl>
-          </a:graphicData>
-        </a:graphic>
-      </p:graphicFrame>
-      <mc:AlternateContent xmlns:mc="http://schemas.openxmlformats.org/markup-compatibility/2006" xmlns:a14="http://schemas.microsoft.com/office/drawing/2010/main">
-        <mc:Choice Requires="a14">
-          <p:sp>
-            <p:nvSpPr>
-              <p:cNvPr id="22" name="TextBox 21">
-                <a:extLst>
-                  <a:ext uri="{FF2B5EF4-FFF2-40B4-BE49-F238E27FC236}">
-                    <a16:creationId xmlns:a16="http://schemas.microsoft.com/office/drawing/2014/main" id="{F7ACF703-EA02-0C49-A7D0-562EBE3E6883}"/>
-                  </a:ext>
-                </a:extLst>
-              </p:cNvPr>
-              <p:cNvSpPr txBox="1"/>
-              <p:nvPr/>
-            </p:nvSpPr>
-            <p:spPr>
-              <a:xfrm>
-                <a:off x="3801884" y="4228982"/>
-                <a:ext cx="1221809" cy="369332"/>
-              </a:xfrm>
-              <a:prstGeom prst="rect">
-                <a:avLst/>
-              </a:prstGeom>
-              <a:noFill/>
-            </p:spPr>
-            <p:txBody>
-              <a:bodyPr wrap="none" rtlCol="0">
-                <a:spAutoFit/>
-              </a:bodyPr>
-              <a:lstStyle/>
-              <a:p>
-                <a:r>
-                  <a:rPr lang="en-US" b="1" dirty="0"/>
-                  <a:t>F1</a:t>
-                </a:r>
-                <a14:m>
-                  <m:oMath xmlns:m="http://schemas.openxmlformats.org/officeDocument/2006/math">
-                    <m:r>
-                      <a:rPr lang="en-US" b="1" i="1" smtClean="0">
-                        <a:latin typeface="Cambria Math" panose="02040503050406030204" pitchFamily="18" charset="0"/>
-                      </a:rPr>
-                      <m:t> (</m:t>
-                    </m:r>
-                    <m:r>
-                      <a:rPr lang="en-US" b="1" i="1" smtClean="0">
-                        <a:latin typeface="Cambria Math" panose="02040503050406030204" pitchFamily="18" charset="0"/>
-                      </a:rPr>
-                      <m:t>𝒊</m:t>
-                    </m:r>
-                    <m:r>
-                      <a:rPr lang="en-US" b="1" i="1" smtClean="0">
-                        <a:latin typeface="Cambria Math" panose="02040503050406030204" pitchFamily="18" charset="0"/>
-                      </a:rPr>
-                      <m:t>=</m:t>
-                    </m:r>
-                    <m:r>
-                      <a:rPr lang="en-US" b="1" i="1" smtClean="0">
-                        <a:latin typeface="Cambria Math" panose="02040503050406030204" pitchFamily="18" charset="0"/>
-                      </a:rPr>
-                      <m:t>𝟏</m:t>
-                    </m:r>
-                    <m:r>
-                      <a:rPr lang="en-US" b="1" i="1" smtClean="0">
-                        <a:latin typeface="Cambria Math" panose="02040503050406030204" pitchFamily="18" charset="0"/>
-                      </a:rPr>
-                      <m:t>)</m:t>
-                    </m:r>
-                  </m:oMath>
-                </a14:m>
-                <a:endParaRPr lang="en-US" b="1" dirty="0"/>
-              </a:p>
-            </p:txBody>
-          </p:sp>
-        </mc:Choice>
-        <mc:Fallback xmlns="">
-          <p:sp>
-            <p:nvSpPr>
-              <p:cNvPr id="22" name="TextBox 21">
-                <a:extLst>
-                  <a:ext uri="{FF2B5EF4-FFF2-40B4-BE49-F238E27FC236}">
-                    <a16:creationId xmlns:a16="http://schemas.microsoft.com/office/drawing/2014/main" id="{F7ACF703-EA02-0C49-A7D0-562EBE3E6883}"/>
-                  </a:ext>
-                </a:extLst>
-              </p:cNvPr>
-              <p:cNvSpPr txBox="1">
-                <a:spLocks noRot="1" noChangeAspect="1" noMove="1" noResize="1" noEditPoints="1" noAdjustHandles="1" noChangeArrowheads="1" noChangeShapeType="1" noTextEdit="1"/>
-              </p:cNvSpPr>
-              <p:nvPr/>
-            </p:nvSpPr>
-            <p:spPr>
-              <a:xfrm>
-                <a:off x="3801884" y="4228982"/>
-                <a:ext cx="1221809" cy="369332"/>
-              </a:xfrm>
-              <a:prstGeom prst="rect">
-                <a:avLst/>
-              </a:prstGeom>
-              <a:blipFill>
-                <a:blip r:embed="rId8"/>
-                <a:stretch>
-                  <a:fillRect l="-4124" t="-10345" b="-27586"/>
-                </a:stretch>
-              </a:blipFill>
-            </p:spPr>
-            <p:txBody>
-              <a:bodyPr/>
-              <a:lstStyle/>
-              <a:p>
-                <a:r>
-                  <a:rPr lang="en-US">
-                    <a:noFill/>
-                  </a:rPr>
-                  <a:t> </a:t>
-                </a:r>
-              </a:p>
-            </p:txBody>
-          </p:sp>
-        </mc:Fallback>
-      </mc:AlternateContent>
-      <mc:AlternateContent xmlns:mc="http://schemas.openxmlformats.org/markup-compatibility/2006" xmlns:a14="http://schemas.microsoft.com/office/drawing/2010/main">
-        <mc:Choice Requires="a14">
-          <p:sp>
-            <p:nvSpPr>
-              <p:cNvPr id="23" name="TextBox 22">
-                <a:extLst>
-                  <a:ext uri="{FF2B5EF4-FFF2-40B4-BE49-F238E27FC236}">
-                    <a16:creationId xmlns:a16="http://schemas.microsoft.com/office/drawing/2014/main" id="{762B7CA6-5282-AB4B-97E1-BC6E9E9D66FC}"/>
-                  </a:ext>
-                </a:extLst>
-              </p:cNvPr>
-              <p:cNvSpPr txBox="1"/>
-              <p:nvPr/>
-            </p:nvSpPr>
-            <p:spPr>
-              <a:xfrm>
-                <a:off x="5257986" y="3402971"/>
-                <a:ext cx="1130438" cy="369332"/>
-              </a:xfrm>
-              <a:prstGeom prst="rect">
-                <a:avLst/>
-              </a:prstGeom>
-              <a:noFill/>
-            </p:spPr>
-            <p:txBody>
-              <a:bodyPr wrap="none" rtlCol="0">
-                <a:spAutoFit/>
-              </a:bodyPr>
-              <a:lstStyle/>
-              <a:p>
-                <a:r>
-                  <a:rPr lang="en-US" b="1" dirty="0"/>
-                  <a:t>F3 (j</a:t>
-                </a:r>
-                <a14:m>
-                  <m:oMath xmlns:m="http://schemas.openxmlformats.org/officeDocument/2006/math">
-                    <m:r>
-                      <a:rPr lang="en-US" b="1" i="1" smtClean="0">
-                        <a:latin typeface="Cambria Math" panose="02040503050406030204" pitchFamily="18" charset="0"/>
-                      </a:rPr>
-                      <m:t>=</m:t>
-                    </m:r>
-                    <m:r>
-                      <a:rPr lang="en-US" b="1" i="1" smtClean="0">
-                        <a:latin typeface="Cambria Math" panose="02040503050406030204" pitchFamily="18" charset="0"/>
-                      </a:rPr>
-                      <m:t>𝟑</m:t>
-                    </m:r>
-                    <m:r>
-                      <a:rPr lang="en-US" b="1" i="1" smtClean="0">
-                        <a:latin typeface="Cambria Math" panose="02040503050406030204" pitchFamily="18" charset="0"/>
-                      </a:rPr>
-                      <m:t>)</m:t>
-                    </m:r>
-                  </m:oMath>
-                </a14:m>
-                <a:endParaRPr lang="en-US" b="1" dirty="0"/>
-              </a:p>
-            </p:txBody>
-          </p:sp>
-        </mc:Choice>
-        <mc:Fallback xmlns="">
-          <p:sp>
-            <p:nvSpPr>
-              <p:cNvPr id="23" name="TextBox 22">
-                <a:extLst>
-                  <a:ext uri="{FF2B5EF4-FFF2-40B4-BE49-F238E27FC236}">
-                    <a16:creationId xmlns:a16="http://schemas.microsoft.com/office/drawing/2014/main" id="{762B7CA6-5282-AB4B-97E1-BC6E9E9D66FC}"/>
-                  </a:ext>
-                </a:extLst>
-              </p:cNvPr>
-              <p:cNvSpPr txBox="1">
-                <a:spLocks noRot="1" noChangeAspect="1" noMove="1" noResize="1" noEditPoints="1" noAdjustHandles="1" noChangeArrowheads="1" noChangeShapeType="1" noTextEdit="1"/>
-              </p:cNvSpPr>
-              <p:nvPr/>
-            </p:nvSpPr>
-            <p:spPr>
-              <a:xfrm>
-                <a:off x="5257986" y="3402971"/>
-                <a:ext cx="1130438" cy="369332"/>
-              </a:xfrm>
-              <a:prstGeom prst="rect">
-                <a:avLst/>
-              </a:prstGeom>
-              <a:blipFill>
-                <a:blip r:embed="rId12"/>
-                <a:stretch>
-                  <a:fillRect l="-5556" t="-6452" b="-22581"/>
-                </a:stretch>
-              </a:blipFill>
-            </p:spPr>
-            <p:txBody>
-              <a:bodyPr/>
-              <a:lstStyle/>
-              <a:p>
-                <a:r>
-                  <a:rPr lang="en-US">
-                    <a:noFill/>
-                  </a:rPr>
-                  <a:t> </a:t>
-                </a:r>
-              </a:p>
-            </p:txBody>
-          </p:sp>
-        </mc:Fallback>
-      </mc:AlternateContent>
-      <p:graphicFrame>
-        <p:nvGraphicFramePr>
-          <p:cNvPr id="25" name="Table 15">
-            <a:extLst>
-              <a:ext uri="{FF2B5EF4-FFF2-40B4-BE49-F238E27FC236}">
-                <a16:creationId xmlns:a16="http://schemas.microsoft.com/office/drawing/2014/main" id="{6E32713E-A346-FF40-A062-4227B2CFD1C9}"/>
-              </a:ext>
-            </a:extLst>
-          </p:cNvPr>
-          <p:cNvGraphicFramePr>
-            <a:graphicFrameLocks noGrp="1"/>
-          </p:cNvGraphicFramePr>
-          <p:nvPr/>
-        </p:nvGraphicFramePr>
-        <p:xfrm>
-          <a:off x="5029789" y="5536014"/>
-          <a:ext cx="1280161" cy="1005840"/>
-        </p:xfrm>
-        <a:graphic>
-          <a:graphicData uri="http://schemas.openxmlformats.org/drawingml/2006/table">
-            <a:tbl>
-              <a:tblPr firstRow="1" bandRow="1">
-                <a:tableStyleId>{5C22544A-7EE6-4342-B048-85BDC9FD1C3A}</a:tableStyleId>
-              </a:tblPr>
-              <a:tblGrid>
-                <a:gridCol w="475488">
-                  <a:extLst>
-                    <a:ext uri="{9D8B030D-6E8A-4147-A177-3AD203B41FA5}">
-                      <a16:colId xmlns:a16="http://schemas.microsoft.com/office/drawing/2014/main" val="1268010344"/>
-                    </a:ext>
-                  </a:extLst>
-                </a:gridCol>
-                <a:gridCol w="438912">
-                  <a:extLst>
-                    <a:ext uri="{9D8B030D-6E8A-4147-A177-3AD203B41FA5}">
-                      <a16:colId xmlns:a16="http://schemas.microsoft.com/office/drawing/2014/main" val="2844031224"/>
-                    </a:ext>
-                  </a:extLst>
-                </a:gridCol>
-                <a:gridCol w="365761">
-                  <a:extLst>
-                    <a:ext uri="{9D8B030D-6E8A-4147-A177-3AD203B41FA5}">
-                      <a16:colId xmlns:a16="http://schemas.microsoft.com/office/drawing/2014/main" val="3749673277"/>
-                    </a:ext>
-                  </a:extLst>
-                </a:gridCol>
-              </a:tblGrid>
-              <a:tr h="279400">
-                <a:tc>
-                  <a:txBody>
-                    <a:bodyPr/>
-                    <a:lstStyle/>
-                    <a:p>
-                      <a:pPr algn="r"/>
-                      <a:endParaRPr lang="en-US" sz="1600" dirty="0"/>
-                    </a:p>
-                  </a:txBody>
-                  <a:tcPr/>
-                </a:tc>
-                <a:tc>
-                  <a:txBody>
-                    <a:bodyPr/>
-                    <a:lstStyle/>
-                    <a:p>
-                      <a:pPr algn="r"/>
-                      <a:r>
-                        <a:rPr lang="en-US" sz="1600" dirty="0"/>
-                        <a:t>-1</a:t>
-                      </a:r>
-                    </a:p>
-                  </a:txBody>
-                  <a:tcPr/>
-                </a:tc>
-                <a:tc>
-                  <a:txBody>
-                    <a:bodyPr/>
-                    <a:lstStyle/>
-                    <a:p>
-                      <a:pPr algn="r"/>
-                      <a:r>
-                        <a:rPr lang="en-US" sz="1600" dirty="0"/>
-                        <a:t>1</a:t>
-                      </a:r>
-                    </a:p>
-                  </a:txBody>
-                  <a:tcPr/>
-                </a:tc>
-                <a:extLst>
-                  <a:ext uri="{0D108BD9-81ED-4DB2-BD59-A6C34878D82A}">
-                    <a16:rowId xmlns:a16="http://schemas.microsoft.com/office/drawing/2014/main" val="2419383361"/>
-                  </a:ext>
-                </a:extLst>
-              </a:tr>
-              <a:tr h="279400">
-                <a:tc>
-                  <a:txBody>
-                    <a:bodyPr/>
-                    <a:lstStyle/>
-                    <a:p>
-                      <a:pPr algn="r"/>
-                      <a:r>
-                        <a:rPr lang="en-US" sz="1600" dirty="0"/>
-                        <a:t>-1</a:t>
-                      </a:r>
-                    </a:p>
-                  </a:txBody>
-                  <a:tcPr/>
-                </a:tc>
-                <a:tc>
-                  <a:txBody>
-                    <a:bodyPr/>
-                    <a:lstStyle/>
-                    <a:p>
-                      <a:endParaRPr lang="en-US" sz="1600"/>
-                    </a:p>
-                  </a:txBody>
-                  <a:tcPr/>
-                </a:tc>
-                <a:tc>
-                  <a:txBody>
-                    <a:bodyPr/>
-                    <a:lstStyle/>
-                    <a:p>
-                      <a:endParaRPr lang="en-US" sz="1600"/>
-                    </a:p>
-                  </a:txBody>
-                  <a:tcPr/>
-                </a:tc>
-                <a:extLst>
-                  <a:ext uri="{0D108BD9-81ED-4DB2-BD59-A6C34878D82A}">
-                    <a16:rowId xmlns:a16="http://schemas.microsoft.com/office/drawing/2014/main" val="760304260"/>
-                  </a:ext>
-                </a:extLst>
-              </a:tr>
-              <a:tr h="279400">
-                <a:tc>
-                  <a:txBody>
-                    <a:bodyPr/>
-                    <a:lstStyle/>
-                    <a:p>
-                      <a:pPr algn="r"/>
-                      <a:r>
-                        <a:rPr lang="en-US" sz="1600" dirty="0"/>
-                        <a:t>1</a:t>
-                      </a:r>
-                    </a:p>
-                  </a:txBody>
-                  <a:tcPr/>
-                </a:tc>
-                <a:tc>
-                  <a:txBody>
-                    <a:bodyPr/>
-                    <a:lstStyle/>
-                    <a:p>
-                      <a:endParaRPr lang="en-US" sz="1600"/>
-                    </a:p>
-                  </a:txBody>
-                  <a:tcPr/>
-                </a:tc>
-                <a:tc>
-                  <a:txBody>
-                    <a:bodyPr/>
-                    <a:lstStyle/>
-                    <a:p>
-                      <a:endParaRPr lang="en-US" sz="1600" dirty="0"/>
-                    </a:p>
-                  </a:txBody>
-                  <a:tcPr/>
-                </a:tc>
-                <a:extLst>
-                  <a:ext uri="{0D108BD9-81ED-4DB2-BD59-A6C34878D82A}">
-                    <a16:rowId xmlns:a16="http://schemas.microsoft.com/office/drawing/2014/main" val="2080774411"/>
-                  </a:ext>
-                </a:extLst>
-              </a:tr>
-            </a:tbl>
-          </a:graphicData>
-        </a:graphic>
-      </p:graphicFrame>
-      <mc:AlternateContent xmlns:mc="http://schemas.openxmlformats.org/markup-compatibility/2006" xmlns:a14="http://schemas.microsoft.com/office/drawing/2010/main">
-        <mc:Choice Requires="a14">
-          <p:sp>
-            <p:nvSpPr>
-              <p:cNvPr id="26" name="TextBox 25">
-                <a:extLst>
-                  <a:ext uri="{FF2B5EF4-FFF2-40B4-BE49-F238E27FC236}">
-                    <a16:creationId xmlns:a16="http://schemas.microsoft.com/office/drawing/2014/main" id="{7AC92AF1-60E7-B147-8C75-77B6AAACCB18}"/>
-                  </a:ext>
-                </a:extLst>
-              </p:cNvPr>
-              <p:cNvSpPr txBox="1"/>
-              <p:nvPr/>
-            </p:nvSpPr>
-            <p:spPr>
-              <a:xfrm>
-                <a:off x="3807980" y="5926718"/>
-                <a:ext cx="1221809" cy="369332"/>
-              </a:xfrm>
-              <a:prstGeom prst="rect">
-                <a:avLst/>
-              </a:prstGeom>
-              <a:noFill/>
-            </p:spPr>
-            <p:txBody>
-              <a:bodyPr wrap="none" rtlCol="0">
-                <a:spAutoFit/>
-              </a:bodyPr>
-              <a:lstStyle/>
-              <a:p>
-                <a:r>
-                  <a:rPr lang="en-US" b="1" dirty="0"/>
-                  <a:t>F1</a:t>
-                </a:r>
-                <a14:m>
-                  <m:oMath xmlns:m="http://schemas.openxmlformats.org/officeDocument/2006/math">
-                    <m:r>
-                      <a:rPr lang="en-US" b="1" i="1" smtClean="0">
-                        <a:latin typeface="Cambria Math" panose="02040503050406030204" pitchFamily="18" charset="0"/>
-                      </a:rPr>
-                      <m:t> (</m:t>
-                    </m:r>
-                    <m:r>
-                      <a:rPr lang="en-US" b="1" i="1" smtClean="0">
-                        <a:latin typeface="Cambria Math" panose="02040503050406030204" pitchFamily="18" charset="0"/>
-                      </a:rPr>
-                      <m:t>𝒊</m:t>
-                    </m:r>
-                    <m:r>
-                      <a:rPr lang="en-US" b="1" i="1" smtClean="0">
-                        <a:latin typeface="Cambria Math" panose="02040503050406030204" pitchFamily="18" charset="0"/>
-                      </a:rPr>
-                      <m:t>=</m:t>
-                    </m:r>
-                    <m:r>
-                      <a:rPr lang="en-US" b="1" i="1" smtClean="0">
-                        <a:latin typeface="Cambria Math" panose="02040503050406030204" pitchFamily="18" charset="0"/>
-                      </a:rPr>
-                      <m:t>𝟐</m:t>
-                    </m:r>
-                    <m:r>
-                      <a:rPr lang="en-US" b="1" i="1" smtClean="0">
-                        <a:latin typeface="Cambria Math" panose="02040503050406030204" pitchFamily="18" charset="0"/>
-                      </a:rPr>
-                      <m:t>)</m:t>
-                    </m:r>
-                  </m:oMath>
-                </a14:m>
-                <a:endParaRPr lang="en-US" b="1" dirty="0"/>
-              </a:p>
-            </p:txBody>
-          </p:sp>
-        </mc:Choice>
-        <mc:Fallback xmlns="">
-          <p:sp>
-            <p:nvSpPr>
-              <p:cNvPr id="26" name="TextBox 25">
-                <a:extLst>
-                  <a:ext uri="{FF2B5EF4-FFF2-40B4-BE49-F238E27FC236}">
-                    <a16:creationId xmlns:a16="http://schemas.microsoft.com/office/drawing/2014/main" id="{7AC92AF1-60E7-B147-8C75-77B6AAACCB18}"/>
-                  </a:ext>
-                </a:extLst>
-              </p:cNvPr>
-              <p:cNvSpPr txBox="1">
-                <a:spLocks noRot="1" noChangeAspect="1" noMove="1" noResize="1" noEditPoints="1" noAdjustHandles="1" noChangeArrowheads="1" noChangeShapeType="1" noTextEdit="1"/>
-              </p:cNvSpPr>
-              <p:nvPr/>
-            </p:nvSpPr>
-            <p:spPr>
-              <a:xfrm>
-                <a:off x="3807980" y="5926718"/>
-                <a:ext cx="1221809" cy="369332"/>
-              </a:xfrm>
-              <a:prstGeom prst="rect">
-                <a:avLst/>
-              </a:prstGeom>
-              <a:blipFill>
-                <a:blip r:embed="rId13"/>
-                <a:stretch>
-                  <a:fillRect l="-5208" t="-6667" r="-1042" b="-26667"/>
-                </a:stretch>
-              </a:blipFill>
-            </p:spPr>
-            <p:txBody>
-              <a:bodyPr/>
-              <a:lstStyle/>
-              <a:p>
-                <a:r>
-                  <a:rPr lang="en-US">
-                    <a:noFill/>
-                  </a:rPr>
-                  <a:t> </a:t>
-                </a:r>
-              </a:p>
-            </p:txBody>
-          </p:sp>
-        </mc:Fallback>
-      </mc:AlternateContent>
-      <mc:AlternateContent xmlns:mc="http://schemas.openxmlformats.org/markup-compatibility/2006" xmlns:a14="http://schemas.microsoft.com/office/drawing/2010/main">
-        <mc:Choice Requires="a14">
-          <p:sp>
-            <p:nvSpPr>
-              <p:cNvPr id="27" name="TextBox 26">
-                <a:extLst>
-                  <a:ext uri="{FF2B5EF4-FFF2-40B4-BE49-F238E27FC236}">
-                    <a16:creationId xmlns:a16="http://schemas.microsoft.com/office/drawing/2014/main" id="{8E12E32C-F0E9-4340-8C90-9544756A6D06}"/>
-                  </a:ext>
-                </a:extLst>
-              </p:cNvPr>
-              <p:cNvSpPr txBox="1"/>
-              <p:nvPr/>
-            </p:nvSpPr>
-            <p:spPr>
-              <a:xfrm>
-                <a:off x="5264082" y="5100707"/>
-                <a:ext cx="1130438" cy="369332"/>
-              </a:xfrm>
-              <a:prstGeom prst="rect">
-                <a:avLst/>
-              </a:prstGeom>
-              <a:noFill/>
-            </p:spPr>
-            <p:txBody>
-              <a:bodyPr wrap="none" rtlCol="0">
-                <a:spAutoFit/>
-              </a:bodyPr>
-              <a:lstStyle/>
-              <a:p>
-                <a:r>
-                  <a:rPr lang="en-US" b="1" dirty="0"/>
-                  <a:t>F3 (j</a:t>
-                </a:r>
-                <a14:m>
-                  <m:oMath xmlns:m="http://schemas.openxmlformats.org/officeDocument/2006/math">
-                    <m:r>
-                      <a:rPr lang="en-US" b="1" i="1" smtClean="0">
-                        <a:latin typeface="Cambria Math" panose="02040503050406030204" pitchFamily="18" charset="0"/>
-                      </a:rPr>
-                      <m:t>=</m:t>
-                    </m:r>
-                    <m:r>
-                      <a:rPr lang="en-US" b="1" i="1" smtClean="0">
-                        <a:latin typeface="Cambria Math" panose="02040503050406030204" pitchFamily="18" charset="0"/>
-                      </a:rPr>
-                      <m:t>𝟑</m:t>
-                    </m:r>
-                    <m:r>
-                      <a:rPr lang="en-US" b="1" i="1" smtClean="0">
-                        <a:latin typeface="Cambria Math" panose="02040503050406030204" pitchFamily="18" charset="0"/>
-                      </a:rPr>
-                      <m:t>)</m:t>
-                    </m:r>
-                  </m:oMath>
-                </a14:m>
-                <a:endParaRPr lang="en-US" b="1" dirty="0"/>
-              </a:p>
-            </p:txBody>
-          </p:sp>
-        </mc:Choice>
-        <mc:Fallback xmlns="">
-          <p:sp>
-            <p:nvSpPr>
-              <p:cNvPr id="27" name="TextBox 26">
-                <a:extLst>
-                  <a:ext uri="{FF2B5EF4-FFF2-40B4-BE49-F238E27FC236}">
-                    <a16:creationId xmlns:a16="http://schemas.microsoft.com/office/drawing/2014/main" id="{8E12E32C-F0E9-4340-8C90-9544756A6D06}"/>
-                  </a:ext>
-                </a:extLst>
-              </p:cNvPr>
-              <p:cNvSpPr txBox="1">
-                <a:spLocks noRot="1" noChangeAspect="1" noMove="1" noResize="1" noEditPoints="1" noAdjustHandles="1" noChangeArrowheads="1" noChangeShapeType="1" noTextEdit="1"/>
-              </p:cNvSpPr>
-              <p:nvPr/>
-            </p:nvSpPr>
-            <p:spPr>
-              <a:xfrm>
-                <a:off x="5264082" y="5100707"/>
-                <a:ext cx="1130438" cy="369332"/>
-              </a:xfrm>
-              <a:prstGeom prst="rect">
-                <a:avLst/>
-              </a:prstGeom>
-              <a:blipFill>
-                <a:blip r:embed="rId14"/>
-                <a:stretch>
-                  <a:fillRect l="-4444" t="-6667" r="-1111" b="-26667"/>
-                </a:stretch>
-              </a:blipFill>
-            </p:spPr>
-            <p:txBody>
-              <a:bodyPr/>
-              <a:lstStyle/>
-              <a:p>
-                <a:r>
-                  <a:rPr lang="en-US">
-                    <a:noFill/>
-                  </a:rPr>
-                  <a:t> </a:t>
-                </a:r>
-              </a:p>
-            </p:txBody>
-          </p:sp>
-        </mc:Fallback>
-      </mc:AlternateContent>
-    </p:spTree>
-    <p:extLst>
-      <p:ext uri="{BB962C8B-B14F-4D97-AF65-F5344CB8AC3E}">
-        <p14:creationId xmlns:p14="http://schemas.microsoft.com/office/powerpoint/2010/main" val="2789265651"/>
-      </p:ext>
-    </p:extLst>
-  </p:cSld>
-  <p:clrMapOvr>
-    <a:masterClrMapping/>
-  </p:clrMapOvr>
-  <p:timing>
-    <p:tnLst>
-      <p:par>
-        <p:cTn id="1" dur="indefinite" restart="never" nodeType="tmRoot">
-          <p:childTnLst>
-            <p:seq concurrent="1" nextAc="seek">
-              <p:cTn id="2" dur="indefinite" nodeType="mainSeq">
-                <p:childTnLst>
-                  <p:par>
-                    <p:cTn id="3" fill="hold">
-                      <p:stCondLst>
-                        <p:cond delay="indefinite"/>
-                      </p:stCondLst>
-                      <p:childTnLst>
-                        <p:par>
-                          <p:cTn id="4" fill="hold">
-                            <p:stCondLst>
-                              <p:cond delay="0"/>
-                            </p:stCondLst>
-                            <p:childTnLst>
-                              <p:par>
-                                <p:cTn id="5" presetID="1" presetClass="entr" presetSubtype="0" fill="hold" nodeType="clickEffect">
-                                  <p:stCondLst>
-                                    <p:cond delay="0"/>
-                                  </p:stCondLst>
-                                  <p:childTnLst>
-                                    <p:set>
-                                      <p:cBhvr>
-                                        <p:cTn id="6" dur="1" fill="hold">
-                                          <p:stCondLst>
-                                            <p:cond delay="0"/>
-                                          </p:stCondLst>
-                                        </p:cTn>
-                                        <p:tgtEl>
-                                          <p:spTgt spid="9"/>
-                                        </p:tgtEl>
-                                        <p:attrNameLst>
-                                          <p:attrName>style.visibility</p:attrName>
-                                        </p:attrNameLst>
-                                      </p:cBhvr>
-                                      <p:to>
-                                        <p:strVal val="visible"/>
-                                      </p:to>
-                                    </p:set>
-                                  </p:childTnLst>
-                                </p:cTn>
-                              </p:par>
-                              <p:par>
-                                <p:cTn id="7" presetID="1" presetClass="entr" presetSubtype="0" fill="hold" grpId="0" nodeType="withEffect">
-                                  <p:stCondLst>
-                                    <p:cond delay="0"/>
-                                  </p:stCondLst>
-                                  <p:childTnLst>
-                                    <p:set>
-                                      <p:cBhvr>
-                                        <p:cTn id="8" dur="1" fill="hold">
-                                          <p:stCondLst>
-                                            <p:cond delay="0"/>
-                                          </p:stCondLst>
-                                        </p:cTn>
-                                        <p:tgtEl>
-                                          <p:spTgt spid="10"/>
-                                        </p:tgtEl>
-                                        <p:attrNameLst>
-                                          <p:attrName>style.visibility</p:attrName>
-                                        </p:attrNameLst>
-                                      </p:cBhvr>
-                                      <p:to>
-                                        <p:strVal val="visible"/>
-                                      </p:to>
-                                    </p:set>
-                                  </p:childTnLst>
-                                </p:cTn>
-                              </p:par>
-                              <p:par>
-                                <p:cTn id="9" presetID="1" presetClass="entr" presetSubtype="0" fill="hold" nodeType="withEffect">
-                                  <p:stCondLst>
-                                    <p:cond delay="0"/>
-                                  </p:stCondLst>
-                                  <p:childTnLst>
-                                    <p:set>
-                                      <p:cBhvr>
-                                        <p:cTn id="10" dur="1" fill="hold">
-                                          <p:stCondLst>
-                                            <p:cond delay="0"/>
-                                          </p:stCondLst>
-                                        </p:cTn>
-                                        <p:tgtEl>
-                                          <p:spTgt spid="11"/>
-                                        </p:tgtEl>
-                                        <p:attrNameLst>
-                                          <p:attrName>style.visibility</p:attrName>
-                                        </p:attrNameLst>
-                                      </p:cBhvr>
-                                      <p:to>
-                                        <p:strVal val="visible"/>
-                                      </p:to>
-                                    </p:set>
-                                  </p:childTnLst>
-                                </p:cTn>
-                              </p:par>
-                              <p:par>
-                                <p:cTn id="11" presetID="1" presetClass="entr" presetSubtype="0" fill="hold" grpId="0" nodeType="withEffect">
-                                  <p:stCondLst>
-                                    <p:cond delay="0"/>
-                                  </p:stCondLst>
-                                  <p:childTnLst>
-                                    <p:set>
-                                      <p:cBhvr>
-                                        <p:cTn id="12" dur="1" fill="hold">
-                                          <p:stCondLst>
-                                            <p:cond delay="0"/>
-                                          </p:stCondLst>
-                                        </p:cTn>
-                                        <p:tgtEl>
-                                          <p:spTgt spid="12"/>
-                                        </p:tgtEl>
-                                        <p:attrNameLst>
-                                          <p:attrName>style.visibility</p:attrName>
-                                        </p:attrNameLst>
-                                      </p:cBhvr>
-                                      <p:to>
-                                        <p:strVal val="visible"/>
-                                      </p:to>
-                                    </p:set>
-                                  </p:childTnLst>
-                                </p:cTn>
-                              </p:par>
-                              <p:par>
-                                <p:cTn id="13" presetID="1" presetClass="entr" presetSubtype="0" fill="hold" nodeType="withEffect">
-                                  <p:stCondLst>
-                                    <p:cond delay="0"/>
-                                  </p:stCondLst>
-                                  <p:childTnLst>
-                                    <p:set>
-                                      <p:cBhvr>
-                                        <p:cTn id="14" dur="1" fill="hold">
-                                          <p:stCondLst>
-                                            <p:cond delay="0"/>
-                                          </p:stCondLst>
-                                        </p:cTn>
-                                        <p:tgtEl>
-                                          <p:spTgt spid="13"/>
-                                        </p:tgtEl>
-                                        <p:attrNameLst>
-                                          <p:attrName>style.visibility</p:attrName>
-                                        </p:attrNameLst>
-                                      </p:cBhvr>
-                                      <p:to>
-                                        <p:strVal val="visible"/>
-                                      </p:to>
-                                    </p:set>
-                                  </p:childTnLst>
-                                </p:cTn>
-                              </p:par>
-                              <p:par>
-                                <p:cTn id="15" presetID="1" presetClass="entr" presetSubtype="0" fill="hold" grpId="0" nodeType="withEffect">
-                                  <p:stCondLst>
-                                    <p:cond delay="0"/>
-                                  </p:stCondLst>
-                                  <p:childTnLst>
-                                    <p:set>
-                                      <p:cBhvr>
-                                        <p:cTn id="16" dur="1" fill="hold">
-                                          <p:stCondLst>
-                                            <p:cond delay="0"/>
-                                          </p:stCondLst>
-                                        </p:cTn>
-                                        <p:tgtEl>
-                                          <p:spTgt spid="14"/>
-                                        </p:tgtEl>
-                                        <p:attrNameLst>
-                                          <p:attrName>style.visibility</p:attrName>
-                                        </p:attrNameLst>
-                                      </p:cBhvr>
-                                      <p:to>
-                                        <p:strVal val="visible"/>
-                                      </p:to>
-                                    </p:set>
-                                  </p:childTnLst>
-                                </p:cTn>
-                              </p:par>
-                            </p:childTnLst>
-                          </p:cTn>
-                        </p:par>
-                      </p:childTnLst>
-                    </p:cTn>
-                  </p:par>
-                  <p:par>
-                    <p:cTn id="17" fill="hold">
-                      <p:stCondLst>
-                        <p:cond delay="indefinite"/>
-                      </p:stCondLst>
-                      <p:childTnLst>
-                        <p:par>
-                          <p:cTn id="18" fill="hold">
-                            <p:stCondLst>
-                              <p:cond delay="0"/>
-                            </p:stCondLst>
-                            <p:childTnLst>
-                              <p:par>
-                                <p:cTn id="19" presetID="1" presetClass="entr" presetSubtype="0" fill="hold" grpId="0" nodeType="clickEffect">
-                                  <p:stCondLst>
-                                    <p:cond delay="0"/>
-                                  </p:stCondLst>
-                                  <p:childTnLst>
-                                    <p:set>
-                                      <p:cBhvr>
-                                        <p:cTn id="20" dur="1" fill="hold">
-                                          <p:stCondLst>
-                                            <p:cond delay="0"/>
-                                          </p:stCondLst>
-                                        </p:cTn>
-                                        <p:tgtEl>
-                                          <p:spTgt spid="8"/>
-                                        </p:tgtEl>
-                                        <p:attrNameLst>
-                                          <p:attrName>style.visibility</p:attrName>
-                                        </p:attrNameLst>
-                                      </p:cBhvr>
-                                      <p:to>
-                                        <p:strVal val="visible"/>
-                                      </p:to>
-                                    </p:set>
-                                  </p:childTnLst>
-                                </p:cTn>
-                              </p:par>
-                              <p:par>
-                                <p:cTn id="21" presetID="1" presetClass="entr" presetSubtype="0" fill="hold" nodeType="withEffect">
-                                  <p:stCondLst>
-                                    <p:cond delay="0"/>
-                                  </p:stCondLst>
-                                  <p:childTnLst>
-                                    <p:set>
-                                      <p:cBhvr>
-                                        <p:cTn id="22" dur="1" fill="hold">
-                                          <p:stCondLst>
-                                            <p:cond delay="0"/>
-                                          </p:stCondLst>
-                                        </p:cTn>
-                                        <p:tgtEl>
-                                          <p:spTgt spid="15"/>
-                                        </p:tgtEl>
-                                        <p:attrNameLst>
-                                          <p:attrName>style.visibility</p:attrName>
-                                        </p:attrNameLst>
-                                      </p:cBhvr>
-                                      <p:to>
-                                        <p:strVal val="visible"/>
-                                      </p:to>
-                                    </p:set>
-                                  </p:childTnLst>
-                                </p:cTn>
-                              </p:par>
-                              <p:par>
-                                <p:cTn id="23" presetID="1" presetClass="entr" presetSubtype="0" fill="hold" grpId="0" nodeType="withEffect">
-                                  <p:stCondLst>
-                                    <p:cond delay="0"/>
-                                  </p:stCondLst>
-                                  <p:childTnLst>
-                                    <p:set>
-                                      <p:cBhvr>
-                                        <p:cTn id="24" dur="1" fill="hold">
-                                          <p:stCondLst>
-                                            <p:cond delay="0"/>
-                                          </p:stCondLst>
-                                        </p:cTn>
-                                        <p:tgtEl>
-                                          <p:spTgt spid="16"/>
-                                        </p:tgtEl>
-                                        <p:attrNameLst>
-                                          <p:attrName>style.visibility</p:attrName>
-                                        </p:attrNameLst>
-                                      </p:cBhvr>
-                                      <p:to>
-                                        <p:strVal val="visible"/>
-                                      </p:to>
-                                    </p:set>
-                                  </p:childTnLst>
-                                </p:cTn>
-                              </p:par>
-                              <p:par>
-                                <p:cTn id="25" presetID="1" presetClass="entr" presetSubtype="0" fill="hold" grpId="0" nodeType="withEffect">
-                                  <p:stCondLst>
-                                    <p:cond delay="0"/>
-                                  </p:stCondLst>
-                                  <p:childTnLst>
-                                    <p:set>
-                                      <p:cBhvr>
-                                        <p:cTn id="26" dur="1" fill="hold">
-                                          <p:stCondLst>
-                                            <p:cond delay="0"/>
-                                          </p:stCondLst>
-                                        </p:cTn>
-                                        <p:tgtEl>
-                                          <p:spTgt spid="17"/>
-                                        </p:tgtEl>
-                                        <p:attrNameLst>
-                                          <p:attrName>style.visibility</p:attrName>
-                                        </p:attrNameLst>
-                                      </p:cBhvr>
-                                      <p:to>
-                                        <p:strVal val="visible"/>
-                                      </p:to>
-                                    </p:set>
-                                  </p:childTnLst>
-                                </p:cTn>
-                              </p:par>
-                              <p:par>
-                                <p:cTn id="27" presetID="1" presetClass="entr" presetSubtype="0" fill="hold" nodeType="withEffect">
-                                  <p:stCondLst>
-                                    <p:cond delay="0"/>
-                                  </p:stCondLst>
-                                  <p:childTnLst>
-                                    <p:set>
-                                      <p:cBhvr>
-                                        <p:cTn id="28" dur="1" fill="hold">
-                                          <p:stCondLst>
-                                            <p:cond delay="0"/>
-                                          </p:stCondLst>
-                                        </p:cTn>
-                                        <p:tgtEl>
-                                          <p:spTgt spid="20"/>
-                                        </p:tgtEl>
-                                        <p:attrNameLst>
-                                          <p:attrName>style.visibility</p:attrName>
-                                        </p:attrNameLst>
-                                      </p:cBhvr>
-                                      <p:to>
-                                        <p:strVal val="visible"/>
-                                      </p:to>
-                                    </p:set>
-                                  </p:childTnLst>
-                                </p:cTn>
-                              </p:par>
-                            </p:childTnLst>
-                          </p:cTn>
-                        </p:par>
-                      </p:childTnLst>
-                    </p:cTn>
-                  </p:par>
-                  <p:par>
-                    <p:cTn id="29" fill="hold">
-                      <p:stCondLst>
-                        <p:cond delay="indefinite"/>
-                      </p:stCondLst>
-                      <p:childTnLst>
-                        <p:par>
-                          <p:cTn id="30" fill="hold">
-                            <p:stCondLst>
-                              <p:cond delay="0"/>
-                            </p:stCondLst>
-                            <p:childTnLst>
-                              <p:par>
-                                <p:cTn id="31" presetID="1" presetClass="entr" presetSubtype="0" fill="hold" nodeType="clickEffect">
-                                  <p:stCondLst>
-                                    <p:cond delay="0"/>
-                                  </p:stCondLst>
-                                  <p:childTnLst>
-                                    <p:set>
-                                      <p:cBhvr>
-                                        <p:cTn id="32" dur="1" fill="hold">
-                                          <p:stCondLst>
-                                            <p:cond delay="0"/>
-                                          </p:stCondLst>
-                                        </p:cTn>
-                                        <p:tgtEl>
-                                          <p:spTgt spid="21"/>
-                                        </p:tgtEl>
-                                        <p:attrNameLst>
-                                          <p:attrName>style.visibility</p:attrName>
-                                        </p:attrNameLst>
-                                      </p:cBhvr>
-                                      <p:to>
-                                        <p:strVal val="visible"/>
-                                      </p:to>
-                                    </p:set>
-                                  </p:childTnLst>
-                                </p:cTn>
-                              </p:par>
-                              <p:par>
-                                <p:cTn id="33" presetID="1" presetClass="entr" presetSubtype="0" fill="hold" grpId="0" nodeType="withEffect">
-                                  <p:stCondLst>
-                                    <p:cond delay="0"/>
-                                  </p:stCondLst>
-                                  <p:childTnLst>
-                                    <p:set>
-                                      <p:cBhvr>
-                                        <p:cTn id="34" dur="1" fill="hold">
-                                          <p:stCondLst>
-                                            <p:cond delay="0"/>
-                                          </p:stCondLst>
-                                        </p:cTn>
-                                        <p:tgtEl>
-                                          <p:spTgt spid="22"/>
-                                        </p:tgtEl>
-                                        <p:attrNameLst>
-                                          <p:attrName>style.visibility</p:attrName>
-                                        </p:attrNameLst>
-                                      </p:cBhvr>
-                                      <p:to>
-                                        <p:strVal val="visible"/>
-                                      </p:to>
-                                    </p:set>
-                                  </p:childTnLst>
-                                </p:cTn>
-                              </p:par>
-                              <p:par>
-                                <p:cTn id="35" presetID="1" presetClass="entr" presetSubtype="0" fill="hold" grpId="0" nodeType="withEffect">
-                                  <p:stCondLst>
-                                    <p:cond delay="0"/>
-                                  </p:stCondLst>
-                                  <p:childTnLst>
-                                    <p:set>
-                                      <p:cBhvr>
-                                        <p:cTn id="36" dur="1" fill="hold">
-                                          <p:stCondLst>
-                                            <p:cond delay="0"/>
-                                          </p:stCondLst>
-                                        </p:cTn>
-                                        <p:tgtEl>
-                                          <p:spTgt spid="23"/>
-                                        </p:tgtEl>
-                                        <p:attrNameLst>
-                                          <p:attrName>style.visibility</p:attrName>
-                                        </p:attrNameLst>
-                                      </p:cBhvr>
-                                      <p:to>
-                                        <p:strVal val="visible"/>
-                                      </p:to>
-                                    </p:set>
-                                  </p:childTnLst>
-                                </p:cTn>
-                              </p:par>
-                              <p:par>
-                                <p:cTn id="37" presetID="1" presetClass="entr" presetSubtype="0" fill="hold" nodeType="withEffect">
-                                  <p:stCondLst>
-                                    <p:cond delay="0"/>
-                                  </p:stCondLst>
-                                  <p:childTnLst>
-                                    <p:set>
-                                      <p:cBhvr>
-                                        <p:cTn id="38" dur="1" fill="hold">
-                                          <p:stCondLst>
-                                            <p:cond delay="0"/>
-                                          </p:stCondLst>
-                                        </p:cTn>
-                                        <p:tgtEl>
-                                          <p:spTgt spid="25"/>
-                                        </p:tgtEl>
-                                        <p:attrNameLst>
-                                          <p:attrName>style.visibility</p:attrName>
-                                        </p:attrNameLst>
-                                      </p:cBhvr>
-                                      <p:to>
-                                        <p:strVal val="visible"/>
-                                      </p:to>
-                                    </p:set>
-                                  </p:childTnLst>
-                                </p:cTn>
-                              </p:par>
-                              <p:par>
-                                <p:cTn id="39" presetID="1" presetClass="entr" presetSubtype="0" fill="hold" grpId="0" nodeType="withEffect">
-                                  <p:stCondLst>
-                                    <p:cond delay="0"/>
-                                  </p:stCondLst>
-                                  <p:childTnLst>
-                                    <p:set>
-                                      <p:cBhvr>
-                                        <p:cTn id="40" dur="1" fill="hold">
-                                          <p:stCondLst>
-                                            <p:cond delay="0"/>
-                                          </p:stCondLst>
-                                        </p:cTn>
-                                        <p:tgtEl>
-                                          <p:spTgt spid="26"/>
-                                        </p:tgtEl>
-                                        <p:attrNameLst>
-                                          <p:attrName>style.visibility</p:attrName>
-                                        </p:attrNameLst>
-                                      </p:cBhvr>
-                                      <p:to>
-                                        <p:strVal val="visible"/>
-                                      </p:to>
-                                    </p:set>
-                                  </p:childTnLst>
-                                </p:cTn>
-                              </p:par>
-                              <p:par>
-                                <p:cTn id="41" presetID="1" presetClass="entr" presetSubtype="0" fill="hold" grpId="0" nodeType="withEffect">
-                                  <p:stCondLst>
-                                    <p:cond delay="0"/>
-                                  </p:stCondLst>
-                                  <p:childTnLst>
-                                    <p:set>
-                                      <p:cBhvr>
-                                        <p:cTn id="42" dur="1" fill="hold">
-                                          <p:stCondLst>
-                                            <p:cond delay="0"/>
-                                          </p:stCondLst>
-                                        </p:cTn>
-                                        <p:tgtEl>
-                                          <p:spTgt spid="27"/>
-                                        </p:tgtEl>
-                                        <p:attrNameLst>
-                                          <p:attrName>style.visibility</p:attrName>
-                                        </p:attrNameLst>
-                                      </p:cBhvr>
-                                      <p:to>
-                                        <p:strVal val="visible"/>
-                                      </p:to>
-                                    </p:set>
-                                  </p:childTnLst>
-                                </p:cTn>
-                              </p:par>
-                            </p:childTnLst>
-                          </p:cTn>
-                        </p:par>
-                      </p:childTnLst>
-                    </p:cTn>
-                  </p:par>
-                </p:childTnLst>
-              </p:cTn>
-              <p:prevCondLst>
-                <p:cond evt="onPrev" delay="0">
-                  <p:tgtEl>
-                    <p:sldTgt/>
-                  </p:tgtEl>
-                </p:cond>
-              </p:prevCondLst>
-              <p:nextCondLst>
-                <p:cond evt="onNext" delay="0">
-                  <p:tgtEl>
-                    <p:sldTgt/>
-                  </p:tgtEl>
-                </p:cond>
-              </p:nextCondLst>
-            </p:seq>
-          </p:childTnLst>
-        </p:cTn>
-      </p:par>
-    </p:tnLst>
-    <p:bldLst>
-      <p:bldP spid="8" grpId="0"/>
-      <p:bldP spid="10" grpId="0"/>
-      <p:bldP spid="12" grpId="0"/>
-      <p:bldP spid="14" grpId="0"/>
-      <p:bldP spid="16" grpId="0"/>
-      <p:bldP spid="17" grpId="0"/>
-      <p:bldP spid="22" grpId="0"/>
-      <p:bldP spid="23" grpId="0"/>
-      <p:bldP spid="26" grpId="0"/>
-      <p:bldP spid="27" grpId="0"/>
     </p:bldLst>
   </p:timing>
 </p:sld>
@@ -30112,8 +26009,8 @@
           </a:p>
         </p:txBody>
       </p:sp>
-      <mc:AlternateContent xmlns:mc="http://schemas.openxmlformats.org/markup-compatibility/2006" xmlns:a14="http://schemas.microsoft.com/office/drawing/2010/main">
-        <mc:Choice Requires="a14">
+      <mc:AlternateContent xmlns:mc="http://schemas.openxmlformats.org/markup-compatibility/2006">
+        <mc:Choice xmlns:a14="http://schemas.microsoft.com/office/drawing/2010/main" Requires="a14">
           <p:graphicFrame>
             <p:nvGraphicFramePr>
               <p:cNvPr id="5" name="Table 8">
@@ -30129,7 +26026,7 @@
               <p:nvPr>
                 <p:extLst>
                   <p:ext uri="{D42A27DB-BD31-4B8C-83A1-F6EECF244321}">
-                    <p14:modId xmlns:p14="http://schemas.microsoft.com/office/powerpoint/2010/main" val="382265456"/>
+                    <p14:modId xmlns:p14="http://schemas.microsoft.com/office/powerpoint/2010/main" val="1793144788"/>
                   </p:ext>
                 </p:extLst>
               </p:nvPr>
@@ -30173,7 +26070,7 @@
                                 <a:rPr lang="en-US" b="1" i="1" smtClean="0">
                                   <a:latin typeface="Cambria Math" panose="02040503050406030204" pitchFamily="18" charset="0"/>
                                 </a:rPr>
-                                <m:t>𝒌</m:t>
+                                <m:t>𝒊</m:t>
                               </m:r>
                             </m:oMath>
                           </a14:m>
@@ -30385,7 +26282,7 @@
             </a:graphic>
           </p:graphicFrame>
         </mc:Choice>
-        <mc:Fallback xmlns="">
+        <mc:Fallback>
           <p:graphicFrame>
             <p:nvGraphicFramePr>
               <p:cNvPr id="5" name="Table 8">
@@ -30401,7 +26298,7 @@
               <p:nvPr>
                 <p:extLst>
                   <p:ext uri="{D42A27DB-BD31-4B8C-83A1-F6EECF244321}">
-                    <p14:modId xmlns:p14="http://schemas.microsoft.com/office/powerpoint/2010/main" val="382265456"/>
+                    <p14:modId xmlns:p14="http://schemas.microsoft.com/office/powerpoint/2010/main" val="1793144788"/>
                   </p:ext>
                 </p:extLst>
               </p:nvPr>
@@ -30651,8 +26548,8 @@
           </p:graphicFrame>
         </mc:Fallback>
       </mc:AlternateContent>
-      <mc:AlternateContent xmlns:mc="http://schemas.openxmlformats.org/markup-compatibility/2006" xmlns:a14="http://schemas.microsoft.com/office/drawing/2010/main">
-        <mc:Choice Requires="a14">
+      <mc:AlternateContent xmlns:mc="http://schemas.openxmlformats.org/markup-compatibility/2006">
+        <mc:Choice xmlns:a14="http://schemas.microsoft.com/office/drawing/2010/main" Requires="a14">
           <p:graphicFrame>
             <p:nvGraphicFramePr>
               <p:cNvPr id="11" name="Table 8">
@@ -30668,7 +26565,7 @@
               <p:nvPr>
                 <p:extLst>
                   <p:ext uri="{D42A27DB-BD31-4B8C-83A1-F6EECF244321}">
-                    <p14:modId xmlns:p14="http://schemas.microsoft.com/office/powerpoint/2010/main" val="3584903624"/>
+                    <p14:modId xmlns:p14="http://schemas.microsoft.com/office/powerpoint/2010/main" val="1502104344"/>
                   </p:ext>
                 </p:extLst>
               </p:nvPr>
@@ -30712,7 +26609,7 @@
                                 <a:rPr lang="en-US" b="1" i="1" smtClean="0">
                                   <a:latin typeface="Cambria Math" panose="02040503050406030204" pitchFamily="18" charset="0"/>
                                 </a:rPr>
-                                <m:t>𝒊</m:t>
+                                <m:t>𝒌</m:t>
                               </m:r>
                             </m:oMath>
                           </a14:m>
@@ -30929,7 +26826,7 @@
             </a:graphic>
           </p:graphicFrame>
         </mc:Choice>
-        <mc:Fallback xmlns="">
+        <mc:Fallback>
           <p:graphicFrame>
             <p:nvGraphicFramePr>
               <p:cNvPr id="11" name="Table 8">
@@ -30945,7 +26842,7 @@
               <p:nvPr>
                 <p:extLst>
                   <p:ext uri="{D42A27DB-BD31-4B8C-83A1-F6EECF244321}">
-                    <p14:modId xmlns:p14="http://schemas.microsoft.com/office/powerpoint/2010/main" val="3584903624"/>
+                    <p14:modId xmlns:p14="http://schemas.microsoft.com/office/powerpoint/2010/main" val="1502104344"/>
                   </p:ext>
                 </p:extLst>
               </p:nvPr>

--- a/Fall_2021/lecture_7 - Basics of Experimental Design/Lecture_7 - Design_of_experiments-Overview.pptx
+++ b/Fall_2021/lecture_7 - Basics of Experimental Design/Lecture_7 - Design_of_experiments-Overview.pptx
@@ -31050,8 +31050,8 @@
           </a:p>
         </p:txBody>
       </p:sp>
-      <mc:AlternateContent xmlns:mc="http://schemas.openxmlformats.org/markup-compatibility/2006" xmlns:a14="http://schemas.microsoft.com/office/drawing/2010/main">
-        <mc:Choice Requires="a14">
+      <mc:AlternateContent xmlns:mc="http://schemas.openxmlformats.org/markup-compatibility/2006">
+        <mc:Choice xmlns:a14="http://schemas.microsoft.com/office/drawing/2010/main" Requires="a14">
           <p:sp>
             <p:nvSpPr>
               <p:cNvPr id="4" name="Content Placeholder 3">
@@ -31284,18 +31284,6 @@
                           </a:rPr>
                           <m:t>𝑦</m:t>
                         </m:r>
-                        <m:r>
-                          <a:rPr lang="en-US" b="0" i="1" smtClean="0">
-                            <a:latin typeface="Cambria Math" panose="02040503050406030204" pitchFamily="18" charset="0"/>
-                          </a:rPr>
-                          <m:t>, </m:t>
-                        </m:r>
-                        <m:r>
-                          <a:rPr lang="en-US" b="0" i="1" smtClean="0">
-                            <a:latin typeface="Cambria Math" panose="02040503050406030204" pitchFamily="18" charset="0"/>
-                          </a:rPr>
-                          <m:t>𝑦</m:t>
-                        </m:r>
                       </m:e>
                       <m:sub>
                         <m:r>
@@ -31447,82 +31435,6 @@
                 <a:r>
                   <a:rPr lang="en-US" dirty="0"/>
                   <a:t>Two way design (2WD): </a:t>
-                </a:r>
-                <a14:m>
-                  <m:oMath xmlns:m="http://schemas.openxmlformats.org/officeDocument/2006/math">
-                    <m:sSub>
-                      <m:sSubPr>
-                        <m:ctrlPr>
-                          <a:rPr lang="en-US" i="1">
-                            <a:latin typeface="Cambria Math" panose="02040503050406030204" pitchFamily="18" charset="0"/>
-                          </a:rPr>
-                        </m:ctrlPr>
-                      </m:sSubPr>
-                      <m:e>
-                        <m:r>
-                          <a:rPr lang="en-US" b="0" i="1" smtClean="0">
-                            <a:latin typeface="Cambria Math" panose="02040503050406030204" pitchFamily="18" charset="0"/>
-                          </a:rPr>
-                          <m:t>𝑦</m:t>
-                        </m:r>
-                        <m:r>
-                          <a:rPr lang="en-US" b="0" i="1" smtClean="0">
-                            <a:latin typeface="Cambria Math" panose="02040503050406030204" pitchFamily="18" charset="0"/>
-                          </a:rPr>
-                          <m:t>, </m:t>
-                        </m:r>
-                        <m:r>
-                          <a:rPr lang="en-US" i="1">
-                            <a:latin typeface="Cambria Math" panose="02040503050406030204" pitchFamily="18" charset="0"/>
-                          </a:rPr>
-                          <m:t>𝑦</m:t>
-                        </m:r>
-                      </m:e>
-                      <m:sub>
-                        <m:r>
-                          <a:rPr lang="en-US" i="1">
-                            <a:latin typeface="Cambria Math" panose="02040503050406030204" pitchFamily="18" charset="0"/>
-                          </a:rPr>
-                          <m:t>𝑖</m:t>
-                        </m:r>
-                        <m:r>
-                          <a:rPr lang="en-US" i="1">
-                            <a:latin typeface="Cambria Math" panose="02040503050406030204" pitchFamily="18" charset="0"/>
-                          </a:rPr>
-                          <m:t>,</m:t>
-                        </m:r>
-                        <m:sSub>
-                          <m:sSubPr>
-                            <m:ctrlPr>
-                              <a:rPr lang="en-US" i="1">
-                                <a:latin typeface="Cambria Math" panose="02040503050406030204" pitchFamily="18" charset="0"/>
-                              </a:rPr>
-                            </m:ctrlPr>
-                          </m:sSubPr>
-                          <m:e>
-                            <m:r>
-                              <a:rPr lang="en-US" i="1">
-                                <a:latin typeface="Cambria Math" panose="02040503050406030204" pitchFamily="18" charset="0"/>
-                              </a:rPr>
-                              <m:t>𝑘</m:t>
-                            </m:r>
-                          </m:e>
-                          <m:sub>
-                            <m:r>
-                              <a:rPr lang="en-US" i="1">
-                                <a:latin typeface="Cambria Math" panose="02040503050406030204" pitchFamily="18" charset="0"/>
-                              </a:rPr>
-                              <m:t>𝑖</m:t>
-                            </m:r>
-                          </m:sub>
-                        </m:sSub>
-                      </m:sub>
-                    </m:sSub>
-                  </m:oMath>
-                </a14:m>
-                <a:r>
-                  <a:rPr lang="en-US" dirty="0"/>
-                  <a:t>, </a:t>
                 </a:r>
                 <a14:m>
                   <m:oMath xmlns:m="http://schemas.openxmlformats.org/officeDocument/2006/math">
@@ -31779,194 +31691,6 @@
                       </m:sSubPr>
                       <m:e>
                         <m:r>
-                          <a:rPr lang="en-US" b="0" i="1" smtClean="0">
-                            <a:latin typeface="Cambria Math" panose="02040503050406030204" pitchFamily="18" charset="0"/>
-                          </a:rPr>
-                          <m:t>𝑦</m:t>
-                        </m:r>
-                        <m:r>
-                          <a:rPr lang="en-US" b="0" i="1" smtClean="0">
-                            <a:latin typeface="Cambria Math" panose="02040503050406030204" pitchFamily="18" charset="0"/>
-                          </a:rPr>
-                          <m:t>, </m:t>
-                        </m:r>
-                        <m:r>
-                          <a:rPr lang="en-US" i="1">
-                            <a:latin typeface="Cambria Math" panose="02040503050406030204" pitchFamily="18" charset="0"/>
-                          </a:rPr>
-                          <m:t>𝑦</m:t>
-                        </m:r>
-                      </m:e>
-                      <m:sub>
-                        <m:r>
-                          <a:rPr lang="en-US" i="1">
-                            <a:latin typeface="Cambria Math" panose="02040503050406030204" pitchFamily="18" charset="0"/>
-                          </a:rPr>
-                          <m:t>𝑖</m:t>
-                        </m:r>
-                        <m:r>
-                          <a:rPr lang="en-US" i="1">
-                            <a:latin typeface="Cambria Math" panose="02040503050406030204" pitchFamily="18" charset="0"/>
-                          </a:rPr>
-                          <m:t>,</m:t>
-                        </m:r>
-                        <m:sSub>
-                          <m:sSubPr>
-                            <m:ctrlPr>
-                              <a:rPr lang="en-US" i="1">
-                                <a:latin typeface="Cambria Math" panose="02040503050406030204" pitchFamily="18" charset="0"/>
-                              </a:rPr>
-                            </m:ctrlPr>
-                          </m:sSubPr>
-                          <m:e>
-                            <m:r>
-                              <a:rPr lang="en-US" i="1">
-                                <a:latin typeface="Cambria Math" panose="02040503050406030204" pitchFamily="18" charset="0"/>
-                              </a:rPr>
-                              <m:t>𝑘</m:t>
-                            </m:r>
-                          </m:e>
-                          <m:sub>
-                            <m:r>
-                              <a:rPr lang="en-US" i="1">
-                                <a:latin typeface="Cambria Math" panose="02040503050406030204" pitchFamily="18" charset="0"/>
-                              </a:rPr>
-                              <m:t>𝑖</m:t>
-                            </m:r>
-                          </m:sub>
-                        </m:sSub>
-                      </m:sub>
-                    </m:sSub>
-                  </m:oMath>
-                </a14:m>
-                <a:r>
-                  <a:rPr lang="en-US" dirty="0"/>
-                  <a:t>, </a:t>
-                </a:r>
-                <a14:m>
-                  <m:oMath xmlns:m="http://schemas.openxmlformats.org/officeDocument/2006/math">
-                    <m:sSub>
-                      <m:sSubPr>
-                        <m:ctrlPr>
-                          <a:rPr lang="en-US" i="1">
-                            <a:latin typeface="Cambria Math" panose="02040503050406030204" pitchFamily="18" charset="0"/>
-                          </a:rPr>
-                        </m:ctrlPr>
-                      </m:sSubPr>
-                      <m:e>
-                        <m:r>
-                          <a:rPr lang="en-US" i="1">
-                            <a:latin typeface="Cambria Math" panose="02040503050406030204" pitchFamily="18" charset="0"/>
-                          </a:rPr>
-                          <m:t>𝑦</m:t>
-                        </m:r>
-                      </m:e>
-                      <m:sub>
-                        <m:r>
-                          <a:rPr lang="en-US" i="1">
-                            <a:latin typeface="Cambria Math" panose="02040503050406030204" pitchFamily="18" charset="0"/>
-                          </a:rPr>
-                          <m:t>𝑖</m:t>
-                        </m:r>
-                        <m:r>
-                          <a:rPr lang="en-US" i="1">
-                            <a:latin typeface="Cambria Math" panose="02040503050406030204" pitchFamily="18" charset="0"/>
-                          </a:rPr>
-                          <m:t>,</m:t>
-                        </m:r>
-                        <m:sSub>
-                          <m:sSubPr>
-                            <m:ctrlPr>
-                              <a:rPr lang="en-US" i="1">
-                                <a:latin typeface="Cambria Math" panose="02040503050406030204" pitchFamily="18" charset="0"/>
-                              </a:rPr>
-                            </m:ctrlPr>
-                          </m:sSubPr>
-                          <m:e>
-                            <m:r>
-                              <a:rPr lang="en-US" i="1">
-                                <a:latin typeface="Cambria Math" panose="02040503050406030204" pitchFamily="18" charset="0"/>
-                              </a:rPr>
-                              <m:t>𝑘</m:t>
-                            </m:r>
-                          </m:e>
-                          <m:sub>
-                            <m:r>
-                              <a:rPr lang="en-US" i="1">
-                                <a:latin typeface="Cambria Math" panose="02040503050406030204" pitchFamily="18" charset="0"/>
-                              </a:rPr>
-                              <m:t>𝑖</m:t>
-                            </m:r>
-                          </m:sub>
-                        </m:sSub>
-                        <m:r>
-                          <a:rPr lang="en-US" i="1">
-                            <a:latin typeface="Cambria Math" panose="02040503050406030204" pitchFamily="18" charset="0"/>
-                          </a:rPr>
-                          <m:t>,</m:t>
-                        </m:r>
-                        <m:r>
-                          <a:rPr lang="en-US" i="1">
-                            <a:latin typeface="Cambria Math" panose="02040503050406030204" pitchFamily="18" charset="0"/>
-                          </a:rPr>
-                          <m:t>𝑗</m:t>
-                        </m:r>
-                        <m:r>
-                          <a:rPr lang="en-US" i="1">
-                            <a:latin typeface="Cambria Math" panose="02040503050406030204" pitchFamily="18" charset="0"/>
-                          </a:rPr>
-                          <m:t>, </m:t>
-                        </m:r>
-                        <m:sSub>
-                          <m:sSubPr>
-                            <m:ctrlPr>
-                              <a:rPr lang="en-US" i="1">
-                                <a:latin typeface="Cambria Math" panose="02040503050406030204" pitchFamily="18" charset="0"/>
-                              </a:rPr>
-                            </m:ctrlPr>
-                          </m:sSubPr>
-                          <m:e>
-                            <m:r>
-                              <a:rPr lang="en-US" i="1">
-                                <a:latin typeface="Cambria Math" panose="02040503050406030204" pitchFamily="18" charset="0"/>
-                              </a:rPr>
-                              <m:t>𝑘</m:t>
-                            </m:r>
-                          </m:e>
-                          <m:sub>
-                            <m:r>
-                              <a:rPr lang="en-US" i="1">
-                                <a:latin typeface="Cambria Math" panose="02040503050406030204" pitchFamily="18" charset="0"/>
-                              </a:rPr>
-                              <m:t>𝑗</m:t>
-                            </m:r>
-                          </m:sub>
-                        </m:sSub>
-                      </m:sub>
-                    </m:sSub>
-                    <m:r>
-                      <a:rPr lang="en-US" b="0" i="0" smtClean="0">
-                        <a:latin typeface="Cambria Math" panose="02040503050406030204" pitchFamily="18" charset="0"/>
-                      </a:rPr>
-                      <m:t>,</m:t>
-                    </m:r>
-                    <m:r>
-                      <m:rPr>
-                        <m:nor/>
-                      </m:rPr>
-                      <a:rPr lang="en-US" dirty="0"/>
-                      <m:t> </m:t>
-                    </m:r>
-                    <m:sSub>
-                      <m:sSubPr>
-                        <m:ctrlPr>
-                          <a:rPr lang="en-US" i="1">
-                            <a:latin typeface="Cambria Math" panose="02040503050406030204" pitchFamily="18" charset="0"/>
-                          </a:rPr>
-                        </m:ctrlPr>
-                      </m:sSubPr>
-                      <m:e>
-                        <m:r>
                           <a:rPr lang="en-US" i="1">
                             <a:latin typeface="Cambria Math" panose="02040503050406030204" pitchFamily="18" charset="0"/>
                           </a:rPr>
@@ -32107,7 +31831,7 @@
             </p:txBody>
           </p:sp>
         </mc:Choice>
-        <mc:Fallback xmlns="">
+        <mc:Fallback>
           <p:sp>
             <p:nvSpPr>
               <p:cNvPr id="4" name="Content Placeholder 3">

--- a/Fall_2021/lecture_7 - Basics of Experimental Design/Lecture_7 - Design_of_experiments-Overview.pptx
+++ b/Fall_2021/lecture_7 - Basics of Experimental Design/Lecture_7 - Design_of_experiments-Overview.pptx
@@ -299,7 +299,7 @@
               <a:pPr>
                 <a:defRPr/>
               </a:pPr>
-              <a:t>10/13/21</a:t>
+              <a:t>10/22/21</a:t>
             </a:fld>
             <a:endParaRPr lang="en-US" altLang="x-none"/>
           </a:p>
@@ -508,7 +508,7 @@
               <a:pPr>
                 <a:defRPr/>
               </a:pPr>
-              <a:t>10/13/21</a:t>
+              <a:t>10/22/21</a:t>
             </a:fld>
             <a:endParaRPr lang="en-US" altLang="x-none"/>
           </a:p>
@@ -25272,7 +25272,7 @@
                 </a:solidFill>
                 <a:latin typeface="Courier New" panose="02070309020205020404" pitchFamily="49" charset="0"/>
               </a:rPr>
-              <a:t>J0: $</a:t>
+              <a:t>J0: </a:t>
             </a:r>
             <a:r>
               <a:rPr lang="en-US" dirty="0">
@@ -25594,7 +25594,7 @@
                 </a:solidFill>
                 <a:latin typeface="Courier New" panose="02070309020205020404" pitchFamily="49" charset="0"/>
               </a:rPr>
-              <a:t>*pyruvate</a:t>
+              <a:t>*pyruvate*B</a:t>
             </a:r>
           </a:p>
           <a:p>
@@ -26009,8 +26009,8 @@
           </a:p>
         </p:txBody>
       </p:sp>
-      <mc:AlternateContent xmlns:mc="http://schemas.openxmlformats.org/markup-compatibility/2006">
-        <mc:Choice xmlns:a14="http://schemas.microsoft.com/office/drawing/2010/main" Requires="a14">
+      <mc:AlternateContent xmlns:mc="http://schemas.openxmlformats.org/markup-compatibility/2006" xmlns:a14="http://schemas.microsoft.com/office/drawing/2010/main">
+        <mc:Choice Requires="a14">
           <p:graphicFrame>
             <p:nvGraphicFramePr>
               <p:cNvPr id="5" name="Table 8">
@@ -26282,7 +26282,7 @@
             </a:graphic>
           </p:graphicFrame>
         </mc:Choice>
-        <mc:Fallback>
+        <mc:Fallback xmlns="">
           <p:graphicFrame>
             <p:nvGraphicFramePr>
               <p:cNvPr id="5" name="Table 8">
@@ -26548,8 +26548,8 @@
           </p:graphicFrame>
         </mc:Fallback>
       </mc:AlternateContent>
-      <mc:AlternateContent xmlns:mc="http://schemas.openxmlformats.org/markup-compatibility/2006">
-        <mc:Choice xmlns:a14="http://schemas.microsoft.com/office/drawing/2010/main" Requires="a14">
+      <mc:AlternateContent xmlns:mc="http://schemas.openxmlformats.org/markup-compatibility/2006" xmlns:a14="http://schemas.microsoft.com/office/drawing/2010/main">
+        <mc:Choice Requires="a14">
           <p:graphicFrame>
             <p:nvGraphicFramePr>
               <p:cNvPr id="11" name="Table 8">
@@ -26826,7 +26826,7 @@
             </a:graphic>
           </p:graphicFrame>
         </mc:Choice>
-        <mc:Fallback>
+        <mc:Fallback xmlns="">
           <p:graphicFrame>
             <p:nvGraphicFramePr>
               <p:cNvPr id="11" name="Table 8">
@@ -31050,8 +31050,8 @@
           </a:p>
         </p:txBody>
       </p:sp>
-      <mc:AlternateContent xmlns:mc="http://schemas.openxmlformats.org/markup-compatibility/2006">
-        <mc:Choice xmlns:a14="http://schemas.microsoft.com/office/drawing/2010/main" Requires="a14">
+      <mc:AlternateContent xmlns:mc="http://schemas.openxmlformats.org/markup-compatibility/2006" xmlns:a14="http://schemas.microsoft.com/office/drawing/2010/main">
+        <mc:Choice Requires="a14">
           <p:sp>
             <p:nvSpPr>
               <p:cNvPr id="4" name="Content Placeholder 3">
@@ -31831,7 +31831,7 @@
             </p:txBody>
           </p:sp>
         </mc:Choice>
-        <mc:Fallback>
+        <mc:Fallback xmlns="">
           <p:sp>
             <p:nvSpPr>
               <p:cNvPr id="4" name="Content Placeholder 3">
